--- a/solutions/nvidia/ai/gpu-compute-cluster/delivery/closeout-presentation.pptx
+++ b/solutions/nvidia/ai/gpu-compute-cluster/delivery/closeout-presentation.pptx
@@ -18,28 +18,6 @@
     <p:sldId id="263" r:id="rId14"/>
     <p:sldId id="264" r:id="rId15"/>
     <p:sldId id="265" r:id="rId16"/>
-    <p:sldId id="266" r:id="rId17"/>
-    <p:sldId id="267" r:id="rId18"/>
-    <p:sldId id="268" r:id="rId19"/>
-    <p:sldId id="269" r:id="rId20"/>
-    <p:sldId id="270" r:id="rId21"/>
-    <p:sldId id="271" r:id="rId22"/>
-    <p:sldId id="272" r:id="rId23"/>
-    <p:sldId id="273" r:id="rId24"/>
-    <p:sldId id="274" r:id="rId25"/>
-    <p:sldId id="275" r:id="rId26"/>
-    <p:sldId id="276" r:id="rId27"/>
-    <p:sldId id="277" r:id="rId28"/>
-    <p:sldId id="278" r:id="rId29"/>
-    <p:sldId id="279" r:id="rId30"/>
-    <p:sldId id="280" r:id="rId31"/>
-    <p:sldId id="281" r:id="rId32"/>
-    <p:sldId id="282" r:id="rId33"/>
-    <p:sldId id="283" r:id="rId34"/>
-    <p:sldId id="284" r:id="rId35"/>
-    <p:sldId id="285" r:id="rId36"/>
-    <p:sldId id="286" r:id="rId37"/>
-    <p:sldId id="287" r:id="rId38"/>
   </p:sldIdLst>
   <p:sldSz cx="9144000" cy="5143500" type="screen16x9"/>
   <p:notesSz cx="5143500" cy="9144000"/>
@@ -139,6 +117,9 @@
     <p:ext uri="{EFAFB233-063F-42B5-8137-9DF3F51BA10A}">
       <p15:sldGuideLst xmlns:p15="http://schemas.microsoft.com/office/powerpoint/2012/main"/>
     </p:ext>
+    <p:ext uri="{2D200454-40CA-4A62-9FC3-DE9A4176ACB9}">
+      <p15:notesGuideLst xmlns:p15="http://schemas.microsoft.com/office/powerpoint/2012/main"/>
+    </p:ext>
   </p:extLst>
 </p:presentation>
 </file>
@@ -165,6 +146,59 @@
           <a:chExt cx="0" cy="0"/>
         </a:xfrm>
       </p:grpSpPr>
+      <p:sp>
+        <p:nvSpPr>
+          <p:cNvPr id="2" name="Slide Image Placeholder 1"/>
+          <p:cNvSpPr>
+            <a:spLocks noGrp="1" noRot="1" noChangeAspect="1"/>
+          </p:cNvSpPr>
+          <p:nvPr>
+            <p:ph type="sldImg"/>
+          </p:nvPr>
+        </p:nvSpPr>
+        <p:spPr>
+          <a:xfrm>
+            <a:off x="-171450" y="1143000"/>
+            <a:ext cx="5486400" cy="3086100"/>
+          </a:xfrm>
+          <a:prstGeom prst="rect">
+            <a:avLst/>
+          </a:prstGeom>
+          <a:noFill/>
+          <a:ln w="12700">
+            <a:solidFill>
+              <a:prstClr val="black"/>
+            </a:solidFill>
+          </a:ln>
+        </p:spPr>
+      </p:sp>
+      <p:sp>
+        <p:nvSpPr>
+          <p:cNvPr id="3" name="Notes Placeholder 2"/>
+          <p:cNvSpPr>
+            <a:spLocks noGrp="1"/>
+          </p:cNvSpPr>
+          <p:nvPr>
+            <p:ph type="body" idx="1"/>
+          </p:nvPr>
+        </p:nvSpPr>
+        <p:spPr>
+          <a:xfrm>
+            <a:off x="514350" y="4400550"/>
+            <a:ext cx="4114800" cy="3600450"/>
+          </a:xfrm>
+          <a:prstGeom prst="rect">
+            <a:avLst/>
+          </a:prstGeom>
+        </p:spPr>
+        <p:txBody>
+          <a:bodyPr/>
+          <a:lstStyle/>
+          <a:p>
+            <a:endParaRPr lang="en-US"/>
+          </a:p>
+        </p:txBody>
+      </p:sp>
     </p:spTree>
     <p:extLst>
       <p:ext uri="{BB962C8B-B14F-4D97-AF65-F5344CB8AC3E}">
@@ -268,6 +302,2028 @@
 </p:notesMaster>
 </file>
 
+<file path=ppt/notesSlides/notesSlide1.xml><?xml version="1.0" encoding="utf-8"?>
+<p:notes xmlns:a="http://schemas.openxmlformats.org/drawingml/2006/main" xmlns:p="http://schemas.openxmlformats.org/presentationml/2006/main" xmlns:r="http://schemas.openxmlformats.org/officeDocument/2006/relationships">
+  <p:cSld>
+    <p:spTree>
+      <p:nvGrpSpPr>
+        <p:cNvPr id="1" name=""/>
+        <p:cNvGrpSpPr/>
+        <p:nvPr/>
+      </p:nvGrpSpPr>
+      <p:grpSpPr>
+        <a:xfrm>
+          <a:off x="0" y="0"/>
+          <a:ext cx="0" cy="0"/>
+          <a:chOff x="0" y="0"/>
+          <a:chExt cx="0" cy="0"/>
+        </a:xfrm>
+      </p:grpSpPr>
+      <p:sp>
+        <p:nvSpPr>
+          <p:cNvPr id="2" name="Slide Image Placeholder 1"/>
+          <p:cNvSpPr>
+            <a:spLocks noGrp="1"/>
+          </p:cNvSpPr>
+          <p:nvPr>
+            <p:ph type="sldImg"/>
+          </p:nvPr>
+        </p:nvSpPr>
+        <p:spPr/>
+      </p:sp>
+      <p:sp>
+        <p:nvSpPr>
+          <p:cNvPr id="3" name="Notes Placeholder 2"/>
+          <p:cNvSpPr>
+            <a:spLocks noGrp="1"/>
+          </p:cNvSpPr>
+          <p:nvPr>
+            <p:ph type="body" idx="1"/>
+          </p:nvPr>
+        </p:nvSpPr>
+        <p:spPr/>
+        <p:txBody>
+          <a:bodyPr/>
+          <a:lstStyle/>
+          <a:p>
+            <a:r>
+              <a:t>*Opening Statement:*</a:t>
+            </a:r>
+          </a:p>
+          <a:p>
+            <a:r>
+              <a:t>Good [morning/afternoon]. Today we're celebrating the successful completion of the NVIDIA GPU Compute Cluster implementation. This project has transformed [Client Name]'s AI development capabilities from cloud-dependent GPU resources to an on-premises Kubernetes-orchestrated platform.</a:t>
+            </a:r>
+          </a:p>
+          <a:p/>
+          <a:p>
+            <a:r>
+              <a:t>*Key Talking Points - Expand on Each Bullet:*</a:t>
+            </a:r>
+          </a:p>
+          <a:p/>
+          <a:p>
+            <a:r>
+              <a:t>**Project Duration - 16 Weeks:**</a:t>
+            </a:r>
+          </a:p>
+          <a:p>
+            <a:r>
+              <a:t>- Phase 1 (Discovery &amp; Assessment): Weeks 1-3</a:t>
+            </a:r>
+          </a:p>
+          <a:p>
+            <a:r>
+              <a:t>- Phase 2 (Infrastructure Deployment): Weeks 4-7</a:t>
+            </a:r>
+          </a:p>
+          <a:p>
+            <a:r>
+              <a:t>- Phase 3 (Kubernetes &amp; MLOps): Weeks 8-11</a:t>
+            </a:r>
+          </a:p>
+          <a:p>
+            <a:r>
+              <a:t>- Phase 4 (Testing &amp; Validation): Weeks 12-13</a:t>
+            </a:r>
+          </a:p>
+          <a:p>
+            <a:r>
+              <a:t>- Phase 5 (Hypercare): Weeks 14-16</a:t>
+            </a:r>
+          </a:p>
+          <a:p>
+            <a:r>
+              <a:t>- All milestones achieved on schedule</a:t>
+            </a:r>
+          </a:p>
+          <a:p/>
+          <a:p>
+            <a:r>
+              <a:t>**Budget - $1.2M:**</a:t>
+            </a:r>
+          </a:p>
+          <a:p>
+            <a:r>
+              <a:t>- Hardware: $840,000 (8 servers, 32 A100s, 100 GbE)</a:t>
+            </a:r>
+          </a:p>
+          <a:p>
+            <a:r>
+              <a:t>- Storage: $180,000 (200 TB NetApp AFF)</a:t>
+            </a:r>
+          </a:p>
+          <a:p>
+            <a:r>
+              <a:t>- Software: $96,000 (NVIDIA AI Enterprise licenses)</a:t>
+            </a:r>
+          </a:p>
+          <a:p>
+            <a:r>
+              <a:t>- Services: $84,000 (implementation and training)</a:t>
+            </a:r>
+          </a:p>
+          <a:p>
+            <a:r>
+              <a:t>- Actual spend within 3% of forecast</a:t>
+            </a:r>
+          </a:p>
+          <a:p/>
+          <a:p>
+            <a:r>
+              <a:t>**GPU Performance - 32 A100 40GB:**</a:t>
+            </a:r>
+          </a:p>
+          <a:p>
+            <a:r>
+              <a:t>- 8x Dell R750xa servers with 4x A100 each</a:t>
+            </a:r>
+          </a:p>
+          <a:p>
+            <a:r>
+              <a:t>- Total GPU memory: 1.28 TB</a:t>
+            </a:r>
+          </a:p>
+          <a:p>
+            <a:r>
+              <a:t>- 100 GbE networking for distributed training</a:t>
+            </a:r>
+          </a:p>
+          <a:p>
+            <a:r>
+              <a:t>- NVIDIA GPU Operator for Kubernetes scheduling</a:t>
+            </a:r>
+          </a:p>
+          <a:p/>
+          <a:p>
+            <a:r>
+              <a:t>**Training Speed - 10x Improvement:**</a:t>
+            </a:r>
+          </a:p>
+          <a:p>
+            <a:r>
+              <a:t>- BERT model training: 3 days to 7 hours</a:t>
+            </a:r>
+          </a:p>
+          <a:p>
+            <a:r>
+              <a:t>- Multi-GPU distributed training enabled</a:t>
+            </a:r>
+          </a:p>
+          <a:p>
+            <a:r>
+              <a:t>- Kubernetes resource scheduling optimized</a:t>
+            </a:r>
+          </a:p>
+          <a:p>
+            <a:r>
+              <a:t>- NGC containers for AI framework optimization</a:t>
+            </a:r>
+          </a:p>
+          <a:p/>
+          <a:p>
+            <a:r>
+              <a:t>*Transition:*</a:t>
+            </a:r>
+          </a:p>
+          <a:p>
+            <a:r>
+              <a:t>"Let me walk you through what we built..."</a:t>
+            </a:r>
+          </a:p>
+        </p:txBody>
+      </p:sp>
+    </p:spTree>
+  </p:cSld>
+  <p:clrMapOvr>
+    <a:masterClrMapping/>
+  </p:clrMapOvr>
+</p:notes>
+</file>
+
+<file path=ppt/notesSlides/notesSlide2.xml><?xml version="1.0" encoding="utf-8"?>
+<p:notes xmlns:a="http://schemas.openxmlformats.org/drawingml/2006/main" xmlns:p="http://schemas.openxmlformats.org/presentationml/2006/main" xmlns:r="http://schemas.openxmlformats.org/officeDocument/2006/relationships">
+  <p:cSld>
+    <p:spTree>
+      <p:nvGrpSpPr>
+        <p:cNvPr id="1" name=""/>
+        <p:cNvGrpSpPr/>
+        <p:nvPr/>
+      </p:nvGrpSpPr>
+      <p:grpSpPr>
+        <a:xfrm>
+          <a:off x="0" y="0"/>
+          <a:ext cx="0" cy="0"/>
+          <a:chOff x="0" y="0"/>
+          <a:chExt cx="0" cy="0"/>
+        </a:xfrm>
+      </p:grpSpPr>
+      <p:sp>
+        <p:nvSpPr>
+          <p:cNvPr id="2" name="Slide Image Placeholder 1"/>
+          <p:cNvSpPr>
+            <a:spLocks noGrp="1"/>
+          </p:cNvSpPr>
+          <p:nvPr>
+            <p:ph type="sldImg"/>
+          </p:nvPr>
+        </p:nvSpPr>
+        <p:spPr/>
+      </p:sp>
+      <p:sp>
+        <p:nvSpPr>
+          <p:cNvPr id="3" name="Notes Placeholder 2"/>
+          <p:cNvSpPr>
+            <a:spLocks noGrp="1"/>
+          </p:cNvSpPr>
+          <p:nvPr>
+            <p:ph type="body" idx="1"/>
+          </p:nvPr>
+        </p:nvSpPr>
+        <p:spPr/>
+        <p:txBody>
+          <a:bodyPr/>
+          <a:lstStyle/>
+          <a:p>
+            <a:r>
+              <a:t>*Architecture Overview:*</a:t>
+            </a:r>
+          </a:p>
+          <a:p/>
+          <a:p>
+            <a:r>
+              <a:t>"This diagram shows the production GPU cluster architecture. Let me walk through each layer..."</a:t>
+            </a:r>
+          </a:p>
+          <a:p/>
+          <a:p>
+            <a:r>
+              <a:t>**Compute Layer - 8x Dell R750xa Servers:**</a:t>
+            </a:r>
+          </a:p>
+          <a:p>
+            <a:r>
+              <a:t>- Each server: 4x NVIDIA A100 40GB GPUs</a:t>
+            </a:r>
+          </a:p>
+          <a:p>
+            <a:r>
+              <a:t>- Total: 32 A100 GPUs providing significant ML compute</a:t>
+            </a:r>
+          </a:p>
+          <a:p>
+            <a:r>
+              <a:t>- 128 CPU cores per server (dual Intel Xeon Platinum)</a:t>
+            </a:r>
+          </a:p>
+          <a:p>
+            <a:r>
+              <a:t>- 1 TB RAM per server (8 TB total cluster memory)</a:t>
+            </a:r>
+          </a:p>
+          <a:p>
+            <a:r>
+              <a:t>- 4x NVMe SSDs per server for local scratch</a:t>
+            </a:r>
+          </a:p>
+          <a:p/>
+          <a:p>
+            <a:r>
+              <a:t>**Network Fabric - 100 GbE RoCE:**</a:t>
+            </a:r>
+          </a:p>
+          <a:p>
+            <a:r>
+              <a:t>- 2x 100 GbE ports per server for GPU traffic</a:t>
+            </a:r>
+          </a:p>
+          <a:p>
+            <a:r>
+              <a:t>- RDMA over Converged Ethernet (RoCE) enabled</a:t>
+            </a:r>
+          </a:p>
+          <a:p>
+            <a:r>
+              <a:t>- Low-latency GPU-to-GPU communication</a:t>
+            </a:r>
+          </a:p>
+          <a:p>
+            <a:r>
+              <a:t>- Spine-leaf topology for non-blocking bandwidth</a:t>
+            </a:r>
+          </a:p>
+          <a:p/>
+          <a:p>
+            <a:r>
+              <a:t>**Storage Layer - NetApp AFF:**</a:t>
+            </a:r>
+          </a:p>
+          <a:p>
+            <a:r>
+              <a:t>- 200 TB NVMe all-flash storage</a:t>
+            </a:r>
+          </a:p>
+          <a:p>
+            <a:r>
+              <a:t>- 10+ GB/s sustained throughput</a:t>
+            </a:r>
+          </a:p>
+          <a:p>
+            <a:r>
+              <a:t>- NFS mounts for shared datasets and models</a:t>
+            </a:r>
+          </a:p>
+          <a:p>
+            <a:r>
+              <a:t>- Kubernetes persistent volume provisioning</a:t>
+            </a:r>
+          </a:p>
+          <a:p/>
+          <a:p>
+            <a:r>
+              <a:t>**Kubernetes Platform:**</a:t>
+            </a:r>
+          </a:p>
+          <a:p>
+            <a:r>
+              <a:t>- 3-node control plane for high availability</a:t>
+            </a:r>
+          </a:p>
+          <a:p>
+            <a:r>
+              <a:t>- 8 GPU worker nodes</a:t>
+            </a:r>
+          </a:p>
+          <a:p>
+            <a:r>
+              <a:t>- NVIDIA GPU Operator for automatic driver management</a:t>
+            </a:r>
+          </a:p>
+          <a:p>
+            <a:r>
+              <a:t>- GPU device plugin for resource scheduling</a:t>
+            </a:r>
+          </a:p>
+          <a:p/>
+          <a:p>
+            <a:r>
+              <a:t>**MLOps Stack:**</a:t>
+            </a:r>
+          </a:p>
+          <a:p>
+            <a:r>
+              <a:t>- Kubeflow 1.8 for ML pipeline orchestration</a:t>
+            </a:r>
+          </a:p>
+          <a:p>
+            <a:r>
+              <a:t>- MLflow for experiment tracking and model registry</a:t>
+            </a:r>
+          </a:p>
+          <a:p>
+            <a:r>
+              <a:t>- Triton Inference Server for model serving</a:t>
+            </a:r>
+          </a:p>
+          <a:p>
+            <a:r>
+              <a:t>- JupyterHub for interactive development</a:t>
+            </a:r>
+          </a:p>
+          <a:p/>
+          <a:p>
+            <a:r>
+              <a:t>*Presales Alignment:*</a:t>
+            </a:r>
+          </a:p>
+          <a:p>
+            <a:r>
+              <a:t>- Architecture matches SOW exactly</a:t>
+            </a:r>
+          </a:p>
+          <a:p>
+            <a:r>
+              <a:t>- 8 servers with 32 A100 GPUs as scoped</a:t>
+            </a:r>
+          </a:p>
+          <a:p>
+            <a:r>
+              <a:t>- 200 TB storage as specified</a:t>
+            </a:r>
+          </a:p>
+          <a:p>
+            <a:r>
+              <a:t>- All MLOps components delivered</a:t>
+            </a:r>
+          </a:p>
+          <a:p/>
+          <a:p>
+            <a:r>
+              <a:t>*Transition:*</a:t>
+            </a:r>
+          </a:p>
+          <a:p>
+            <a:r>
+              <a:t>"Now let me show you the complete deliverables..."</a:t>
+            </a:r>
+          </a:p>
+        </p:txBody>
+      </p:sp>
+    </p:spTree>
+  </p:cSld>
+  <p:clrMapOvr>
+    <a:masterClrMapping/>
+  </p:clrMapOvr>
+</p:notes>
+</file>
+
+<file path=ppt/notesSlides/notesSlide3.xml><?xml version="1.0" encoding="utf-8"?>
+<p:notes xmlns:a="http://schemas.openxmlformats.org/drawingml/2006/main" xmlns:p="http://schemas.openxmlformats.org/presentationml/2006/main" xmlns:r="http://schemas.openxmlformats.org/officeDocument/2006/relationships">
+  <p:cSld>
+    <p:spTree>
+      <p:nvGrpSpPr>
+        <p:cNvPr id="1" name=""/>
+        <p:cNvGrpSpPr/>
+        <p:nvPr/>
+      </p:nvGrpSpPr>
+      <p:grpSpPr>
+        <a:xfrm>
+          <a:off x="0" y="0"/>
+          <a:ext cx="0" cy="0"/>
+          <a:chOff x="0" y="0"/>
+          <a:chExt cx="0" cy="0"/>
+        </a:xfrm>
+      </p:grpSpPr>
+      <p:sp>
+        <p:nvSpPr>
+          <p:cNvPr id="2" name="Slide Image Placeholder 1"/>
+          <p:cNvSpPr>
+            <a:spLocks noGrp="1"/>
+          </p:cNvSpPr>
+          <p:nvPr>
+            <p:ph type="sldImg"/>
+          </p:nvPr>
+        </p:nvSpPr>
+        <p:spPr/>
+      </p:sp>
+      <p:sp>
+        <p:nvSpPr>
+          <p:cNvPr id="3" name="Notes Placeholder 2"/>
+          <p:cNvSpPr>
+            <a:spLocks noGrp="1"/>
+          </p:cNvSpPr>
+          <p:nvPr>
+            <p:ph type="body" idx="1"/>
+          </p:nvPr>
+        </p:nvSpPr>
+        <p:spPr/>
+        <p:txBody>
+          <a:bodyPr/>
+          <a:lstStyle/>
+          <a:p>
+            <a:r>
+              <a:t>*Deliverables Detail:*</a:t>
+            </a:r>
+          </a:p>
+          <a:p/>
+          <a:p>
+            <a:r>
+              <a:t>**1. Detailed Design Document:**</a:t>
+            </a:r>
+          </a:p>
+          <a:p>
+            <a:r>
+              <a:t>- GPU cluster architecture with Dell R750xa specifications</a:t>
+            </a:r>
+          </a:p>
+          <a:p>
+            <a:r>
+              <a:t>- Kubernetes cluster design and GPU Operator configuration</a:t>
+            </a:r>
+          </a:p>
+          <a:p>
+            <a:r>
+              <a:t>- Network topology with 100 GbE RoCE design</a:t>
+            </a:r>
+          </a:p>
+          <a:p>
+            <a:r>
+              <a:t>- Storage architecture with NetApp integration</a:t>
+            </a:r>
+          </a:p>
+          <a:p>
+            <a:r>
+              <a:t>- MLOps platform component specifications</a:t>
+            </a:r>
+          </a:p>
+          <a:p/>
+          <a:p>
+            <a:r>
+              <a:t>**2. Implementation Guide:**</a:t>
+            </a:r>
+          </a:p>
+          <a:p>
+            <a:r>
+              <a:t>- Server rack installation procedures</a:t>
+            </a:r>
+          </a:p>
+          <a:p>
+            <a:r>
+              <a:t>- Kubernetes cluster deployment steps</a:t>
+            </a:r>
+          </a:p>
+          <a:p>
+            <a:r>
+              <a:t>- NVIDIA GPU Operator installation</a:t>
+            </a:r>
+          </a:p>
+          <a:p>
+            <a:r>
+              <a:t>- Kubeflow and MLflow configuration</a:t>
+            </a:r>
+          </a:p>
+          <a:p>
+            <a:r>
+              <a:t>- Triton Inference Server setup</a:t>
+            </a:r>
+          </a:p>
+          <a:p/>
+          <a:p>
+            <a:r>
+              <a:t>**3. Project Plan (Multi-sheet Excel):**</a:t>
+            </a:r>
+          </a:p>
+          <a:p>
+            <a:r>
+              <a:t>- 28 tasks across 16 weeks</a:t>
+            </a:r>
+          </a:p>
+          <a:p>
+            <a:r>
+              <a:t>- 6 key milestones tracked</a:t>
+            </a:r>
+          </a:p>
+          <a:p>
+            <a:r>
+              <a:t>- RACI matrix for all activities</a:t>
+            </a:r>
+          </a:p>
+          <a:p>
+            <a:r>
+              <a:t>- Communications plan with meeting schedule</a:t>
+            </a:r>
+          </a:p>
+          <a:p/>
+          <a:p>
+            <a:r>
+              <a:t>**4. Test Plan &amp; Results:**</a:t>
+            </a:r>
+          </a:p>
+          <a:p>
+            <a:r>
+              <a:t>- GPU validation tests (32 GPUs)</a:t>
+            </a:r>
+          </a:p>
+          <a:p>
+            <a:r>
+              <a:t>- Kubernetes scheduling tests</a:t>
+            </a:r>
+          </a:p>
+          <a:p>
+            <a:r>
+              <a:t>- Distributed training benchmarks</a:t>
+            </a:r>
+          </a:p>
+          <a:p>
+            <a:r>
+              <a:t>- MLOps pipeline validation</a:t>
+            </a:r>
+          </a:p>
+          <a:p>
+            <a:r>
+              <a:t>- User acceptance testing</a:t>
+            </a:r>
+          </a:p>
+          <a:p/>
+          <a:p>
+            <a:r>
+              <a:t>**5. Configuration Guide:**</a:t>
+            </a:r>
+          </a:p>
+          <a:p>
+            <a:r>
+              <a:t>- 55+ configuration parameters documented</a:t>
+            </a:r>
+          </a:p>
+          <a:p>
+            <a:r>
+              <a:t>- GPU driver and CUDA versions</a:t>
+            </a:r>
+          </a:p>
+          <a:p>
+            <a:r>
+              <a:t>- Kubernetes resource quotas</a:t>
+            </a:r>
+          </a:p>
+          <a:p>
+            <a:r>
+              <a:t>- Kubeflow pipeline configurations</a:t>
+            </a:r>
+          </a:p>
+          <a:p/>
+          <a:p>
+            <a:r>
+              <a:t>**6. Operations Runbook:**</a:t>
+            </a:r>
+          </a:p>
+          <a:p>
+            <a:r>
+              <a:t>- Daily cluster health checks</a:t>
+            </a:r>
+          </a:p>
+          <a:p>
+            <a:r>
+              <a:t>- GPU monitoring procedures</a:t>
+            </a:r>
+          </a:p>
+          <a:p>
+            <a:r>
+              <a:t>- Kubernetes troubleshooting</a:t>
+            </a:r>
+          </a:p>
+          <a:p>
+            <a:r>
+              <a:t>- Scaling procedures</a:t>
+            </a:r>
+          </a:p>
+          <a:p/>
+          <a:p>
+            <a:r>
+              <a:t>**Training Delivered:**</a:t>
+            </a:r>
+          </a:p>
+          <a:p>
+            <a:r>
+              <a:t>- Administrator Training: 2 sessions, 4 participants</a:t>
+            </a:r>
+          </a:p>
+          <a:p>
+            <a:r>
+              <a:t>- Data Scientist Training: 3 sessions, 20 participants</a:t>
+            </a:r>
+          </a:p>
+          <a:p>
+            <a:r>
+              <a:t>- Total: 12 hours of training delivered</a:t>
+            </a:r>
+          </a:p>
+          <a:p/>
+          <a:p>
+            <a:r>
+              <a:t>*Transition:*</a:t>
+            </a:r>
+          </a:p>
+          <a:p>
+            <a:r>
+              <a:t>"Let's look at performance against our targets..."</a:t>
+            </a:r>
+          </a:p>
+        </p:txBody>
+      </p:sp>
+    </p:spTree>
+  </p:cSld>
+  <p:clrMapOvr>
+    <a:masterClrMapping/>
+  </p:clrMapOvr>
+</p:notes>
+</file>
+
+<file path=ppt/notesSlides/notesSlide4.xml><?xml version="1.0" encoding="utf-8"?>
+<p:notes xmlns:a="http://schemas.openxmlformats.org/drawingml/2006/main" xmlns:p="http://schemas.openxmlformats.org/presentationml/2006/main" xmlns:r="http://schemas.openxmlformats.org/officeDocument/2006/relationships">
+  <p:cSld>
+    <p:spTree>
+      <p:nvGrpSpPr>
+        <p:cNvPr id="1" name=""/>
+        <p:cNvGrpSpPr/>
+        <p:nvPr/>
+      </p:nvGrpSpPr>
+      <p:grpSpPr>
+        <a:xfrm>
+          <a:off x="0" y="0"/>
+          <a:ext cx="0" cy="0"/>
+          <a:chOff x="0" y="0"/>
+          <a:chExt cx="0" cy="0"/>
+        </a:xfrm>
+      </p:grpSpPr>
+      <p:sp>
+        <p:nvSpPr>
+          <p:cNvPr id="2" name="Slide Image Placeholder 1"/>
+          <p:cNvSpPr>
+            <a:spLocks noGrp="1"/>
+          </p:cNvSpPr>
+          <p:nvPr>
+            <p:ph type="sldImg"/>
+          </p:nvPr>
+        </p:nvSpPr>
+        <p:spPr/>
+      </p:sp>
+      <p:sp>
+        <p:nvSpPr>
+          <p:cNvPr id="3" name="Notes Placeholder 2"/>
+          <p:cNvSpPr>
+            <a:spLocks noGrp="1"/>
+          </p:cNvSpPr>
+          <p:nvPr>
+            <p:ph type="body" idx="1"/>
+          </p:nvPr>
+        </p:nvSpPr>
+        <p:spPr/>
+        <p:txBody>
+          <a:bodyPr/>
+          <a:lstStyle/>
+          <a:p>
+            <a:r>
+              <a:t>*Performance Deep Dive:*</a:t>
+            </a:r>
+          </a:p>
+          <a:p/>
+          <a:p>
+            <a:r>
+              <a:t>**GPU Utilization - 82% Average:**</a:t>
+            </a:r>
+          </a:p>
+          <a:p>
+            <a:r>
+              <a:t>- Target was 80% per SOW</a:t>
+            </a:r>
+          </a:p>
+          <a:p>
+            <a:r>
+              <a:t>- Achieved 82% average across 32 GPUs</a:t>
+            </a:r>
+          </a:p>
+          <a:p>
+            <a:r>
+              <a:t>- Peak: 95% during large training jobs</a:t>
+            </a:r>
+          </a:p>
+          <a:p>
+            <a:r>
+              <a:t>- GPU time-slicing enables efficient sharing</a:t>
+            </a:r>
+          </a:p>
+          <a:p>
+            <a:r>
+              <a:t>- 20+ data scientists using concurrently</a:t>
+            </a:r>
+          </a:p>
+          <a:p/>
+          <a:p>
+            <a:r>
+              <a:t>**Distributed Training - 10x Improvement:**</a:t>
+            </a:r>
+          </a:p>
+          <a:p>
+            <a:r>
+              <a:t>- BERT training: 3 days (CPU) → 7 hours (GPU cluster)</a:t>
+            </a:r>
+          </a:p>
+          <a:p>
+            <a:r>
+              <a:t>- ResNet-50 ImageNet: Linear scaling to 32 GPUs</a:t>
+            </a:r>
+          </a:p>
+          <a:p>
+            <a:r>
+              <a:t>- PyTorch DDP and Horovod validated</a:t>
+            </a:r>
+          </a:p>
+          <a:p>
+            <a:r>
+              <a:t>- NCCL communication optimized</a:t>
+            </a:r>
+          </a:p>
+          <a:p/>
+          <a:p>
+            <a:r>
+              <a:t>**Model Inference - &lt;50ms Latency:**</a:t>
+            </a:r>
+          </a:p>
+          <a:p>
+            <a:r>
+              <a:t>- Triton Inference Server deployed</a:t>
+            </a:r>
+          </a:p>
+          <a:p>
+            <a:r>
+              <a:t>- p99 latency: 45ms (target: &lt;50ms)</a:t>
+            </a:r>
+          </a:p>
+          <a:p>
+            <a:r>
+              <a:t>- Throughput: 1000+ requests/second</a:t>
+            </a:r>
+          </a:p>
+          <a:p>
+            <a:r>
+              <a:t>- Dynamic batching enabled</a:t>
+            </a:r>
+          </a:p>
+          <a:p/>
+          <a:p>
+            <a:r>
+              <a:t>**Storage Throughput - 12 GB/s:**</a:t>
+            </a:r>
+          </a:p>
+          <a:p>
+            <a:r>
+              <a:t>- Target was 10 GB/s per SOW</a:t>
+            </a:r>
+          </a:p>
+          <a:p>
+            <a:r>
+              <a:t>- Achieved 12 GB/s sustained read</a:t>
+            </a:r>
+          </a:p>
+          <a:p>
+            <a:r>
+              <a:t>- Kubernetes PV provisioning working</a:t>
+            </a:r>
+          </a:p>
+          <a:p>
+            <a:r>
+              <a:t>- Dataset loading bottleneck eliminated</a:t>
+            </a:r>
+          </a:p>
+          <a:p/>
+          <a:p>
+            <a:r>
+              <a:t>**Testing Summary:**</a:t>
+            </a:r>
+          </a:p>
+          <a:p>
+            <a:r>
+              <a:t>- Total Test Cases: 32</a:t>
+            </a:r>
+          </a:p>
+          <a:p>
+            <a:r>
+              <a:t>- Functional Tests: 12 (100% pass)</a:t>
+            </a:r>
+          </a:p>
+          <a:p>
+            <a:r>
+              <a:t>- Performance Tests: 12 (100% pass)</a:t>
+            </a:r>
+          </a:p>
+          <a:p>
+            <a:r>
+              <a:t>- UAT Tests: 8 (100% pass)</a:t>
+            </a:r>
+          </a:p>
+          <a:p>
+            <a:r>
+              <a:t>- Pass Rate: 100%</a:t>
+            </a:r>
+          </a:p>
+          <a:p/>
+          <a:p>
+            <a:r>
+              <a:t>*Transition:*</a:t>
+            </a:r>
+          </a:p>
+          <a:p>
+            <a:r>
+              <a:t>"These improvements deliver real business value..."</a:t>
+            </a:r>
+          </a:p>
+        </p:txBody>
+      </p:sp>
+    </p:spTree>
+  </p:cSld>
+  <p:clrMapOvr>
+    <a:masterClrMapping/>
+  </p:clrMapOvr>
+</p:notes>
+</file>
+
+<file path=ppt/notesSlides/notesSlide5.xml><?xml version="1.0" encoding="utf-8"?>
+<p:notes xmlns:a="http://schemas.openxmlformats.org/drawingml/2006/main" xmlns:p="http://schemas.openxmlformats.org/presentationml/2006/main" xmlns:r="http://schemas.openxmlformats.org/officeDocument/2006/relationships">
+  <p:cSld>
+    <p:spTree>
+      <p:nvGrpSpPr>
+        <p:cNvPr id="1" name=""/>
+        <p:cNvGrpSpPr/>
+        <p:nvPr/>
+      </p:nvGrpSpPr>
+      <p:grpSpPr>
+        <a:xfrm>
+          <a:off x="0" y="0"/>
+          <a:ext cx="0" cy="0"/>
+          <a:chOff x="0" y="0"/>
+          <a:chExt cx="0" cy="0"/>
+        </a:xfrm>
+      </p:grpSpPr>
+      <p:sp>
+        <p:nvSpPr>
+          <p:cNvPr id="2" name="Slide Image Placeholder 1"/>
+          <p:cNvSpPr>
+            <a:spLocks noGrp="1"/>
+          </p:cNvSpPr>
+          <p:nvPr>
+            <p:ph type="sldImg"/>
+          </p:nvPr>
+        </p:nvSpPr>
+        <p:spPr/>
+      </p:sp>
+      <p:sp>
+        <p:nvSpPr>
+          <p:cNvPr id="3" name="Notes Placeholder 2"/>
+          <p:cNvSpPr>
+            <a:spLocks noGrp="1"/>
+          </p:cNvSpPr>
+          <p:nvPr>
+            <p:ph type="body" idx="1"/>
+          </p:nvPr>
+        </p:nvSpPr>
+        <p:spPr/>
+        <p:txBody>
+          <a:bodyPr/>
+          <a:lstStyle/>
+          <a:p>
+            <a:r>
+              <a:t>*Benefits Analysis:*</a:t>
+            </a:r>
+          </a:p>
+          <a:p/>
+          <a:p>
+            <a:r>
+              <a:t>**Training Speed - 10x Faster:**</a:t>
+            </a:r>
+          </a:p>
+          <a:p/>
+          <a:p>
+            <a:r>
+              <a:t>*Before (CPU-only or limited cloud):*</a:t>
+            </a:r>
+          </a:p>
+          <a:p>
+            <a:r>
+              <a:t>- BERT model fine-tuning: 3 days</a:t>
+            </a:r>
+          </a:p>
+          <a:p>
+            <a:r>
+              <a:t>- ResNet-50 training: 1 week</a:t>
+            </a:r>
+          </a:p>
+          <a:p>
+            <a:r>
+              <a:t>- Limited by cloud GPU availability</a:t>
+            </a:r>
+          </a:p>
+          <a:p>
+            <a:r>
+              <a:t>- Data scientists waiting for resources</a:t>
+            </a:r>
+          </a:p>
+          <a:p/>
+          <a:p>
+            <a:r>
+              <a:t>*After (GPU Cluster):*</a:t>
+            </a:r>
+          </a:p>
+          <a:p>
+            <a:r>
+              <a:t>- BERT model fine-tuning: 7 hours</a:t>
+            </a:r>
+          </a:p>
+          <a:p>
+            <a:r>
+              <a:t>- ResNet-50 training: 16 hours</a:t>
+            </a:r>
+          </a:p>
+          <a:p>
+            <a:r>
+              <a:t>- Dedicated GPU resources</a:t>
+            </a:r>
+          </a:p>
+          <a:p>
+            <a:r>
+              <a:t>- Concurrent experiments enabled</a:t>
+            </a:r>
+          </a:p>
+          <a:p/>
+          <a:p>
+            <a:r>
+              <a:t>**Cloud Cost Reduction - $350K/year:**</a:t>
+            </a:r>
+          </a:p>
+          <a:p/>
+          <a:p>
+            <a:r>
+              <a:t>*Previous Cloud Spend:*</a:t>
+            </a:r>
+          </a:p>
+          <a:p>
+            <a:r>
+              <a:t>- AWS p3.8xlarge: $480K annually</a:t>
+            </a:r>
+          </a:p>
+          <a:p>
+            <a:r>
+              <a:t>- Spot instance interruptions</a:t>
+            </a:r>
+          </a:p>
+          <a:p>
+            <a:r>
+              <a:t>- Data transfer costs</a:t>
+            </a:r>
+          </a:p>
+          <a:p>
+            <a:r>
+              <a:t>- Limited availability</a:t>
+            </a:r>
+          </a:p>
+          <a:p/>
+          <a:p>
+            <a:r>
+              <a:t>*New Operating Model:*</a:t>
+            </a:r>
+          </a:p>
+          <a:p>
+            <a:r>
+              <a:t>- Owned infrastructure: ~$130K/year operating</a:t>
+            </a:r>
+          </a:p>
+          <a:p>
+            <a:r>
+              <a:t>- No usage-based charges</a:t>
+            </a:r>
+          </a:p>
+          <a:p>
+            <a:r>
+              <a:t>- No data transfer costs</a:t>
+            </a:r>
+          </a:p>
+          <a:p>
+            <a:r>
+              <a:t>- Predictable capacity</a:t>
+            </a:r>
+          </a:p>
+          <a:p/>
+          <a:p>
+            <a:r>
+              <a:t>**User Capacity - 22 Active Users:**</a:t>
+            </a:r>
+          </a:p>
+          <a:p>
+            <a:r>
+              <a:t>- All 20+ data scientists onboarded</a:t>
+            </a:r>
+          </a:p>
+          <a:p>
+            <a:r>
+              <a:t>- Kubernetes namespaces per team</a:t>
+            </a:r>
+          </a:p>
+          <a:p>
+            <a:r>
+              <a:t>- GPU quota management working</a:t>
+            </a:r>
+          </a:p>
+          <a:p>
+            <a:r>
+              <a:t>- Fair scheduling via Kubernetes</a:t>
+            </a:r>
+          </a:p>
+          <a:p/>
+          <a:p>
+            <a:r>
+              <a:t>**Model Deployment - 52 Models:**</a:t>
+            </a:r>
+          </a:p>
+          <a:p>
+            <a:r>
+              <a:t>- Triton Inference Server operational</a:t>
+            </a:r>
+          </a:p>
+          <a:p>
+            <a:r>
+              <a:t>- 52 models deployed to production</a:t>
+            </a:r>
+          </a:p>
+          <a:p>
+            <a:r>
+              <a:t>- A/B testing supported</a:t>
+            </a:r>
+          </a:p>
+          <a:p>
+            <a:r>
+              <a:t>- Model versioning via MLflow</a:t>
+            </a:r>
+          </a:p>
+          <a:p/>
+          <a:p>
+            <a:r>
+              <a:t>*Transition:*</a:t>
+            </a:r>
+          </a:p>
+          <a:p>
+            <a:r>
+              <a:t>"We learned valuable lessons during implementation..."</a:t>
+            </a:r>
+          </a:p>
+        </p:txBody>
+      </p:sp>
+    </p:spTree>
+  </p:cSld>
+  <p:clrMapOvr>
+    <a:masterClrMapping/>
+  </p:clrMapOvr>
+</p:notes>
+</file>
+
+<file path=ppt/notesSlides/notesSlide6.xml><?xml version="1.0" encoding="utf-8"?>
+<p:notes xmlns:a="http://schemas.openxmlformats.org/drawingml/2006/main" xmlns:p="http://schemas.openxmlformats.org/presentationml/2006/main" xmlns:r="http://schemas.openxmlformats.org/officeDocument/2006/relationships">
+  <p:cSld>
+    <p:spTree>
+      <p:nvGrpSpPr>
+        <p:cNvPr id="1" name=""/>
+        <p:cNvGrpSpPr/>
+        <p:nvPr/>
+      </p:nvGrpSpPr>
+      <p:grpSpPr>
+        <a:xfrm>
+          <a:off x="0" y="0"/>
+          <a:ext cx="0" cy="0"/>
+          <a:chOff x="0" y="0"/>
+          <a:chExt cx="0" cy="0"/>
+        </a:xfrm>
+      </p:grpSpPr>
+      <p:sp>
+        <p:nvSpPr>
+          <p:cNvPr id="2" name="Slide Image Placeholder 1"/>
+          <p:cNvSpPr>
+            <a:spLocks noGrp="1"/>
+          </p:cNvSpPr>
+          <p:nvPr>
+            <p:ph type="sldImg"/>
+          </p:nvPr>
+        </p:nvSpPr>
+        <p:spPr/>
+      </p:sp>
+      <p:sp>
+        <p:nvSpPr>
+          <p:cNvPr id="3" name="Notes Placeholder 2"/>
+          <p:cNvSpPr>
+            <a:spLocks noGrp="1"/>
+          </p:cNvSpPr>
+          <p:nvPr>
+            <p:ph type="body" idx="1"/>
+          </p:nvPr>
+        </p:nvSpPr>
+        <p:spPr/>
+        <p:txBody>
+          <a:bodyPr/>
+          <a:lstStyle/>
+          <a:p>
+            <a:r>
+              <a:t>*Lessons Learned Detail:*</a:t>
+            </a:r>
+          </a:p>
+          <a:p/>
+          <a:p>
+            <a:r>
+              <a:t>**What Worked Well:**</a:t>
+            </a:r>
+          </a:p>
+          <a:p/>
+          <a:p>
+            <a:r>
+              <a:t>*Kubernetes for GPU Orchestration:*</a:t>
+            </a:r>
+          </a:p>
+          <a:p>
+            <a:r>
+              <a:t>- GPU Operator simplified driver management</a:t>
+            </a:r>
+          </a:p>
+          <a:p>
+            <a:r>
+              <a:t>- Device plugin handles GPU allocation</a:t>
+            </a:r>
+          </a:p>
+          <a:p>
+            <a:r>
+              <a:t>- Time-slicing enables efficient sharing</a:t>
+            </a:r>
+          </a:p>
+          <a:p>
+            <a:r>
+              <a:t>- Native Kubernetes scheduling</a:t>
+            </a:r>
+          </a:p>
+          <a:p/>
+          <a:p>
+            <a:r>
+              <a:t>*NVIDIA GPU Operator:*</a:t>
+            </a:r>
+          </a:p>
+          <a:p>
+            <a:r>
+              <a:t>- Automatic driver updates</a:t>
+            </a:r>
+          </a:p>
+          <a:p>
+            <a:r>
+              <a:t>- DCGM monitoring integration</a:t>
+            </a:r>
+          </a:p>
+          <a:p>
+            <a:r>
+              <a:t>- No manual driver management</a:t>
+            </a:r>
+          </a:p>
+          <a:p>
+            <a:r>
+              <a:t>- Container runtime configuration</a:t>
+            </a:r>
+          </a:p>
+          <a:p/>
+          <a:p>
+            <a:r>
+              <a:t>*Phased User Rollout:*</a:t>
+            </a:r>
+          </a:p>
+          <a:p>
+            <a:r>
+              <a:t>- Started with 5 pilot users</a:t>
+            </a:r>
+          </a:p>
+          <a:p>
+            <a:r>
+              <a:t>- Expanded to 10 in week 2</a:t>
+            </a:r>
+          </a:p>
+          <a:p>
+            <a:r>
+              <a:t>- Full 20+ by go-live</a:t>
+            </a:r>
+          </a:p>
+          <a:p>
+            <a:r>
+              <a:t>- Reduced support burden</a:t>
+            </a:r>
+          </a:p>
+          <a:p/>
+          <a:p>
+            <a:r>
+              <a:t>**Challenges Overcome:**</a:t>
+            </a:r>
+          </a:p>
+          <a:p/>
+          <a:p>
+            <a:r>
+              <a:t>*GPU Driver Compatibility:*</a:t>
+            </a:r>
+          </a:p>
+          <a:p>
+            <a:r>
+              <a:t>- Initial driver version conflict</a:t>
+            </a:r>
+          </a:p>
+          <a:p>
+            <a:r>
+              <a:t>- Resolved with GPU Operator 23.9</a:t>
+            </a:r>
+          </a:p>
+          <a:p>
+            <a:r>
+              <a:t>- Automatic driver management now</a:t>
+            </a:r>
+          </a:p>
+          <a:p/>
+          <a:p>
+            <a:r>
+              <a:t>*Kubeflow Complexity:*</a:t>
+            </a:r>
+          </a:p>
+          <a:p>
+            <a:r>
+              <a:t>- Initial installation issues</a:t>
+            </a:r>
+          </a:p>
+          <a:p>
+            <a:r>
+              <a:t>- Simplified with Kubeflow manifests</a:t>
+            </a:r>
+          </a:p>
+          <a:p>
+            <a:r>
+              <a:t>- Custom namespace configuration</a:t>
+            </a:r>
+          </a:p>
+          <a:p/>
+          <a:p>
+            <a:r>
+              <a:t>*Network MTU:*</a:t>
+            </a:r>
+          </a:p>
+          <a:p>
+            <a:r>
+              <a:t>- Jumbo frames for RoCE</a:t>
+            </a:r>
+          </a:p>
+          <a:p>
+            <a:r>
+              <a:t>- MTU 9000 across fabric</a:t>
+            </a:r>
+          </a:p>
+          <a:p>
+            <a:r>
+              <a:t>- Required switch configuration</a:t>
+            </a:r>
+          </a:p>
+          <a:p/>
+          <a:p>
+            <a:r>
+              <a:t>**Phase 2 Recommendations:**</a:t>
+            </a:r>
+          </a:p>
+          <a:p/>
+          <a:p>
+            <a:r>
+              <a:t>*Expand to 64 GPUs:*</a:t>
+            </a:r>
+          </a:p>
+          <a:p>
+            <a:r>
+              <a:t>- Current utilization: 82%</a:t>
+            </a:r>
+          </a:p>
+          <a:p>
+            <a:r>
+              <a:t>- Demand growing from new teams</a:t>
+            </a:r>
+          </a:p>
+          <a:p>
+            <a:r>
+              <a:t>- Add 4 more R750xa servers</a:t>
+            </a:r>
+          </a:p>
+          <a:p>
+            <a:r>
+              <a:t>- Estimated: $500K investment</a:t>
+            </a:r>
+          </a:p>
+          <a:p/>
+          <a:p>
+            <a:r>
+              <a:t>*A100 80GB GPUs:*</a:t>
+            </a:r>
+          </a:p>
+          <a:p>
+            <a:r>
+              <a:t>- Larger model support</a:t>
+            </a:r>
+          </a:p>
+          <a:p>
+            <a:r>
+              <a:t>- 175B+ parameter models</a:t>
+            </a:r>
+          </a:p>
+          <a:p>
+            <a:r>
+              <a:t>- Memory-intensive workloads</a:t>
+            </a:r>
+          </a:p>
+          <a:p/>
+          <a:p>
+            <a:r>
+              <a:t>*Transition:*</a:t>
+            </a:r>
+          </a:p>
+          <a:p>
+            <a:r>
+              <a:t>"Let me walk through the support transition..."</a:t>
+            </a:r>
+          </a:p>
+        </p:txBody>
+      </p:sp>
+    </p:spTree>
+  </p:cSld>
+  <p:clrMapOvr>
+    <a:masterClrMapping/>
+  </p:clrMapOvr>
+</p:notes>
+</file>
+
+<file path=ppt/notesSlides/notesSlide7.xml><?xml version="1.0" encoding="utf-8"?>
+<p:notes xmlns:a="http://schemas.openxmlformats.org/drawingml/2006/main" xmlns:p="http://schemas.openxmlformats.org/presentationml/2006/main" xmlns:r="http://schemas.openxmlformats.org/officeDocument/2006/relationships">
+  <p:cSld>
+    <p:spTree>
+      <p:nvGrpSpPr>
+        <p:cNvPr id="1" name=""/>
+        <p:cNvGrpSpPr/>
+        <p:nvPr/>
+      </p:nvGrpSpPr>
+      <p:grpSpPr>
+        <a:xfrm>
+          <a:off x="0" y="0"/>
+          <a:ext cx="0" cy="0"/>
+          <a:chOff x="0" y="0"/>
+          <a:chExt cx="0" cy="0"/>
+        </a:xfrm>
+      </p:grpSpPr>
+      <p:sp>
+        <p:nvSpPr>
+          <p:cNvPr id="2" name="Slide Image Placeholder 1"/>
+          <p:cNvSpPr>
+            <a:spLocks noGrp="1"/>
+          </p:cNvSpPr>
+          <p:nvPr>
+            <p:ph type="sldImg"/>
+          </p:nvPr>
+        </p:nvSpPr>
+        <p:spPr/>
+      </p:sp>
+      <p:sp>
+        <p:nvSpPr>
+          <p:cNvPr id="3" name="Notes Placeholder 2"/>
+          <p:cNvSpPr>
+            <a:spLocks noGrp="1"/>
+          </p:cNvSpPr>
+          <p:nvPr>
+            <p:ph type="body" idx="1"/>
+          </p:nvPr>
+        </p:nvSpPr>
+        <p:spPr/>
+        <p:txBody>
+          <a:bodyPr/>
+          <a:lstStyle/>
+          <a:p>
+            <a:r>
+              <a:t>*Support Transition Detail:*</a:t>
+            </a:r>
+          </a:p>
+          <a:p/>
+          <a:p>
+            <a:r>
+              <a:t>**Hypercare Period (14 Days):**</a:t>
+            </a:r>
+          </a:p>
+          <a:p/>
+          <a:p>
+            <a:r>
+              <a:t>*Issues Resolved:*</a:t>
+            </a:r>
+          </a:p>
+          <a:p/>
+          <a:p>
+            <a:r>
+              <a:t>Issue #1 (P3) - Day 3:</a:t>
+            </a:r>
+          </a:p>
+          <a:p>
+            <a:r>
+              <a:t>- Kubeflow pipeline timeout</a:t>
+            </a:r>
+          </a:p>
+          <a:p>
+            <a:r>
+              <a:t>- Root cause: Resource limits</a:t>
+            </a:r>
+          </a:p>
+          <a:p>
+            <a:r>
+              <a:t>- Resolution: Increased limits</a:t>
+            </a:r>
+          </a:p>
+          <a:p/>
+          <a:p>
+            <a:r>
+              <a:t>Issue #2 (P3) - Day 7:</a:t>
+            </a:r>
+          </a:p>
+          <a:p>
+            <a:r>
+              <a:t>- GPU memory leak in user code</a:t>
+            </a:r>
+          </a:p>
+          <a:p>
+            <a:r>
+              <a:t>- Root cause: Application bug</a:t>
+            </a:r>
+          </a:p>
+          <a:p>
+            <a:r>
+              <a:t>- Resolution: User code fix</a:t>
+            </a:r>
+          </a:p>
+          <a:p/>
+          <a:p>
+            <a:r>
+              <a:t>Issue #3 (P3) - Day 10:</a:t>
+            </a:r>
+          </a:p>
+          <a:p>
+            <a:r>
+              <a:t>- JupyterHub session timeout</a:t>
+            </a:r>
+          </a:p>
+          <a:p>
+            <a:r>
+              <a:t>- Root cause: Configuration</a:t>
+            </a:r>
+          </a:p>
+          <a:p>
+            <a:r>
+              <a:t>- Resolution: Extended timeout</a:t>
+            </a:r>
+          </a:p>
+          <a:p/>
+          <a:p>
+            <a:r>
+              <a:t>*Knowledge Transfer Sessions:*</a:t>
+            </a:r>
+          </a:p>
+          <a:p>
+            <a:r>
+              <a:t>- Kubernetes Administration: 4 hours</a:t>
+            </a:r>
+          </a:p>
+          <a:p>
+            <a:r>
+              <a:t>- GPU Operator Management: 2 hours</a:t>
+            </a:r>
+          </a:p>
+          <a:p>
+            <a:r>
+              <a:t>- MLflow Operations: 2 hours</a:t>
+            </a:r>
+          </a:p>
+          <a:p>
+            <a:r>
+              <a:t>- Triton Management: 2 hours</a:t>
+            </a:r>
+          </a:p>
+          <a:p>
+            <a:r>
+              <a:t>- Troubleshooting: 2 hours</a:t>
+            </a:r>
+          </a:p>
+          <a:p/>
+          <a:p>
+            <a:r>
+              <a:t>**Steady State Support:**</a:t>
+            </a:r>
+          </a:p>
+          <a:p/>
+          <a:p>
+            <a:r>
+              <a:t>*What Internal Team Handles:*</a:t>
+            </a:r>
+          </a:p>
+          <a:p>
+            <a:r>
+              <a:t>- Daily monitoring</a:t>
+            </a:r>
+          </a:p>
+          <a:p>
+            <a:r>
+              <a:t>- User account management</a:t>
+            </a:r>
+          </a:p>
+          <a:p>
+            <a:r>
+              <a:t>- Namespace quota adjustments</a:t>
+            </a:r>
+          </a:p>
+          <a:p>
+            <a:r>
+              <a:t>- Basic troubleshooting</a:t>
+            </a:r>
+          </a:p>
+          <a:p/>
+          <a:p>
+            <a:r>
+              <a:t>*When to Escalate:*</a:t>
+            </a:r>
+          </a:p>
+          <a:p>
+            <a:r>
+              <a:t>- GPU hardware failures</a:t>
+            </a:r>
+          </a:p>
+          <a:p>
+            <a:r>
+              <a:t>- Kubernetes control plane issues</a:t>
+            </a:r>
+          </a:p>
+          <a:p>
+            <a:r>
+              <a:t>- NVIDIA software bugs</a:t>
+            </a:r>
+          </a:p>
+          <a:p>
+            <a:r>
+              <a:t>- Performance degradation</a:t>
+            </a:r>
+          </a:p>
+          <a:p/>
+          <a:p>
+            <a:r>
+              <a:t>**Support Contacts:**</a:t>
+            </a:r>
+          </a:p>
+          <a:p>
+            <a:r>
+              <a:t>- GPU Admin Team: gpu-admin@client.com</a:t>
+            </a:r>
+          </a:p>
+          <a:p>
+            <a:r>
+              <a:t>- NVIDIA Support: enterprise support portal</a:t>
+            </a:r>
+          </a:p>
+          <a:p>
+            <a:r>
+              <a:t>- Dell ProSupport: 1-800-xxx-xxxx</a:t>
+            </a:r>
+          </a:p>
+          <a:p/>
+          <a:p>
+            <a:r>
+              <a:t>*Transition:*</a:t>
+            </a:r>
+          </a:p>
+          <a:p>
+            <a:r>
+              <a:t>"Let me acknowledge the team and outline next steps..."</a:t>
+            </a:r>
+          </a:p>
+        </p:txBody>
+      </p:sp>
+    </p:spTree>
+  </p:cSld>
+  <p:clrMapOvr>
+    <a:masterClrMapping/>
+  </p:clrMapOvr>
+</p:notes>
+</file>
+
+<file path=ppt/notesSlides/notesSlide8.xml><?xml version="1.0" encoding="utf-8"?>
+<p:notes xmlns:a="http://schemas.openxmlformats.org/drawingml/2006/main" xmlns:p="http://schemas.openxmlformats.org/presentationml/2006/main" xmlns:r="http://schemas.openxmlformats.org/officeDocument/2006/relationships">
+  <p:cSld>
+    <p:spTree>
+      <p:nvGrpSpPr>
+        <p:cNvPr id="1" name=""/>
+        <p:cNvGrpSpPr/>
+        <p:nvPr/>
+      </p:nvGrpSpPr>
+      <p:grpSpPr>
+        <a:xfrm>
+          <a:off x="0" y="0"/>
+          <a:ext cx="0" cy="0"/>
+          <a:chOff x="0" y="0"/>
+          <a:chExt cx="0" cy="0"/>
+        </a:xfrm>
+      </p:grpSpPr>
+      <p:sp>
+        <p:nvSpPr>
+          <p:cNvPr id="2" name="Slide Image Placeholder 1"/>
+          <p:cNvSpPr>
+            <a:spLocks noGrp="1"/>
+          </p:cNvSpPr>
+          <p:nvPr>
+            <p:ph type="sldImg"/>
+          </p:nvPr>
+        </p:nvSpPr>
+        <p:spPr/>
+      </p:sp>
+      <p:sp>
+        <p:nvSpPr>
+          <p:cNvPr id="3" name="Notes Placeholder 2"/>
+          <p:cNvSpPr>
+            <a:spLocks noGrp="1"/>
+          </p:cNvSpPr>
+          <p:nvPr>
+            <p:ph type="body" idx="1"/>
+          </p:nvPr>
+        </p:nvSpPr>
+        <p:spPr/>
+        <p:txBody>
+          <a:bodyPr/>
+          <a:lstStyle/>
+          <a:p>
+            <a:r>
+              <a:t>*Acknowledgments:*</a:t>
+            </a:r>
+          </a:p>
+          <a:p/>
+          <a:p>
+            <a:r>
+              <a:t>**Client Team Recognition:**</a:t>
+            </a:r>
+          </a:p>
+          <a:p>
+            <a:r>
+              <a:t>- IT Leadership for budget approval and support</a:t>
+            </a:r>
+          </a:p>
+          <a:p>
+            <a:r>
+              <a:t>- Data Science Leads for requirements and UAT</a:t>
+            </a:r>
+          </a:p>
+          <a:p>
+            <a:r>
+              <a:t>- Infrastructure Team for datacenter preparation</a:t>
+            </a:r>
+          </a:p>
+          <a:p>
+            <a:r>
+              <a:t>- Network Team for 100 GbE fabric setup</a:t>
+            </a:r>
+          </a:p>
+          <a:p/>
+          <a:p>
+            <a:r>
+              <a:t>**Vendor Team Recognition:**</a:t>
+            </a:r>
+          </a:p>
+          <a:p>
+            <a:r>
+              <a:t>- Project Manager for delivery coordination</a:t>
+            </a:r>
+          </a:p>
+          <a:p>
+            <a:r>
+              <a:t>- GPU Architect for cluster design</a:t>
+            </a:r>
+          </a:p>
+          <a:p>
+            <a:r>
+              <a:t>- Kubernetes Engineer for platform setup</a:t>
+            </a:r>
+          </a:p>
+          <a:p>
+            <a:r>
+              <a:t>- Training Lead for user enablement</a:t>
+            </a:r>
+          </a:p>
+          <a:p/>
+          <a:p>
+            <a:r>
+              <a:t>**Special Recognition:**</a:t>
+            </a:r>
+          </a:p>
+          <a:p>
+            <a:r>
+              <a:t>"Special thanks to the data science pilot team who validated the platform during early access. Their feedback shaped the final configuration."</a:t>
+            </a:r>
+          </a:p>
+          <a:p/>
+          <a:p>
+            <a:r>
+              <a:t>**Immediate Next Steps:**</a:t>
+            </a:r>
+          </a:p>
+          <a:p>
+            <a:r>
+              <a:t>- Final documentation handover: [Date]</a:t>
+            </a:r>
+          </a:p>
+          <a:p>
+            <a:r>
+              <a:t>- Project archive: [Date]</a:t>
+            </a:r>
+          </a:p>
+          <a:p>
+            <a:r>
+              <a:t>- NVIDIA support transition: Complete</a:t>
+            </a:r>
+          </a:p>
+          <a:p>
+            <a:r>
+              <a:t>- Dell warranty registration: Complete</a:t>
+            </a:r>
+          </a:p>
+          <a:p/>
+          <a:p>
+            <a:r>
+              <a:t>**30-Day Actions:**</a:t>
+            </a:r>
+          </a:p>
+          <a:p>
+            <a:r>
+              <a:t>- First monthly performance review</a:t>
+            </a:r>
+          </a:p>
+          <a:p>
+            <a:r>
+              <a:t>- GPU utilization optimization</a:t>
+            </a:r>
+          </a:p>
+          <a:p>
+            <a:r>
+              <a:t>- User feedback collection</a:t>
+            </a:r>
+          </a:p>
+          <a:p>
+            <a:r>
+              <a:t>- Phase 2 requirements gathering</a:t>
+            </a:r>
+          </a:p>
+          <a:p/>
+          <a:p>
+            <a:r>
+              <a:t>**Phase 2 Planning:**</a:t>
+            </a:r>
+          </a:p>
+          <a:p>
+            <a:r>
+              <a:t>- Expand to 64 GPUs</a:t>
+            </a:r>
+          </a:p>
+          <a:p>
+            <a:r>
+              <a:t>- Add inference-optimized nodes</a:t>
+            </a:r>
+          </a:p>
+          <a:p>
+            <a:r>
+              <a:t>- Implement advanced quotas</a:t>
+            </a:r>
+          </a:p>
+          <a:p>
+            <a:r>
+              <a:t>- MLOps pipeline automation</a:t>
+            </a:r>
+          </a:p>
+          <a:p/>
+          <a:p>
+            <a:r>
+              <a:t>*Transition:*</a:t>
+            </a:r>
+          </a:p>
+          <a:p>
+            <a:r>
+              <a:t>"Thank you for your partnership. Questions?"</a:t>
+            </a:r>
+          </a:p>
+        </p:txBody>
+      </p:sp>
+    </p:spTree>
+  </p:cSld>
+  <p:clrMapOvr>
+    <a:masterClrMapping/>
+  </p:clrMapOvr>
+</p:notes>
+</file>
+
+<file path=ppt/notesSlides/notesSlide9.xml><?xml version="1.0" encoding="utf-8"?>
+<p:notes xmlns:a="http://schemas.openxmlformats.org/drawingml/2006/main" xmlns:p="http://schemas.openxmlformats.org/presentationml/2006/main" xmlns:r="http://schemas.openxmlformats.org/officeDocument/2006/relationships">
+  <p:cSld>
+    <p:spTree>
+      <p:nvGrpSpPr>
+        <p:cNvPr id="1" name=""/>
+        <p:cNvGrpSpPr/>
+        <p:nvPr/>
+      </p:nvGrpSpPr>
+      <p:grpSpPr>
+        <a:xfrm>
+          <a:off x="0" y="0"/>
+          <a:ext cx="0" cy="0"/>
+          <a:chOff x="0" y="0"/>
+          <a:chExt cx="0" cy="0"/>
+        </a:xfrm>
+      </p:grpSpPr>
+      <p:sp>
+        <p:nvSpPr>
+          <p:cNvPr id="2" name="Slide Image Placeholder 1"/>
+          <p:cNvSpPr>
+            <a:spLocks noGrp="1"/>
+          </p:cNvSpPr>
+          <p:nvPr>
+            <p:ph type="sldImg"/>
+          </p:nvPr>
+        </p:nvSpPr>
+        <p:spPr/>
+      </p:sp>
+      <p:sp>
+        <p:nvSpPr>
+          <p:cNvPr id="3" name="Notes Placeholder 2"/>
+          <p:cNvSpPr>
+            <a:spLocks noGrp="1"/>
+          </p:cNvSpPr>
+          <p:nvPr>
+            <p:ph type="body" idx="1"/>
+          </p:nvPr>
+        </p:nvSpPr>
+        <p:spPr/>
+        <p:txBody>
+          <a:bodyPr/>
+          <a:lstStyle/>
+          <a:p>
+            <a:r>
+              <a:t>*Closing:*</a:t>
+            </a:r>
+          </a:p>
+          <a:p/>
+          <a:p>
+            <a:r>
+              <a:t>"Thank you for your partnership. This GPU cluster represents a significant investment in AI capability that will accelerate [Client Name]'s data science initiatives for years to come.</a:t>
+            </a:r>
+          </a:p>
+          <a:p/>
+          <a:p>
+            <a:r>
+              <a:t>Questions?"</a:t>
+            </a:r>
+          </a:p>
+          <a:p/>
+          <a:p>
+            <a:r>
+              <a:t>**Anticipated Questions:**</a:t>
+            </a:r>
+          </a:p>
+          <a:p/>
+          <a:p>
+            <a:r>
+              <a:t>*Q: What if we need more GPUs?*</a:t>
+            </a:r>
+          </a:p>
+          <a:p>
+            <a:r>
+              <a:t>A: Phase 2 planning can add 32+ GPUs. The Kubernetes platform scales horizontally. Network and storage have capacity for expansion.</a:t>
+            </a:r>
+          </a:p>
+          <a:p/>
+          <a:p>
+            <a:r>
+              <a:t>*Q: How do we handle a node failure?*</a:t>
+            </a:r>
+          </a:p>
+          <a:p>
+            <a:r>
+              <a:t>A: Kubernetes automatically reschedules workloads. Dell ProSupport provides 4-hour hardware response. Redundant control plane ensures cluster availability.</a:t>
+            </a:r>
+          </a:p>
+          <a:p/>
+          <a:p>
+            <a:r>
+              <a:t>*Q: Can we run larger models?*</a:t>
+            </a:r>
+          </a:p>
+          <a:p>
+            <a:r>
+              <a:t>A: Current A100 40GB supports most models. For 175B+ parameter models, consider A100 80GB upgrade in Phase 2.</a:t>
+            </a:r>
+          </a:p>
+          <a:p/>
+          <a:p>
+            <a:r>
+              <a:t>*Q: What are ongoing costs?*</a:t>
+            </a:r>
+          </a:p>
+          <a:p>
+            <a:r>
+              <a:t>A: Approximately $130K/year (software licenses, support, power). Compared to $480K cloud baseline - 73% savings.</a:t>
+            </a:r>
+          </a:p>
+          <a:p/>
+          <a:p>
+            <a:r>
+              <a:t>**Follow-Up:**</a:t>
+            </a:r>
+          </a:p>
+          <a:p>
+            <a:r>
+              <a:t>- Send presentation to attendees</a:t>
+            </a:r>
+          </a:p>
+          <a:p>
+            <a:r>
+              <a:t>- Schedule 30-day review</a:t>
+            </a:r>
+          </a:p>
+          <a:p>
+            <a:r>
+              <a:t>- Phase 2 planning workshop invitation</a:t>
+            </a:r>
+          </a:p>
+        </p:txBody>
+      </p:sp>
+    </p:spTree>
+  </p:cSld>
+  <p:clrMapOvr>
+    <a:masterClrMapping/>
+  </p:clrMapOvr>
+</p:notes>
+</file>
+
 <file path=ppt/slideLayouts/slideLayout1.xml><?xml version="1.0" encoding="utf-8"?>
 <p:sldLayout xmlns:a="http://schemas.openxmlformats.org/drawingml/2006/main" xmlns:r="http://schemas.openxmlformats.org/officeDocument/2006/relationships" xmlns:p="http://schemas.openxmlformats.org/presentationml/2006/main" preserve="1" userDrawn="1">
   <p:cSld name="EO Title Slide">
@@ -658,6 +2714,39 @@
       </p:grpSpPr>
       <p:sp>
         <p:nvSpPr>
+          <p:cNvPr id="12" name="Picture Placeholder 13">
+            <a:extLst>
+              <a:ext uri="{FF2B5EF4-FFF2-40B4-BE49-F238E27FC236}">
+                <a16:creationId xmlns:a16="http://schemas.microsoft.com/office/drawing/2014/main" id="{2DB97592-C4D5-B315-7F11-AA14F6EE8A62}"/>
+              </a:ext>
+            </a:extLst>
+          </p:cNvPr>
+          <p:cNvSpPr>
+            <a:spLocks noGrp="1"/>
+          </p:cNvSpPr>
+          <p:nvPr>
+            <p:ph type="pic" sz="quarter" idx="13"/>
+          </p:nvPr>
+        </p:nvSpPr>
+        <p:spPr>
+          <a:xfrm>
+            <a:off x="313593" y="4536078"/>
+            <a:ext cx="2143858" cy="529698"/>
+          </a:xfrm>
+          <a:prstGeom prst="rect">
+            <a:avLst/>
+          </a:prstGeom>
+        </p:spPr>
+        <p:txBody>
+          <a:bodyPr/>
+          <a:lstStyle/>
+          <a:p>
+            <a:endParaRPr lang="en-US" dirty="0"/>
+          </a:p>
+        </p:txBody>
+      </p:sp>
+      <p:sp>
+        <p:nvSpPr>
           <p:cNvPr id="3" name="Shape 1">
             <a:extLst>
               <a:ext uri="{FF2B5EF4-FFF2-40B4-BE49-F238E27FC236}">
@@ -752,69 +2841,6 @@
       </p:sp>
       <p:sp>
         <p:nvSpPr>
-          <p:cNvPr id="12" name="Picture Placeholder 13">
-            <a:extLst>
-              <a:ext uri="{FF2B5EF4-FFF2-40B4-BE49-F238E27FC236}">
-                <a16:creationId xmlns:a16="http://schemas.microsoft.com/office/drawing/2014/main" id="{2DB97592-C4D5-B315-7F11-AA14F6EE8A62}"/>
-              </a:ext>
-            </a:extLst>
-          </p:cNvPr>
-          <p:cNvSpPr>
-            <a:spLocks noGrp="1"/>
-          </p:cNvSpPr>
-          <p:nvPr>
-            <p:ph type="pic" sz="quarter" idx="13"/>
-          </p:nvPr>
-        </p:nvSpPr>
-        <p:spPr>
-          <a:xfrm>
-            <a:off x="313593" y="4536078"/>
-            <a:ext cx="2143858" cy="529698"/>
-          </a:xfrm>
-          <a:prstGeom prst="rect">
-            <a:avLst/>
-          </a:prstGeom>
-        </p:spPr>
-        <p:txBody>
-          <a:bodyPr/>
-          <a:lstStyle/>
-          <a:p>
-            <a:endParaRPr lang="en-US" dirty="0"/>
-          </a:p>
-        </p:txBody>
-      </p:sp>
-      <p:pic>
-        <p:nvPicPr>
-          <p:cNvPr id="13" name="Image 0" descr="/home/claude/eo-framework-logo.png">
-            <a:extLst>
-              <a:ext uri="{FF2B5EF4-FFF2-40B4-BE49-F238E27FC236}">
-                <a16:creationId xmlns:a16="http://schemas.microsoft.com/office/drawing/2014/main" id="{25116040-BB88-891D-9118-628A78E99872}"/>
-              </a:ext>
-            </a:extLst>
-          </p:cNvPr>
-          <p:cNvPicPr>
-            <a:picLocks noChangeAspect="1"/>
-          </p:cNvPicPr>
-          <p:nvPr userDrawn="1"/>
-        </p:nvPicPr>
-        <p:blipFill>
-          <a:blip r:embed="rId2"/>
-          <a:stretch>
-            <a:fillRect/>
-          </a:stretch>
-        </p:blipFill>
-        <p:spPr>
-          <a:xfrm>
-            <a:off x="6945879" y="4648200"/>
-            <a:ext cx="1952244" cy="417576"/>
-          </a:xfrm>
-          <a:prstGeom prst="rect">
-            <a:avLst/>
-          </a:prstGeom>
-        </p:spPr>
-      </p:pic>
-      <p:sp>
-        <p:nvSpPr>
           <p:cNvPr id="4" name="Text Placeholder 3">
             <a:extLst>
               <a:ext uri="{FF2B5EF4-FFF2-40B4-BE49-F238E27FC236}">
@@ -842,7 +2868,7 @@
           <a:bodyPr/>
           <a:lstStyle>
             <a:lvl1pPr>
-              <a:defRPr sz="2000" baseline="0">
+              <a:defRPr sz="2000" b="1" baseline="0">
                 <a:solidFill>
                   <a:srgbClr val="C00000"/>
                 </a:solidFill>
@@ -888,6 +2914,48 @@
             <a:r>
               <a:rPr lang="en-US" dirty="0"/>
               <a:t>Fourth level</a:t>
+            </a:r>
+          </a:p>
+        </p:txBody>
+      </p:sp>
+      <p:sp>
+        <p:nvSpPr>
+          <p:cNvPr id="5" name="Text Placeholder 4">
+            <a:extLst>
+              <a:ext uri="{FF2B5EF4-FFF2-40B4-BE49-F238E27FC236}">
+                <a16:creationId xmlns:a16="http://schemas.microsoft.com/office/drawing/2014/main" id="{57F71806-AFEA-DD6D-E6AA-E2A002E682DE}"/>
+              </a:ext>
+            </a:extLst>
+          </p:cNvPr>
+          <p:cNvSpPr>
+            <a:spLocks noGrp="1"/>
+          </p:cNvSpPr>
+          <p:nvPr>
+            <p:ph type="body" sz="quarter" idx="15" hasCustomPrompt="1"/>
+          </p:nvPr>
+        </p:nvSpPr>
+        <p:spPr>
+          <a:xfrm>
+            <a:off x="5627076" y="4738688"/>
+            <a:ext cx="3218473" cy="238125"/>
+          </a:xfrm>
+          <a:prstGeom prst="rect">
+            <a:avLst/>
+          </a:prstGeom>
+        </p:spPr>
+        <p:txBody>
+          <a:bodyPr/>
+          <a:lstStyle>
+            <a:lvl5pPr algn="r">
+              <a:buNone/>
+              <a:defRPr sz="1100"/>
+            </a:lvl5pPr>
+          </a:lstStyle>
+          <a:p>
+            <a:pPr lvl="4"/>
+            <a:r>
+              <a:rPr lang="en-US" dirty="0"/>
+              <a:t>Project Name</a:t>
             </a:r>
           </a:p>
         </p:txBody>
@@ -924,6 +2992,39 @@
       </p:grpSpPr>
       <p:sp>
         <p:nvSpPr>
+          <p:cNvPr id="12" name="Picture Placeholder 13">
+            <a:extLst>
+              <a:ext uri="{FF2B5EF4-FFF2-40B4-BE49-F238E27FC236}">
+                <a16:creationId xmlns:a16="http://schemas.microsoft.com/office/drawing/2014/main" id="{2DB97592-C4D5-B315-7F11-AA14F6EE8A62}"/>
+              </a:ext>
+            </a:extLst>
+          </p:cNvPr>
+          <p:cNvSpPr>
+            <a:spLocks noGrp="1"/>
+          </p:cNvSpPr>
+          <p:nvPr>
+            <p:ph type="pic" sz="quarter" idx="13"/>
+          </p:nvPr>
+        </p:nvSpPr>
+        <p:spPr>
+          <a:xfrm>
+            <a:off x="313593" y="4536078"/>
+            <a:ext cx="2143858" cy="529698"/>
+          </a:xfrm>
+          <a:prstGeom prst="rect">
+            <a:avLst/>
+          </a:prstGeom>
+        </p:spPr>
+        <p:txBody>
+          <a:bodyPr/>
+          <a:lstStyle/>
+          <a:p>
+            <a:endParaRPr lang="en-US" dirty="0"/>
+          </a:p>
+        </p:txBody>
+      </p:sp>
+      <p:sp>
+        <p:nvSpPr>
           <p:cNvPr id="3" name="Shape 1">
             <a:extLst>
               <a:ext uri="{FF2B5EF4-FFF2-40B4-BE49-F238E27FC236}">
@@ -1018,69 +3119,6 @@
       </p:sp>
       <p:sp>
         <p:nvSpPr>
-          <p:cNvPr id="12" name="Picture Placeholder 13">
-            <a:extLst>
-              <a:ext uri="{FF2B5EF4-FFF2-40B4-BE49-F238E27FC236}">
-                <a16:creationId xmlns:a16="http://schemas.microsoft.com/office/drawing/2014/main" id="{2DB97592-C4D5-B315-7F11-AA14F6EE8A62}"/>
-              </a:ext>
-            </a:extLst>
-          </p:cNvPr>
-          <p:cNvSpPr>
-            <a:spLocks noGrp="1"/>
-          </p:cNvSpPr>
-          <p:nvPr>
-            <p:ph type="pic" sz="quarter" idx="13"/>
-          </p:nvPr>
-        </p:nvSpPr>
-        <p:spPr>
-          <a:xfrm>
-            <a:off x="313593" y="4536078"/>
-            <a:ext cx="2143858" cy="529698"/>
-          </a:xfrm>
-          <a:prstGeom prst="rect">
-            <a:avLst/>
-          </a:prstGeom>
-        </p:spPr>
-        <p:txBody>
-          <a:bodyPr/>
-          <a:lstStyle/>
-          <a:p>
-            <a:endParaRPr lang="en-US" dirty="0"/>
-          </a:p>
-        </p:txBody>
-      </p:sp>
-      <p:pic>
-        <p:nvPicPr>
-          <p:cNvPr id="13" name="Image 0" descr="/home/claude/eo-framework-logo.png">
-            <a:extLst>
-              <a:ext uri="{FF2B5EF4-FFF2-40B4-BE49-F238E27FC236}">
-                <a16:creationId xmlns:a16="http://schemas.microsoft.com/office/drawing/2014/main" id="{25116040-BB88-891D-9118-628A78E99872}"/>
-              </a:ext>
-            </a:extLst>
-          </p:cNvPr>
-          <p:cNvPicPr>
-            <a:picLocks noChangeAspect="1"/>
-          </p:cNvPicPr>
-          <p:nvPr userDrawn="1"/>
-        </p:nvPicPr>
-        <p:blipFill>
-          <a:blip r:embed="rId2"/>
-          <a:stretch>
-            <a:fillRect/>
-          </a:stretch>
-        </p:blipFill>
-        <p:spPr>
-          <a:xfrm>
-            <a:off x="6945879" y="4648200"/>
-            <a:ext cx="1952244" cy="417576"/>
-          </a:xfrm>
-          <a:prstGeom prst="rect">
-            <a:avLst/>
-          </a:prstGeom>
-        </p:spPr>
-      </p:pic>
-      <p:sp>
-        <p:nvSpPr>
           <p:cNvPr id="4" name="Text Placeholder 3">
             <a:extLst>
               <a:ext uri="{FF2B5EF4-FFF2-40B4-BE49-F238E27FC236}">
@@ -1140,6 +3178,48 @@
             <a:r>
               <a:rPr lang="en-US" dirty="0"/>
               <a:t>Bullet Point 2</a:t>
+            </a:r>
+          </a:p>
+        </p:txBody>
+      </p:sp>
+      <p:sp>
+        <p:nvSpPr>
+          <p:cNvPr id="5" name="Text Placeholder 4">
+            <a:extLst>
+              <a:ext uri="{FF2B5EF4-FFF2-40B4-BE49-F238E27FC236}">
+                <a16:creationId xmlns:a16="http://schemas.microsoft.com/office/drawing/2014/main" id="{162079A5-28FD-9D2F-2B9B-2FC8F9339A31}"/>
+              </a:ext>
+            </a:extLst>
+          </p:cNvPr>
+          <p:cNvSpPr>
+            <a:spLocks noGrp="1"/>
+          </p:cNvSpPr>
+          <p:nvPr>
+            <p:ph type="body" sz="quarter" idx="15" hasCustomPrompt="1"/>
+          </p:nvPr>
+        </p:nvSpPr>
+        <p:spPr>
+          <a:xfrm>
+            <a:off x="5627076" y="4738688"/>
+            <a:ext cx="3218473" cy="238125"/>
+          </a:xfrm>
+          <a:prstGeom prst="rect">
+            <a:avLst/>
+          </a:prstGeom>
+        </p:spPr>
+        <p:txBody>
+          <a:bodyPr/>
+          <a:lstStyle>
+            <a:lvl5pPr algn="r">
+              <a:buNone/>
+              <a:defRPr sz="1100"/>
+            </a:lvl5pPr>
+          </a:lstStyle>
+          <a:p>
+            <a:pPr lvl="4"/>
+            <a:r>
+              <a:rPr lang="en-US" dirty="0"/>
+              <a:t>Project Name</a:t>
             </a:r>
           </a:p>
         </p:txBody>
@@ -1176,6 +3256,39 @@
       </p:grpSpPr>
       <p:sp>
         <p:nvSpPr>
+          <p:cNvPr id="10" name="Picture Placeholder 13">
+            <a:extLst>
+              <a:ext uri="{FF2B5EF4-FFF2-40B4-BE49-F238E27FC236}">
+                <a16:creationId xmlns:a16="http://schemas.microsoft.com/office/drawing/2014/main" id="{6A0FA445-7602-F06E-EC73-5504EBF827CC}"/>
+              </a:ext>
+            </a:extLst>
+          </p:cNvPr>
+          <p:cNvSpPr>
+            <a:spLocks noGrp="1"/>
+          </p:cNvSpPr>
+          <p:nvPr>
+            <p:ph type="pic" sz="quarter" idx="14"/>
+          </p:nvPr>
+        </p:nvSpPr>
+        <p:spPr>
+          <a:xfrm>
+            <a:off x="313592" y="4536078"/>
+            <a:ext cx="2121877" cy="529698"/>
+          </a:xfrm>
+          <a:prstGeom prst="rect">
+            <a:avLst/>
+          </a:prstGeom>
+        </p:spPr>
+        <p:txBody>
+          <a:bodyPr/>
+          <a:lstStyle/>
+          <a:p>
+            <a:endParaRPr lang="en-US" dirty="0"/>
+          </a:p>
+        </p:txBody>
+      </p:sp>
+      <p:sp>
+        <p:nvSpPr>
           <p:cNvPr id="3" name="Shape 1">
             <a:extLst>
               <a:ext uri="{FF2B5EF4-FFF2-40B4-BE49-F238E27FC236}">
@@ -1268,69 +3381,6 @@
           </a:p>
         </p:txBody>
       </p:sp>
-      <p:pic>
-        <p:nvPicPr>
-          <p:cNvPr id="8" name="Image 0" descr="/home/claude/eo-framework-logo.png">
-            <a:extLst>
-              <a:ext uri="{FF2B5EF4-FFF2-40B4-BE49-F238E27FC236}">
-                <a16:creationId xmlns:a16="http://schemas.microsoft.com/office/drawing/2014/main" id="{4B7035C6-0EF1-6BD3-318E-553D1AAD6709}"/>
-              </a:ext>
-            </a:extLst>
-          </p:cNvPr>
-          <p:cNvPicPr>
-            <a:picLocks noChangeAspect="1"/>
-          </p:cNvPicPr>
-          <p:nvPr userDrawn="1"/>
-        </p:nvPicPr>
-        <p:blipFill>
-          <a:blip r:embed="rId2"/>
-          <a:stretch>
-            <a:fillRect/>
-          </a:stretch>
-        </p:blipFill>
-        <p:spPr>
-          <a:xfrm>
-            <a:off x="6945879" y="4648200"/>
-            <a:ext cx="1952244" cy="417576"/>
-          </a:xfrm>
-          <a:prstGeom prst="rect">
-            <a:avLst/>
-          </a:prstGeom>
-        </p:spPr>
-      </p:pic>
-      <p:sp>
-        <p:nvSpPr>
-          <p:cNvPr id="10" name="Picture Placeholder 13">
-            <a:extLst>
-              <a:ext uri="{FF2B5EF4-FFF2-40B4-BE49-F238E27FC236}">
-                <a16:creationId xmlns:a16="http://schemas.microsoft.com/office/drawing/2014/main" id="{6A0FA445-7602-F06E-EC73-5504EBF827CC}"/>
-              </a:ext>
-            </a:extLst>
-          </p:cNvPr>
-          <p:cNvSpPr>
-            <a:spLocks noGrp="1"/>
-          </p:cNvSpPr>
-          <p:nvPr>
-            <p:ph type="pic" sz="quarter" idx="14"/>
-          </p:nvPr>
-        </p:nvSpPr>
-        <p:spPr>
-          <a:xfrm>
-            <a:off x="313592" y="4536078"/>
-            <a:ext cx="2121877" cy="529698"/>
-          </a:xfrm>
-          <a:prstGeom prst="rect">
-            <a:avLst/>
-          </a:prstGeom>
-        </p:spPr>
-        <p:txBody>
-          <a:bodyPr/>
-          <a:lstStyle/>
-          <a:p>
-            <a:endParaRPr lang="en-US" dirty="0"/>
-          </a:p>
-        </p:txBody>
-      </p:sp>
       <p:sp>
         <p:nvSpPr>
           <p:cNvPr id="6" name="Text Placeholder 5">
@@ -1350,7 +3400,7 @@
         <p:spPr>
           <a:xfrm>
             <a:off x="193675" y="678433"/>
-            <a:ext cx="4462463" cy="3785515"/>
+            <a:ext cx="4431079" cy="3785515"/>
           </a:xfrm>
           <a:prstGeom prst="rect">
             <a:avLst/>
@@ -1360,7 +3410,7 @@
           <a:bodyPr/>
           <a:lstStyle>
             <a:lvl1pPr>
-              <a:defRPr sz="1800">
+              <a:defRPr sz="1800" b="1">
                 <a:solidFill>
                   <a:srgbClr val="C00000"/>
                 </a:solidFill>
@@ -1434,8 +3484,8 @@
         </p:nvSpPr>
         <p:spPr>
           <a:xfrm>
-            <a:off x="4840288" y="678433"/>
-            <a:ext cx="4110037" cy="3785515"/>
+            <a:off x="4721470" y="678433"/>
+            <a:ext cx="4228856" cy="3785515"/>
           </a:xfrm>
           <a:prstGeom prst="rect">
             <a:avLst/>
@@ -1445,7 +3495,7 @@
           <a:bodyPr/>
           <a:lstStyle>
             <a:lvl1pPr>
-              <a:defRPr sz="1800">
+              <a:defRPr sz="1800" b="1">
                 <a:solidFill>
                   <a:srgbClr val="C00000"/>
                 </a:solidFill>
@@ -1497,6 +3547,48 @@
             <a:r>
               <a:rPr lang="en-US" dirty="0"/>
               <a:t>Fifth level</a:t>
+            </a:r>
+          </a:p>
+        </p:txBody>
+      </p:sp>
+      <p:sp>
+        <p:nvSpPr>
+          <p:cNvPr id="4" name="Text Placeholder 4">
+            <a:extLst>
+              <a:ext uri="{FF2B5EF4-FFF2-40B4-BE49-F238E27FC236}">
+                <a16:creationId xmlns:a16="http://schemas.microsoft.com/office/drawing/2014/main" id="{5DF49ED0-89F0-F008-ADD7-D71F338C8B9B}"/>
+              </a:ext>
+            </a:extLst>
+          </p:cNvPr>
+          <p:cNvSpPr>
+            <a:spLocks noGrp="1"/>
+          </p:cNvSpPr>
+          <p:nvPr>
+            <p:ph type="body" sz="quarter" idx="15" hasCustomPrompt="1"/>
+          </p:nvPr>
+        </p:nvSpPr>
+        <p:spPr>
+          <a:xfrm>
+            <a:off x="5697414" y="4681864"/>
+            <a:ext cx="3218473" cy="238125"/>
+          </a:xfrm>
+          <a:prstGeom prst="rect">
+            <a:avLst/>
+          </a:prstGeom>
+        </p:spPr>
+        <p:txBody>
+          <a:bodyPr/>
+          <a:lstStyle>
+            <a:lvl5pPr algn="r">
+              <a:buNone/>
+              <a:defRPr sz="1100"/>
+            </a:lvl5pPr>
+          </a:lstStyle>
+          <a:p>
+            <a:pPr lvl="4"/>
+            <a:r>
+              <a:rPr lang="en-US" dirty="0"/>
+              <a:t>Project Name</a:t>
             </a:r>
           </a:p>
         </p:txBody>
@@ -1533,6 +3625,39 @@
       </p:grpSpPr>
       <p:sp>
         <p:nvSpPr>
+          <p:cNvPr id="12" name="Picture Placeholder 13">
+            <a:extLst>
+              <a:ext uri="{FF2B5EF4-FFF2-40B4-BE49-F238E27FC236}">
+                <a16:creationId xmlns:a16="http://schemas.microsoft.com/office/drawing/2014/main" id="{2DB97592-C4D5-B315-7F11-AA14F6EE8A62}"/>
+              </a:ext>
+            </a:extLst>
+          </p:cNvPr>
+          <p:cNvSpPr>
+            <a:spLocks noGrp="1"/>
+          </p:cNvSpPr>
+          <p:nvPr>
+            <p:ph type="pic" sz="quarter" idx="13"/>
+          </p:nvPr>
+        </p:nvSpPr>
+        <p:spPr>
+          <a:xfrm>
+            <a:off x="313592" y="4536078"/>
+            <a:ext cx="2126273" cy="529698"/>
+          </a:xfrm>
+          <a:prstGeom prst="rect">
+            <a:avLst/>
+          </a:prstGeom>
+        </p:spPr>
+        <p:txBody>
+          <a:bodyPr/>
+          <a:lstStyle/>
+          <a:p>
+            <a:endParaRPr lang="en-US" dirty="0"/>
+          </a:p>
+        </p:txBody>
+      </p:sp>
+      <p:sp>
+        <p:nvSpPr>
           <p:cNvPr id="3" name="Shape 1">
             <a:extLst>
               <a:ext uri="{FF2B5EF4-FFF2-40B4-BE49-F238E27FC236}">
@@ -1654,69 +3779,6 @@
       </p:sp>
       <p:sp>
         <p:nvSpPr>
-          <p:cNvPr id="12" name="Picture Placeholder 13">
-            <a:extLst>
-              <a:ext uri="{FF2B5EF4-FFF2-40B4-BE49-F238E27FC236}">
-                <a16:creationId xmlns:a16="http://schemas.microsoft.com/office/drawing/2014/main" id="{2DB97592-C4D5-B315-7F11-AA14F6EE8A62}"/>
-              </a:ext>
-            </a:extLst>
-          </p:cNvPr>
-          <p:cNvSpPr>
-            <a:spLocks noGrp="1"/>
-          </p:cNvSpPr>
-          <p:nvPr>
-            <p:ph type="pic" sz="quarter" idx="13"/>
-          </p:nvPr>
-        </p:nvSpPr>
-        <p:spPr>
-          <a:xfrm>
-            <a:off x="313592" y="4536078"/>
-            <a:ext cx="2126273" cy="529698"/>
-          </a:xfrm>
-          <a:prstGeom prst="rect">
-            <a:avLst/>
-          </a:prstGeom>
-        </p:spPr>
-        <p:txBody>
-          <a:bodyPr/>
-          <a:lstStyle/>
-          <a:p>
-            <a:endParaRPr lang="en-US" dirty="0"/>
-          </a:p>
-        </p:txBody>
-      </p:sp>
-      <p:pic>
-        <p:nvPicPr>
-          <p:cNvPr id="13" name="Image 0" descr="/home/claude/eo-framework-logo.png">
-            <a:extLst>
-              <a:ext uri="{FF2B5EF4-FFF2-40B4-BE49-F238E27FC236}">
-                <a16:creationId xmlns:a16="http://schemas.microsoft.com/office/drawing/2014/main" id="{25116040-BB88-891D-9118-628A78E99872}"/>
-              </a:ext>
-            </a:extLst>
-          </p:cNvPr>
-          <p:cNvPicPr>
-            <a:picLocks noChangeAspect="1"/>
-          </p:cNvPicPr>
-          <p:nvPr userDrawn="1"/>
-        </p:nvPicPr>
-        <p:blipFill>
-          <a:blip r:embed="rId2"/>
-          <a:stretch>
-            <a:fillRect/>
-          </a:stretch>
-        </p:blipFill>
-        <p:spPr>
-          <a:xfrm>
-            <a:off x="6945879" y="4648200"/>
-            <a:ext cx="1952244" cy="417576"/>
-          </a:xfrm>
-          <a:prstGeom prst="rect">
-            <a:avLst/>
-          </a:prstGeom>
-        </p:spPr>
-      </p:pic>
-      <p:sp>
-        <p:nvSpPr>
           <p:cNvPr id="5" name="Table Placeholder 4">
             <a:extLst>
               <a:ext uri="{FF2B5EF4-FFF2-40B4-BE49-F238E27FC236}">
@@ -1745,6 +3807,48 @@
           <a:lstStyle/>
           <a:p>
             <a:endParaRPr lang="en-US"/>
+          </a:p>
+        </p:txBody>
+      </p:sp>
+      <p:sp>
+        <p:nvSpPr>
+          <p:cNvPr id="4" name="Text Placeholder 4">
+            <a:extLst>
+              <a:ext uri="{FF2B5EF4-FFF2-40B4-BE49-F238E27FC236}">
+                <a16:creationId xmlns:a16="http://schemas.microsoft.com/office/drawing/2014/main" id="{A00DC936-676C-1BAA-B4B4-D45CC5951D6E}"/>
+              </a:ext>
+            </a:extLst>
+          </p:cNvPr>
+          <p:cNvSpPr>
+            <a:spLocks noGrp="1"/>
+          </p:cNvSpPr>
+          <p:nvPr>
+            <p:ph type="body" sz="quarter" idx="15" hasCustomPrompt="1"/>
+          </p:nvPr>
+        </p:nvSpPr>
+        <p:spPr>
+          <a:xfrm>
+            <a:off x="5749315" y="4681864"/>
+            <a:ext cx="3218473" cy="238125"/>
+          </a:xfrm>
+          <a:prstGeom prst="rect">
+            <a:avLst/>
+          </a:prstGeom>
+        </p:spPr>
+        <p:txBody>
+          <a:bodyPr/>
+          <a:lstStyle>
+            <a:lvl5pPr algn="r">
+              <a:buNone/>
+              <a:defRPr sz="1100"/>
+            </a:lvl5pPr>
+          </a:lstStyle>
+          <a:p>
+            <a:pPr lvl="4"/>
+            <a:r>
+              <a:rPr lang="en-US" dirty="0"/>
+              <a:t>Project Name</a:t>
+            </a:r>
           </a:p>
         </p:txBody>
       </p:sp>
@@ -1780,6 +3884,39 @@
       </p:grpSpPr>
       <p:sp>
         <p:nvSpPr>
+          <p:cNvPr id="10" name="Picture Placeholder 13">
+            <a:extLst>
+              <a:ext uri="{FF2B5EF4-FFF2-40B4-BE49-F238E27FC236}">
+                <a16:creationId xmlns:a16="http://schemas.microsoft.com/office/drawing/2014/main" id="{6A0FA445-7602-F06E-EC73-5504EBF827CC}"/>
+              </a:ext>
+            </a:extLst>
+          </p:cNvPr>
+          <p:cNvSpPr>
+            <a:spLocks noGrp="1"/>
+          </p:cNvSpPr>
+          <p:nvPr>
+            <p:ph type="pic" sz="quarter" idx="14"/>
+          </p:nvPr>
+        </p:nvSpPr>
+        <p:spPr>
+          <a:xfrm>
+            <a:off x="313592" y="4536078"/>
+            <a:ext cx="2130670" cy="529698"/>
+          </a:xfrm>
+          <a:prstGeom prst="rect">
+            <a:avLst/>
+          </a:prstGeom>
+        </p:spPr>
+        <p:txBody>
+          <a:bodyPr/>
+          <a:lstStyle/>
+          <a:p>
+            <a:endParaRPr lang="en-US" dirty="0"/>
+          </a:p>
+        </p:txBody>
+      </p:sp>
+      <p:sp>
+        <p:nvSpPr>
           <p:cNvPr id="3" name="Shape 1">
             <a:extLst>
               <a:ext uri="{FF2B5EF4-FFF2-40B4-BE49-F238E27FC236}">
@@ -1872,69 +4009,6 @@
           </a:p>
         </p:txBody>
       </p:sp>
-      <p:pic>
-        <p:nvPicPr>
-          <p:cNvPr id="8" name="Image 0" descr="/home/claude/eo-framework-logo.png">
-            <a:extLst>
-              <a:ext uri="{FF2B5EF4-FFF2-40B4-BE49-F238E27FC236}">
-                <a16:creationId xmlns:a16="http://schemas.microsoft.com/office/drawing/2014/main" id="{4B7035C6-0EF1-6BD3-318E-553D1AAD6709}"/>
-              </a:ext>
-            </a:extLst>
-          </p:cNvPr>
-          <p:cNvPicPr>
-            <a:picLocks noChangeAspect="1"/>
-          </p:cNvPicPr>
-          <p:nvPr userDrawn="1"/>
-        </p:nvPicPr>
-        <p:blipFill>
-          <a:blip r:embed="rId2"/>
-          <a:stretch>
-            <a:fillRect/>
-          </a:stretch>
-        </p:blipFill>
-        <p:spPr>
-          <a:xfrm>
-            <a:off x="6945879" y="4648200"/>
-            <a:ext cx="1952244" cy="417576"/>
-          </a:xfrm>
-          <a:prstGeom prst="rect">
-            <a:avLst/>
-          </a:prstGeom>
-        </p:spPr>
-      </p:pic>
-      <p:sp>
-        <p:nvSpPr>
-          <p:cNvPr id="10" name="Picture Placeholder 13">
-            <a:extLst>
-              <a:ext uri="{FF2B5EF4-FFF2-40B4-BE49-F238E27FC236}">
-                <a16:creationId xmlns:a16="http://schemas.microsoft.com/office/drawing/2014/main" id="{6A0FA445-7602-F06E-EC73-5504EBF827CC}"/>
-              </a:ext>
-            </a:extLst>
-          </p:cNvPr>
-          <p:cNvSpPr>
-            <a:spLocks noGrp="1"/>
-          </p:cNvSpPr>
-          <p:nvPr>
-            <p:ph type="pic" sz="quarter" idx="14"/>
-          </p:nvPr>
-        </p:nvSpPr>
-        <p:spPr>
-          <a:xfrm>
-            <a:off x="313592" y="4536078"/>
-            <a:ext cx="2130670" cy="529698"/>
-          </a:xfrm>
-          <a:prstGeom prst="rect">
-            <a:avLst/>
-          </a:prstGeom>
-        </p:spPr>
-        <p:txBody>
-          <a:bodyPr/>
-          <a:lstStyle/>
-          <a:p>
-            <a:endParaRPr lang="en-US" dirty="0"/>
-          </a:p>
-        </p:txBody>
-      </p:sp>
       <p:sp>
         <p:nvSpPr>
           <p:cNvPr id="6" name="Picture Placeholder 5">
@@ -1997,7 +4071,7 @@
           <a:bodyPr/>
           <a:lstStyle>
             <a:lvl1pPr>
-              <a:defRPr sz="1800">
+              <a:defRPr sz="1800" b="1">
                 <a:solidFill>
                   <a:srgbClr val="C00000"/>
                 </a:solidFill>
@@ -2049,6 +4123,48 @@
             <a:r>
               <a:rPr lang="en-US" dirty="0"/>
               <a:t>Fifth level</a:t>
+            </a:r>
+          </a:p>
+        </p:txBody>
+      </p:sp>
+      <p:sp>
+        <p:nvSpPr>
+          <p:cNvPr id="2" name="Text Placeholder 4">
+            <a:extLst>
+              <a:ext uri="{FF2B5EF4-FFF2-40B4-BE49-F238E27FC236}">
+                <a16:creationId xmlns:a16="http://schemas.microsoft.com/office/drawing/2014/main" id="{6D03683B-7C4B-D474-74C5-EC53E3BB515B}"/>
+              </a:ext>
+            </a:extLst>
+          </p:cNvPr>
+          <p:cNvSpPr>
+            <a:spLocks noGrp="1"/>
+          </p:cNvSpPr>
+          <p:nvPr>
+            <p:ph type="body" sz="quarter" idx="17" hasCustomPrompt="1"/>
+          </p:nvPr>
+        </p:nvSpPr>
+        <p:spPr>
+          <a:xfrm>
+            <a:off x="5781065" y="4729530"/>
+            <a:ext cx="3218473" cy="238125"/>
+          </a:xfrm>
+          <a:prstGeom prst="rect">
+            <a:avLst/>
+          </a:prstGeom>
+        </p:spPr>
+        <p:txBody>
+          <a:bodyPr/>
+          <a:lstStyle>
+            <a:lvl5pPr algn="r">
+              <a:buNone/>
+              <a:defRPr sz="1100"/>
+            </a:lvl5pPr>
+          </a:lstStyle>
+          <a:p>
+            <a:pPr lvl="4"/>
+            <a:r>
+              <a:rPr lang="en-US" dirty="0"/>
+              <a:t>Project Name</a:t>
             </a:r>
           </a:p>
         </p:txBody>
@@ -2085,6 +4201,39 @@
       </p:grpSpPr>
       <p:sp>
         <p:nvSpPr>
+          <p:cNvPr id="10" name="Picture Placeholder 13">
+            <a:extLst>
+              <a:ext uri="{FF2B5EF4-FFF2-40B4-BE49-F238E27FC236}">
+                <a16:creationId xmlns:a16="http://schemas.microsoft.com/office/drawing/2014/main" id="{6A0FA445-7602-F06E-EC73-5504EBF827CC}"/>
+              </a:ext>
+            </a:extLst>
+          </p:cNvPr>
+          <p:cNvSpPr>
+            <a:spLocks noGrp="1"/>
+          </p:cNvSpPr>
+          <p:nvPr>
+            <p:ph type="pic" sz="quarter" idx="14"/>
+          </p:nvPr>
+        </p:nvSpPr>
+        <p:spPr>
+          <a:xfrm>
+            <a:off x="313592" y="4536078"/>
+            <a:ext cx="2104294" cy="529698"/>
+          </a:xfrm>
+          <a:prstGeom prst="rect">
+            <a:avLst/>
+          </a:prstGeom>
+        </p:spPr>
+        <p:txBody>
+          <a:bodyPr/>
+          <a:lstStyle/>
+          <a:p>
+            <a:endParaRPr lang="en-US" dirty="0"/>
+          </a:p>
+        </p:txBody>
+      </p:sp>
+      <p:sp>
+        <p:nvSpPr>
           <p:cNvPr id="3" name="Shape 1">
             <a:extLst>
               <a:ext uri="{FF2B5EF4-FFF2-40B4-BE49-F238E27FC236}">
@@ -2177,69 +4326,6 @@
           </a:p>
         </p:txBody>
       </p:sp>
-      <p:pic>
-        <p:nvPicPr>
-          <p:cNvPr id="8" name="Image 0" descr="/home/claude/eo-framework-logo.png">
-            <a:extLst>
-              <a:ext uri="{FF2B5EF4-FFF2-40B4-BE49-F238E27FC236}">
-                <a16:creationId xmlns:a16="http://schemas.microsoft.com/office/drawing/2014/main" id="{4B7035C6-0EF1-6BD3-318E-553D1AAD6709}"/>
-              </a:ext>
-            </a:extLst>
-          </p:cNvPr>
-          <p:cNvPicPr>
-            <a:picLocks noChangeAspect="1"/>
-          </p:cNvPicPr>
-          <p:nvPr userDrawn="1"/>
-        </p:nvPicPr>
-        <p:blipFill>
-          <a:blip r:embed="rId2"/>
-          <a:stretch>
-            <a:fillRect/>
-          </a:stretch>
-        </p:blipFill>
-        <p:spPr>
-          <a:xfrm>
-            <a:off x="6945879" y="4648200"/>
-            <a:ext cx="1952244" cy="417576"/>
-          </a:xfrm>
-          <a:prstGeom prst="rect">
-            <a:avLst/>
-          </a:prstGeom>
-        </p:spPr>
-      </p:pic>
-      <p:sp>
-        <p:nvSpPr>
-          <p:cNvPr id="10" name="Picture Placeholder 13">
-            <a:extLst>
-              <a:ext uri="{FF2B5EF4-FFF2-40B4-BE49-F238E27FC236}">
-                <a16:creationId xmlns:a16="http://schemas.microsoft.com/office/drawing/2014/main" id="{6A0FA445-7602-F06E-EC73-5504EBF827CC}"/>
-              </a:ext>
-            </a:extLst>
-          </p:cNvPr>
-          <p:cNvSpPr>
-            <a:spLocks noGrp="1"/>
-          </p:cNvSpPr>
-          <p:nvPr>
-            <p:ph type="pic" sz="quarter" idx="14"/>
-          </p:nvPr>
-        </p:nvSpPr>
-        <p:spPr>
-          <a:xfrm>
-            <a:off x="313592" y="4536078"/>
-            <a:ext cx="2104294" cy="529698"/>
-          </a:xfrm>
-          <a:prstGeom prst="rect">
-            <a:avLst/>
-          </a:prstGeom>
-        </p:spPr>
-        <p:txBody>
-          <a:bodyPr/>
-          <a:lstStyle/>
-          <a:p>
-            <a:endParaRPr lang="en-US" dirty="0"/>
-          </a:p>
-        </p:txBody>
-      </p:sp>
       <p:sp>
         <p:nvSpPr>
           <p:cNvPr id="5" name="Chart Placeholder 4">
@@ -2302,7 +4388,7 @@
           <a:bodyPr/>
           <a:lstStyle>
             <a:lvl1pPr>
-              <a:defRPr sz="1800">
+              <a:defRPr sz="1800" b="1">
                 <a:solidFill>
                   <a:srgbClr val="C00000"/>
                 </a:solidFill>
@@ -2354,6 +4440,48 @@
             <a:r>
               <a:rPr lang="en-US" dirty="0"/>
               <a:t>Fifth level</a:t>
+            </a:r>
+          </a:p>
+        </p:txBody>
+      </p:sp>
+      <p:sp>
+        <p:nvSpPr>
+          <p:cNvPr id="4" name="Text Placeholder 4">
+            <a:extLst>
+              <a:ext uri="{FF2B5EF4-FFF2-40B4-BE49-F238E27FC236}">
+                <a16:creationId xmlns:a16="http://schemas.microsoft.com/office/drawing/2014/main" id="{A1231DFE-6A5A-950E-159E-9E1D3D45FD36}"/>
+              </a:ext>
+            </a:extLst>
+          </p:cNvPr>
+          <p:cNvSpPr>
+            <a:spLocks noGrp="1"/>
+          </p:cNvSpPr>
+          <p:nvPr>
+            <p:ph type="body" sz="quarter" idx="17" hasCustomPrompt="1"/>
+          </p:nvPr>
+        </p:nvSpPr>
+        <p:spPr>
+          <a:xfrm>
+            <a:off x="5679465" y="4681864"/>
+            <a:ext cx="3218473" cy="238125"/>
+          </a:xfrm>
+          <a:prstGeom prst="rect">
+            <a:avLst/>
+          </a:prstGeom>
+        </p:spPr>
+        <p:txBody>
+          <a:bodyPr/>
+          <a:lstStyle>
+            <a:lvl5pPr algn="r">
+              <a:buNone/>
+              <a:defRPr sz="900"/>
+            </a:lvl5pPr>
+          </a:lstStyle>
+          <a:p>
+            <a:pPr lvl="4"/>
+            <a:r>
+              <a:rPr lang="en-US" dirty="0"/>
+              <a:t>Project Name</a:t>
             </a:r>
           </a:p>
         </p:txBody>
@@ -3163,18 +5291,6 @@
       <p:grpSpPr/>
       <p:sp>
         <p:nvSpPr>
-          <p:cNvPr id="2" name="Picture Placeholder 1"/>
-          <p:cNvSpPr>
-            <a:spLocks noGrp="1"/>
-          </p:cNvSpPr>
-          <p:nvPr>
-            <p:ph type="pic" idx="10" sz="quarter"/>
-          </p:nvPr>
-        </p:nvSpPr>
-        <p:spPr/>
-      </p:sp>
-      <p:sp>
-        <p:nvSpPr>
           <p:cNvPr id="3" name="Text Placeholder 2"/>
           <p:cNvSpPr>
             <a:spLocks noGrp="1"/>
@@ -3189,22 +5305,10 @@
           <a:lstStyle/>
           <a:p>
             <a:r>
-              <a:t>Presentation Title</a:t>
-            </a:r>
-          </a:p>
-        </p:txBody>
-      </p:sp>
-      <p:sp>
-        <p:nvSpPr>
-          <p:cNvPr id="4" name="Picture Placeholder 3"/>
-          <p:cNvSpPr>
-            <a:spLocks noGrp="1"/>
-          </p:cNvSpPr>
-          <p:nvPr>
-            <p:ph type="pic" idx="13" sz="quarter"/>
-          </p:nvPr>
-        </p:nvSpPr>
-        <p:spPr/>
+              <a:t>Project Closeout</a:t>
+            </a:r>
+          </a:p>
+        </p:txBody>
       </p:sp>
       <p:sp>
         <p:nvSpPr>
@@ -3222,7 +5326,7 @@
           <a:lstStyle/>
           <a:p>
             <a:r>
-              <a:t>Solution Name</a:t>
+              <a:t>NVIDIA GPU Compute Cluster with Kubernetes</a:t>
             </a:r>
           </a:p>
         </p:txBody>
@@ -3243,11 +5347,83 @@
           <a:lstStyle/>
           <a:p>
             <a:r>
-              <a:t>Presenter Name | November 15, 2025</a:t>
-            </a:r>
-          </a:p>
-        </p:txBody>
-      </p:sp>
+              <a:t>Project Manager | November 28, 2025</a:t>
+            </a:r>
+          </a:p>
+        </p:txBody>
+      </p:sp>
+      <p:pic>
+        <p:nvPicPr>
+          <p:cNvPr id="7" name="Picture 6" descr="client_logo.png"/>
+          <p:cNvPicPr>
+            <a:picLocks noChangeAspect="1"/>
+          </p:cNvPicPr>
+          <p:nvPr/>
+        </p:nvPicPr>
+        <p:blipFill>
+          <a:blip r:embed="rId2"/>
+          <a:stretch>
+            <a:fillRect/>
+          </a:stretch>
+        </p:blipFill>
+        <p:spPr>
+          <a:xfrm>
+            <a:off x="2180492" y="171206"/>
+            <a:ext cx="3978520" cy="1314694"/>
+          </a:xfrm>
+          <a:prstGeom prst="rect">
+            <a:avLst/>
+          </a:prstGeom>
+        </p:spPr>
+      </p:pic>
+      <p:pic>
+        <p:nvPicPr>
+          <p:cNvPr id="8" name="Picture 7" descr="consulting_company_logo.png"/>
+          <p:cNvPicPr>
+            <a:picLocks noChangeAspect="1"/>
+          </p:cNvPicPr>
+          <p:nvPr/>
+        </p:nvPicPr>
+        <p:blipFill>
+          <a:blip r:embed="rId3"/>
+          <a:stretch>
+            <a:fillRect/>
+          </a:stretch>
+        </p:blipFill>
+        <p:spPr>
+          <a:xfrm>
+            <a:off x="313591" y="4536078"/>
+            <a:ext cx="2099897" cy="529698"/>
+          </a:xfrm>
+          <a:prstGeom prst="rect">
+            <a:avLst/>
+          </a:prstGeom>
+        </p:spPr>
+      </p:pic>
+      <p:pic>
+        <p:nvPicPr>
+          <p:cNvPr id="9" name="Picture 8" descr="eo-framework-logo-real.png"/>
+          <p:cNvPicPr>
+            <a:picLocks noChangeAspect="1"/>
+          </p:cNvPicPr>
+          <p:nvPr/>
+        </p:nvPicPr>
+        <p:blipFill>
+          <a:blip r:embed="rId4"/>
+          <a:stretch>
+            <a:fillRect/>
+          </a:stretch>
+        </p:blipFill>
+        <p:spPr>
+          <a:xfrm>
+            <a:off x="6684264" y="4535424"/>
+            <a:ext cx="2139696" cy="530352"/>
+          </a:xfrm>
+          <a:prstGeom prst="rect">
+            <a:avLst/>
+          </a:prstGeom>
+        </p:spPr>
+      </p:pic>
     </p:spTree>
   </p:cSld>
   <p:clrMapOvr>
@@ -3268,12 +5444,12 @@
       <p:grpSpPr/>
       <p:sp>
         <p:nvSpPr>
-          <p:cNvPr id="2" name="Text Placeholder 1"/>
+          <p:cNvPr id="3" name="Text Placeholder 2"/>
           <p:cNvSpPr>
             <a:spLocks noGrp="1"/>
           </p:cNvSpPr>
           <p:nvPr>
-            <p:ph type="body" idx="10" sz="quarter"/>
+            <p:ph type="body" idx="12" sz="quarter"/>
           </p:nvPr>
         </p:nvSpPr>
         <p:spPr/>
@@ -3282,26 +5458,14 @@
           <a:lstStyle/>
           <a:p>
             <a:r>
-              <a:t>AI/ML Platform Capabilities</a:t>
-            </a:r>
-          </a:p>
-        </p:txBody>
-      </p:sp>
-      <p:sp>
-        <p:nvSpPr>
-          <p:cNvPr id="3" name="Picture Placeholder 2"/>
-          <p:cNvSpPr>
-            <a:spLocks noGrp="1"/>
-          </p:cNvSpPr>
-          <p:nvPr>
-            <p:ph type="pic" idx="13" sz="quarter"/>
-          </p:nvPr>
-        </p:nvSpPr>
-        <p:spPr/>
-      </p:sp>
-      <p:sp>
-        <p:nvSpPr>
-          <p:cNvPr id="4" name="Text Placeholder 3"/>
+              <a:t>Thank You</a:t>
+            </a:r>
+          </a:p>
+        </p:txBody>
+      </p:sp>
+      <p:sp>
+        <p:nvSpPr>
+          <p:cNvPr id="5" name="Text Placeholder 4"/>
           <p:cNvSpPr>
             <a:spLocks noGrp="1"/>
           </p:cNvSpPr>
@@ -3313,1093 +5477,98 @@
         <p:txBody>
           <a:bodyPr/>
           <a:lstStyle/>
-          <a:p>
-            <a:pPr/>
-            <a:r>
-              <a:rPr b="1"/>
-              <a:t>Framework Optimization</a:t>
-            </a:r>
-            <a:r>
-              <a:t>: Optimized TensorFlow, PyTorch, and other frameworks</a:t>
-            </a:r>
-          </a:p>
-          <a:p>
-            <a:pPr/>
-            <a:r>
-              <a:rPr b="1"/>
-              <a:t>Model Parallelism</a:t>
-            </a:r>
-            <a:r>
-              <a:t>: Support for large model training with model parallelism</a:t>
-            </a:r>
-          </a:p>
-          <a:p>
-            <a:pPr/>
-            <a:r>
-              <a:rPr b="1"/>
-              <a:t>Distributed Training</a:t>
-            </a:r>
-            <a:r>
-              <a:t>: Multi-node distributed training with NCCL</a:t>
-            </a:r>
-          </a:p>
-          <a:p>
-            <a:pPr/>
-            <a:r>
-              <a:rPr b="1"/>
-              <a:t>AutoML</a:t>
-            </a:r>
-            <a:r>
-              <a:t>: Automated machine learning with neural architecture search</a:t>
-            </a:r>
-          </a:p>
-          <a:p>
-            <a:pPr/>
-            <a:r>
-              <a:rPr b="1"/>
-              <a:t>Federated Learning</a:t>
-            </a:r>
-            <a:r>
-              <a:t>: Privacy-preserving distributed learning capabilities</a:t>
-            </a:r>
-          </a:p>
-        </p:txBody>
-      </p:sp>
-    </p:spTree>
-  </p:cSld>
-  <p:clrMapOvr>
-    <a:masterClrMapping/>
-  </p:clrMapOvr>
-</p:sld>
-</file>
-
-<file path=ppt/slides/slide11.xml><?xml version="1.0" encoding="utf-8"?>
-<p:sld xmlns:a="http://schemas.openxmlformats.org/drawingml/2006/main" xmlns:p="http://schemas.openxmlformats.org/presentationml/2006/main" xmlns:r="http://schemas.openxmlformats.org/officeDocument/2006/relationships">
-  <p:cSld>
-    <p:spTree>
-      <p:nvGrpSpPr>
-        <p:cNvPr id="1" name=""/>
-        <p:cNvGrpSpPr/>
-        <p:nvPr/>
-      </p:nvGrpSpPr>
-      <p:grpSpPr/>
-      <p:sp>
-        <p:nvSpPr>
-          <p:cNvPr id="2" name="Text Placeholder 1"/>
+          <a:p/>
+        </p:txBody>
+      </p:sp>
+      <p:sp>
+        <p:nvSpPr>
+          <p:cNvPr id="6" name="Text Placeholder 5"/>
           <p:cNvSpPr>
             <a:spLocks noGrp="1"/>
           </p:cNvSpPr>
           <p:nvPr>
-            <p:ph type="body" idx="10" sz="quarter"/>
+            <p:ph type="body" idx="15" sz="quarter"/>
           </p:nvPr>
         </p:nvSpPr>
         <p:spPr/>
         <p:txBody>
           <a:bodyPr/>
           <a:lstStyle/>
-          <a:p>
-            <a:r>
-              <a:t>Project Delivery Excellence</a:t>
-            </a:r>
-          </a:p>
-        </p:txBody>
-      </p:sp>
-      <p:sp>
-        <p:nvSpPr>
-          <p:cNvPr id="3" name="Picture Placeholder 2"/>
-          <p:cNvSpPr>
-            <a:spLocks noGrp="1"/>
-          </p:cNvSpPr>
-          <p:nvPr>
-            <p:ph type="pic" idx="13" sz="quarter"/>
-          </p:nvPr>
-        </p:nvSpPr>
-        <p:spPr/>
-      </p:sp>
-      <p:sp>
-        <p:nvSpPr>
-          <p:cNvPr id="4" name="Text Placeholder 3"/>
-          <p:cNvSpPr>
-            <a:spLocks noGrp="1"/>
-          </p:cNvSpPr>
-          <p:nvPr>
-            <p:ph type="body" idx="14" sz="quarter"/>
-          </p:nvPr>
-        </p:nvSpPr>
-        <p:spPr/>
-        <p:txBody>
-          <a:bodyPr/>
-          <a:lstStyle/>
-          <a:p>
-            <a:pPr/>
-            <a:r>
-              <a:rPr b="1"/>
-              <a:t>Timeline Achievement</a:t>
-            </a:r>
-            <a:r>
-              <a:t>: Delivered 2 weeks ahead of original 20-week schedule</a:t>
-            </a:r>
-          </a:p>
-          <a:p>
-            <a:pPr/>
-            <a:r>
-              <a:rPr b="1"/>
-              <a:t>Budget Performance</a:t>
-            </a:r>
-            <a:r>
-              <a:t>: Completed 4% under allocated budget</a:t>
-            </a:r>
-          </a:p>
-          <a:p>
-            <a:pPr/>
-            <a:r>
-              <a:rPr b="1"/>
-              <a:t>Quality Standards</a:t>
-            </a:r>
-            <a:r>
-              <a:t>: Zero critical defects in cluster deployment</a:t>
-            </a:r>
-          </a:p>
-          <a:p>
-            <a:pPr/>
-            <a:r>
-              <a:rPr b="1"/>
-              <a:t>Performance Validation</a:t>
-            </a:r>
-            <a:r>
-              <a:t>: Exceeded all performance benchmarks by 15%</a:t>
-            </a:r>
-          </a:p>
-        </p:txBody>
-      </p:sp>
-    </p:spTree>
-  </p:cSld>
-  <p:clrMapOvr>
-    <a:masterClrMapping/>
-  </p:clrMapOvr>
-</p:sld>
-</file>
-
-<file path=ppt/slides/slide12.xml><?xml version="1.0" encoding="utf-8"?>
-<p:sld xmlns:a="http://schemas.openxmlformats.org/drawingml/2006/main" xmlns:p="http://schemas.openxmlformats.org/presentationml/2006/main" xmlns:r="http://schemas.openxmlformats.org/officeDocument/2006/relationships">
-  <p:cSld>
-    <p:spTree>
-      <p:nvGrpSpPr>
-        <p:cNvPr id="1" name=""/>
-        <p:cNvGrpSpPr/>
-        <p:nvPr/>
-      </p:nvGrpSpPr>
-      <p:grpSpPr/>
-      <p:sp>
-        <p:nvSpPr>
-          <p:cNvPr id="2" name="Text Placeholder 1"/>
-          <p:cNvSpPr>
-            <a:spLocks noGrp="1"/>
-          </p:cNvSpPr>
-          <p:nvPr>
-            <p:ph type="body" idx="10" sz="quarter"/>
-          </p:nvPr>
-        </p:nvSpPr>
-        <p:spPr/>
-        <p:txBody>
-          <a:bodyPr/>
-          <a:lstStyle/>
-          <a:p>
-            <a:r>
-              <a:t>Technical Excellence</a:t>
-            </a:r>
-          </a:p>
-        </p:txBody>
-      </p:sp>
-      <p:sp>
-        <p:nvSpPr>
-          <p:cNvPr id="3" name="Picture Placeholder 2"/>
-          <p:cNvSpPr>
-            <a:spLocks noGrp="1"/>
-          </p:cNvSpPr>
-          <p:nvPr>
-            <p:ph type="pic" idx="13" sz="quarter"/>
-          </p:nvPr>
-        </p:nvSpPr>
-        <p:spPr/>
-      </p:sp>
-      <p:sp>
-        <p:nvSpPr>
-          <p:cNvPr id="4" name="Text Placeholder 3"/>
-          <p:cNvSpPr>
-            <a:spLocks noGrp="1"/>
-          </p:cNvSpPr>
-          <p:nvPr>
-            <p:ph type="body" idx="14" sz="quarter"/>
-          </p:nvPr>
-        </p:nvSpPr>
-        <p:spPr/>
-        <p:txBody>
-          <a:bodyPr/>
-          <a:lstStyle/>
-          <a:p>
-            <a:pPr/>
-            <a:r>
-              <a:rPr b="1"/>
-              <a:t>Cluster Reliability</a:t>
-            </a:r>
-            <a:r>
-              <a:t>: Achieving 99.7% uptime with proactive monitoring</a:t>
-            </a:r>
-          </a:p>
-          <a:p>
-            <a:pPr/>
-            <a:r>
-              <a:rPr b="1"/>
-              <a:t>Performance</a:t>
-            </a:r>
-            <a:r>
-              <a:t>: Consistently exceeding theoretical peak performance</a:t>
-            </a:r>
-          </a:p>
-          <a:p>
-            <a:pPr/>
-            <a:r>
-              <a:rPr b="1"/>
-              <a:t>Scalability</a:t>
-            </a:r>
-            <a:r>
-              <a:t>: Linear scaling demonstrated up to 256 GPUs</a:t>
-            </a:r>
-          </a:p>
-          <a:p>
-            <a:pPr/>
-            <a:r>
-              <a:rPr b="1"/>
-              <a:t>Integration</a:t>
-            </a:r>
-            <a:r>
-              <a:t>: Seamless integration with existing research infrastructure</a:t>
-            </a:r>
-          </a:p>
-        </p:txBody>
-      </p:sp>
-    </p:spTree>
-  </p:cSld>
-  <p:clrMapOvr>
-    <a:masterClrMapping/>
-  </p:clrMapOvr>
-</p:sld>
-</file>
-
-<file path=ppt/slides/slide13.xml><?xml version="1.0" encoding="utf-8"?>
-<p:sld xmlns:a="http://schemas.openxmlformats.org/drawingml/2006/main" xmlns:p="http://schemas.openxmlformats.org/presentationml/2006/main" xmlns:r="http://schemas.openxmlformats.org/officeDocument/2006/relationships">
-  <p:cSld>
-    <p:spTree>
-      <p:nvGrpSpPr>
-        <p:cNvPr id="1" name=""/>
-        <p:cNvGrpSpPr/>
-        <p:nvPr/>
-      </p:nvGrpSpPr>
-      <p:grpSpPr/>
-      <p:sp>
-        <p:nvSpPr>
-          <p:cNvPr id="2" name="Text Placeholder 1"/>
-          <p:cNvSpPr>
-            <a:spLocks noGrp="1"/>
-          </p:cNvSpPr>
-          <p:nvPr>
-            <p:ph type="body" idx="10" sz="quarter"/>
-          </p:nvPr>
-        </p:nvSpPr>
-        <p:spPr/>
-        <p:txBody>
-          <a:bodyPr/>
-          <a:lstStyle/>
-          <a:p>
-            <a:r>
-              <a:t>User Adoption</a:t>
-            </a:r>
-          </a:p>
-        </p:txBody>
-      </p:sp>
-      <p:sp>
-        <p:nvSpPr>
-          <p:cNvPr id="3" name="Picture Placeholder 2"/>
-          <p:cNvSpPr>
-            <a:spLocks noGrp="1"/>
-          </p:cNvSpPr>
-          <p:nvPr>
-            <p:ph type="pic" idx="13" sz="quarter"/>
-          </p:nvPr>
-        </p:nvSpPr>
-        <p:spPr/>
-      </p:sp>
-      <p:sp>
-        <p:nvSpPr>
-          <p:cNvPr id="4" name="Text Placeholder 3"/>
-          <p:cNvSpPr>
-            <a:spLocks noGrp="1"/>
-          </p:cNvSpPr>
-          <p:nvPr>
-            <p:ph type="body" idx="14" sz="quarter"/>
-          </p:nvPr>
-        </p:nvSpPr>
-        <p:spPr/>
-        <p:txBody>
-          <a:bodyPr/>
-          <a:lstStyle/>
-          <a:p>
-            <a:pPr/>
-            <a:r>
-              <a:rPr b="1"/>
-              <a:t>Training Completion</a:t>
-            </a:r>
-            <a:r>
-              <a:t>: 95% of researchers completed GPU computing training</a:t>
-            </a:r>
-          </a:p>
-          <a:p>
-            <a:pPr/>
-            <a:r>
-              <a:rPr b="1"/>
-              <a:t>User Satisfaction</a:t>
-            </a:r>
-            <a:r>
-              <a:t>: 4.9/5.0 average satisfaction score from research teams</a:t>
-            </a:r>
-          </a:p>
-          <a:p>
-            <a:pPr/>
-            <a:r>
-              <a:rPr b="1"/>
-              <a:t>Utilization Rate</a:t>
-            </a:r>
-            <a:r>
-              <a:t>: 89% average cluster utilization</a:t>
-            </a:r>
-          </a:p>
-          <a:p>
-            <a:pPr/>
-            <a:r>
-              <a:rPr b="1"/>
-              <a:t>Research Impact</a:t>
-            </a:r>
-            <a:r>
-              <a:t>: 67% increase in high-impact research outputs</a:t>
-            </a:r>
-          </a:p>
-        </p:txBody>
-      </p:sp>
-    </p:spTree>
-  </p:cSld>
-  <p:clrMapOvr>
-    <a:masterClrMapping/>
-  </p:clrMapOvr>
-</p:sld>
-</file>
-
-<file path=ppt/slides/slide14.xml><?xml version="1.0" encoding="utf-8"?>
-<p:sld xmlns:a="http://schemas.openxmlformats.org/drawingml/2006/main" xmlns:p="http://schemas.openxmlformats.org/presentationml/2006/main" xmlns:r="http://schemas.openxmlformats.org/officeDocument/2006/relationships">
-  <p:cSld>
-    <p:spTree>
-      <p:nvGrpSpPr>
-        <p:cNvPr id="1" name=""/>
-        <p:cNvGrpSpPr/>
-        <p:nvPr/>
-      </p:nvGrpSpPr>
-      <p:grpSpPr/>
-      <p:sp>
-        <p:nvSpPr>
-          <p:cNvPr id="2" name="Text Placeholder 1"/>
-          <p:cNvSpPr>
-            <a:spLocks noGrp="1"/>
-          </p:cNvSpPr>
-          <p:nvPr>
-            <p:ph type="body" idx="10" sz="quarter"/>
-          </p:nvPr>
-        </p:nvSpPr>
-        <p:spPr/>
-        <p:txBody>
-          <a:bodyPr/>
-          <a:lstStyle/>
-          <a:p>
-            <a:r>
-              <a:t>AI and Machine Learning</a:t>
-            </a:r>
-          </a:p>
-        </p:txBody>
-      </p:sp>
-      <p:sp>
-        <p:nvSpPr>
-          <p:cNvPr id="3" name="Picture Placeholder 2"/>
-          <p:cNvSpPr>
-            <a:spLocks noGrp="1"/>
-          </p:cNvSpPr>
-          <p:nvPr>
-            <p:ph type="pic" idx="13" sz="quarter"/>
-          </p:nvPr>
-        </p:nvSpPr>
-        <p:spPr/>
-      </p:sp>
-      <p:sp>
-        <p:nvSpPr>
-          <p:cNvPr id="4" name="Text Placeholder 3"/>
-          <p:cNvSpPr>
-            <a:spLocks noGrp="1"/>
-          </p:cNvSpPr>
-          <p:nvPr>
-            <p:ph type="body" idx="14" sz="quarter"/>
-          </p:nvPr>
-        </p:nvSpPr>
-        <p:spPr/>
-        <p:txBody>
-          <a:bodyPr/>
-          <a:lstStyle/>
-          <a:p>
-            <a:pPr/>
-            <a:r>
-              <a:rPr b="1"/>
-              <a:t>Deep Learning</a:t>
-            </a:r>
-            <a:r>
-              <a:t>: Large-scale neural network training and inference</a:t>
-            </a:r>
-          </a:p>
-          <a:p>
-            <a:pPr/>
-            <a:r>
-              <a:rPr b="1"/>
-              <a:t>Computer Vision</a:t>
-            </a:r>
-            <a:r>
-              <a:t>: Advanced image and video analysis algorithms</a:t>
-            </a:r>
-          </a:p>
-          <a:p>
-            <a:pPr/>
-            <a:r>
-              <a:rPr b="1"/>
-              <a:t>Natural Language Processing</a:t>
-            </a:r>
-            <a:r>
-              <a:t>: Large language model development and fine-tuning</a:t>
-            </a:r>
-          </a:p>
-          <a:p>
-            <a:pPr/>
-            <a:r>
-              <a:rPr b="1"/>
-              <a:t>Reinforcement Learning</a:t>
-            </a:r>
-            <a:r>
-              <a:t>: Complex decision-making system development</a:t>
-            </a:r>
-          </a:p>
-          <a:p>
-            <a:pPr/>
-            <a:r>
-              <a:rPr b="1"/>
-              <a:t>Generative AI</a:t>
-            </a:r>
-            <a:r>
-              <a:t>: Advanced generative model development and deployment</a:t>
-            </a:r>
-          </a:p>
-        </p:txBody>
-      </p:sp>
-    </p:spTree>
-  </p:cSld>
-  <p:clrMapOvr>
-    <a:masterClrMapping/>
-  </p:clrMapOvr>
-</p:sld>
-</file>
-
-<file path=ppt/slides/slide15.xml><?xml version="1.0" encoding="utf-8"?>
-<p:sld xmlns:a="http://schemas.openxmlformats.org/drawingml/2006/main" xmlns:p="http://schemas.openxmlformats.org/presentationml/2006/main" xmlns:r="http://schemas.openxmlformats.org/officeDocument/2006/relationships">
-  <p:cSld>
-    <p:spTree>
-      <p:nvGrpSpPr>
-        <p:cNvPr id="1" name=""/>
-        <p:cNvGrpSpPr/>
-        <p:nvPr/>
-      </p:nvGrpSpPr>
-      <p:grpSpPr/>
-      <p:sp>
-        <p:nvSpPr>
-          <p:cNvPr id="2" name="Text Placeholder 1"/>
-          <p:cNvSpPr>
-            <a:spLocks noGrp="1"/>
-          </p:cNvSpPr>
-          <p:nvPr>
-            <p:ph type="body" idx="10" sz="quarter"/>
-          </p:nvPr>
-        </p:nvSpPr>
-        <p:spPr/>
-        <p:txBody>
-          <a:bodyPr/>
-          <a:lstStyle/>
-          <a:p>
-            <a:r>
-              <a:t>Scientific Simulation</a:t>
-            </a:r>
-          </a:p>
-        </p:txBody>
-      </p:sp>
-      <p:sp>
-        <p:nvSpPr>
-          <p:cNvPr id="3" name="Picture Placeholder 2"/>
-          <p:cNvSpPr>
-            <a:spLocks noGrp="1"/>
-          </p:cNvSpPr>
-          <p:nvPr>
-            <p:ph type="pic" idx="13" sz="quarter"/>
-          </p:nvPr>
-        </p:nvSpPr>
-        <p:spPr/>
-      </p:sp>
-      <p:sp>
-        <p:nvSpPr>
-          <p:cNvPr id="4" name="Text Placeholder 3"/>
-          <p:cNvSpPr>
-            <a:spLocks noGrp="1"/>
-          </p:cNvSpPr>
-          <p:nvPr>
-            <p:ph type="body" idx="14" sz="quarter"/>
-          </p:nvPr>
-        </p:nvSpPr>
-        <p:spPr/>
-        <p:txBody>
-          <a:bodyPr/>
-          <a:lstStyle/>
-          <a:p>
-            <a:pPr/>
-            <a:r>
-              <a:rPr b="1"/>
-              <a:t>Computational Fluid Dynamics</a:t>
-            </a:r>
-            <a:r>
-              <a:t>: Weather modeling and aerospace simulations</a:t>
-            </a:r>
-          </a:p>
-          <a:p>
-            <a:pPr/>
-            <a:r>
-              <a:rPr b="1"/>
-              <a:t>Molecular Dynamics</a:t>
-            </a:r>
-            <a:r>
-              <a:t>: Drug discovery and materials science simulations</a:t>
-            </a:r>
-          </a:p>
-          <a:p>
-            <a:pPr/>
-            <a:r>
-              <a:rPr b="1"/>
-              <a:t>Quantum Computing</a:t>
-            </a:r>
-            <a:r>
-              <a:t>: Quantum algorithm simulation and development</a:t>
-            </a:r>
-          </a:p>
-          <a:p>
-            <a:pPr/>
-            <a:r>
-              <a:rPr b="1"/>
-              <a:t>Climate Modeling</a:t>
-            </a:r>
-            <a:r>
-              <a:t>: Large-scale climate and environmental simulations</a:t>
-            </a:r>
-          </a:p>
-          <a:p>
-            <a:pPr/>
-            <a:r>
-              <a:rPr b="1"/>
-              <a:t>Astrophysics</a:t>
-            </a:r>
-            <a:r>
-              <a:t>: Galaxy formation and cosmic ray simulations</a:t>
-            </a:r>
-          </a:p>
-        </p:txBody>
-      </p:sp>
-    </p:spTree>
-  </p:cSld>
-  <p:clrMapOvr>
-    <a:masterClrMapping/>
-  </p:clrMapOvr>
-</p:sld>
-</file>
-
-<file path=ppt/slides/slide16.xml><?xml version="1.0" encoding="utf-8"?>
-<p:sld xmlns:a="http://schemas.openxmlformats.org/drawingml/2006/main" xmlns:p="http://schemas.openxmlformats.org/presentationml/2006/main" xmlns:r="http://schemas.openxmlformats.org/officeDocument/2006/relationships">
-  <p:cSld>
-    <p:spTree>
-      <p:nvGrpSpPr>
-        <p:cNvPr id="1" name=""/>
-        <p:cNvGrpSpPr/>
-        <p:nvPr/>
-      </p:nvGrpSpPr>
-      <p:grpSpPr/>
-      <p:sp>
-        <p:nvSpPr>
-          <p:cNvPr id="2" name="Text Placeholder 1"/>
-          <p:cNvSpPr>
-            <a:spLocks noGrp="1"/>
-          </p:cNvSpPr>
-          <p:nvPr>
-            <p:ph type="body" idx="10" sz="quarter"/>
-          </p:nvPr>
-        </p:nvSpPr>
-        <p:spPr/>
-        <p:txBody>
-          <a:bodyPr/>
-          <a:lstStyle/>
-          <a:p>
-            <a:r>
-              <a:t>Data Analytics and Visualization</a:t>
-            </a:r>
-          </a:p>
-        </p:txBody>
-      </p:sp>
-      <p:sp>
-        <p:nvSpPr>
-          <p:cNvPr id="3" name="Picture Placeholder 2"/>
-          <p:cNvSpPr>
-            <a:spLocks noGrp="1"/>
-          </p:cNvSpPr>
-          <p:nvPr>
-            <p:ph type="pic" idx="14" sz="quarter"/>
-          </p:nvPr>
-        </p:nvSpPr>
-        <p:spPr/>
-      </p:sp>
-      <p:sp>
-        <p:nvSpPr>
-          <p:cNvPr id="4" name="Picture Placeholder 3"/>
-          <p:cNvSpPr>
-            <a:spLocks noGrp="1"/>
-          </p:cNvSpPr>
-          <p:nvPr>
-            <p:ph type="pic" idx="15" sz="quarter"/>
-          </p:nvPr>
-        </p:nvSpPr>
-        <p:spPr/>
-      </p:sp>
-      <p:sp>
-        <p:nvSpPr>
-          <p:cNvPr id="5" name="Text Placeholder 4"/>
-          <p:cNvSpPr>
-            <a:spLocks noGrp="1"/>
-          </p:cNvSpPr>
-          <p:nvPr>
-            <p:ph type="body" idx="16" sz="quarter"/>
-          </p:nvPr>
-        </p:nvSpPr>
-        <p:spPr/>
-        <p:txBody>
-          <a:bodyPr/>
-          <a:lstStyle/>
-          <a:p>
-            <a:pPr/>
-            <a:r>
-              <a:rPr b="1"/>
-              <a:t>Big Data Processing</a:t>
-            </a:r>
-            <a:r>
-              <a:t>: Large-scale data processing with RAPIDS</a:t>
-            </a:r>
-          </a:p>
-          <a:p>
-            <a:pPr/>
-            <a:r>
-              <a:rPr b="1"/>
-              <a:t>Real-Time Analytics</a:t>
-            </a:r>
-            <a:r>
-              <a:t>: Streaming data analysis and visualization</a:t>
-            </a:r>
-          </a:p>
-          <a:p>
-            <a:pPr/>
-            <a:r>
-              <a:rPr b="1"/>
-              <a:t>Genomics</a:t>
-            </a:r>
-            <a:r>
-              <a:t>: Genome sequencing and bioinformatics analysis</a:t>
-            </a:r>
-          </a:p>
-          <a:p>
-            <a:pPr/>
-            <a:r>
-              <a:rPr b="1"/>
-              <a:t>Financial Modeling</a:t>
-            </a:r>
-            <a:r>
-              <a:t>: Risk analysis and algorithmic trading</a:t>
-            </a:r>
-          </a:p>
-          <a:p>
-            <a:pPr/>
-            <a:r>
-              <a:rPr b="1"/>
-              <a:t>Graph Analytics</a:t>
-            </a:r>
-            <a:r>
-              <a:t>: Large-scale graph analysis and network science</a:t>
-            </a:r>
-          </a:p>
-        </p:txBody>
-      </p:sp>
-    </p:spTree>
-  </p:cSld>
-  <p:clrMapOvr>
-    <a:masterClrMapping/>
-  </p:clrMapOvr>
-</p:sld>
-</file>
-
-<file path=ppt/slides/slide17.xml><?xml version="1.0" encoding="utf-8"?>
-<p:sld xmlns:a="http://schemas.openxmlformats.org/drawingml/2006/main" xmlns:p="http://schemas.openxmlformats.org/presentationml/2006/main" xmlns:r="http://schemas.openxmlformats.org/officeDocument/2006/relationships">
-  <p:cSld>
-    <p:spTree>
-      <p:nvGrpSpPr>
-        <p:cNvPr id="1" name=""/>
-        <p:cNvGrpSpPr/>
-        <p:nvPr/>
-      </p:nvGrpSpPr>
-      <p:grpSpPr/>
-      <p:sp>
-        <p:nvSpPr>
-          <p:cNvPr id="2" name="Text Placeholder 1"/>
-          <p:cNvSpPr>
-            <a:spLocks noGrp="1"/>
-          </p:cNvSpPr>
-          <p:nvPr>
-            <p:ph type="body" idx="10" sz="quarter"/>
-          </p:nvPr>
-        </p:nvSpPr>
-        <p:spPr/>
-        <p:txBody>
-          <a:bodyPr/>
-          <a:lstStyle/>
-          <a:p>
-            <a:r>
-              <a:t>Workload Management</a:t>
-            </a:r>
-          </a:p>
-        </p:txBody>
-      </p:sp>
-      <p:sp>
-        <p:nvSpPr>
-          <p:cNvPr id="3" name="Picture Placeholder 2"/>
-          <p:cNvSpPr>
-            <a:spLocks noGrp="1"/>
-          </p:cNvSpPr>
-          <p:nvPr>
-            <p:ph type="pic" idx="13" sz="quarter"/>
-          </p:nvPr>
-        </p:nvSpPr>
-        <p:spPr/>
-      </p:sp>
-      <p:sp>
-        <p:nvSpPr>
-          <p:cNvPr id="4" name="Text Placeholder 3"/>
-          <p:cNvSpPr>
-            <a:spLocks noGrp="1"/>
-          </p:cNvSpPr>
-          <p:nvPr>
-            <p:ph type="body" idx="14" sz="quarter"/>
-          </p:nvPr>
-        </p:nvSpPr>
-        <p:spPr/>
-        <p:txBody>
-          <a:bodyPr/>
-          <a:lstStyle/>
-          <a:p>
-            <a:pPr/>
-            <a:r>
-              <a:rPr b="1"/>
-              <a:t>Job Scheduling</a:t>
-            </a:r>
-            <a:r>
-              <a:t>: Slurm-based job scheduling with GPU awareness</a:t>
-            </a:r>
-          </a:p>
-          <a:p>
-            <a:pPr/>
-            <a:r>
-              <a:rPr b="1"/>
-              <a:t>Resource Allocation</a:t>
-            </a:r>
-            <a:r>
-              <a:t>: Fair-share resource allocation across research groups</a:t>
-            </a:r>
-          </a:p>
-          <a:p>
-            <a:pPr/>
-            <a:r>
-              <a:rPr b="1"/>
-              <a:t>Queue Management</a:t>
-            </a:r>
-            <a:r>
-              <a:t>: Multiple queues for different workload types</a:t>
-            </a:r>
-          </a:p>
-          <a:p>
-            <a:pPr/>
-            <a:r>
-              <a:rPr b="1"/>
-              <a:t>Priority Scheduling</a:t>
-            </a:r>
-            <a:r>
-              <a:t>: Research priority-based job scheduling</a:t>
-            </a:r>
-          </a:p>
-          <a:p>
-            <a:pPr/>
-            <a:r>
-              <a:rPr b="1"/>
-              <a:t>Checkpoint/Restart</a:t>
-            </a:r>
-            <a:r>
-              <a:t>: Automatic checkpointing for long-running jobs</a:t>
-            </a:r>
-          </a:p>
-        </p:txBody>
-      </p:sp>
-    </p:spTree>
-  </p:cSld>
-  <p:clrMapOvr>
-    <a:masterClrMapping/>
-  </p:clrMapOvr>
-</p:sld>
-</file>
-
-<file path=ppt/slides/slide18.xml><?xml version="1.0" encoding="utf-8"?>
-<p:sld xmlns:a="http://schemas.openxmlformats.org/drawingml/2006/main" xmlns:p="http://schemas.openxmlformats.org/presentationml/2006/main" xmlns:r="http://schemas.openxmlformats.org/officeDocument/2006/relationships">
-  <p:cSld>
-    <p:spTree>
-      <p:nvGrpSpPr>
-        <p:cNvPr id="1" name=""/>
-        <p:cNvGrpSpPr/>
-        <p:nvPr/>
-      </p:nvGrpSpPr>
-      <p:grpSpPr/>
-      <p:sp>
-        <p:nvSpPr>
-          <p:cNvPr id="2" name="Text Placeholder 1"/>
-          <p:cNvSpPr>
-            <a:spLocks noGrp="1"/>
-          </p:cNvSpPr>
-          <p:nvPr>
-            <p:ph type="body" idx="10" sz="quarter"/>
-          </p:nvPr>
-        </p:nvSpPr>
-        <p:spPr/>
-        <p:txBody>
-          <a:bodyPr/>
-          <a:lstStyle/>
-          <a:p>
-            <a:r>
-              <a:t>Monitoring and Optimization</a:t>
-            </a:r>
-          </a:p>
-        </p:txBody>
-      </p:sp>
-      <p:sp>
-        <p:nvSpPr>
-          <p:cNvPr id="3" name="Picture Placeholder 2"/>
-          <p:cNvSpPr>
-            <a:spLocks noGrp="1"/>
-          </p:cNvSpPr>
-          <p:nvPr>
-            <p:ph type="pic" idx="13" sz="quarter"/>
-          </p:nvPr>
-        </p:nvSpPr>
-        <p:spPr/>
-      </p:sp>
-      <p:sp>
-        <p:nvSpPr>
-          <p:cNvPr id="4" name="Text Placeholder 3"/>
-          <p:cNvSpPr>
-            <a:spLocks noGrp="1"/>
-          </p:cNvSpPr>
-          <p:nvPr>
-            <p:ph type="body" idx="14" sz="quarter"/>
-          </p:nvPr>
-        </p:nvSpPr>
-        <p:spPr/>
-        <p:txBody>
-          <a:bodyPr/>
-          <a:lstStyle/>
-          <a:p>
-            <a:pPr/>
-            <a:r>
-              <a:rPr b="1"/>
-              <a:t>Performance Monitoring</a:t>
-            </a:r>
-            <a:r>
-              <a:t>: Real-time GPU utilization and performance metrics</a:t>
-            </a:r>
-          </a:p>
-          <a:p>
-            <a:pPr/>
-            <a:r>
-              <a:rPr b="1"/>
-              <a:t>Health Monitoring</a:t>
-            </a:r>
-            <a:r>
-              <a:t>: Comprehensive hardware health monitoring</a:t>
-            </a:r>
-          </a:p>
-          <a:p>
-            <a:pPr/>
-            <a:r>
-              <a:rPr b="1"/>
-              <a:t>Power Management</a:t>
-            </a:r>
-            <a:r>
-              <a:t>: Intelligent power management and efficiency optimization</a:t>
-            </a:r>
-          </a:p>
-          <a:p>
-            <a:pPr/>
-            <a:r>
-              <a:rPr b="1"/>
-              <a:t>Thermal Management</a:t>
-            </a:r>
-            <a:r>
-              <a:t>: Advanced cooling and thermal monitoring</a:t>
-            </a:r>
-          </a:p>
-          <a:p>
-            <a:pPr/>
-            <a:r>
-              <a:rPr b="1"/>
-              <a:t>Predictive Maintenance</a:t>
-            </a:r>
-            <a:r>
-              <a:t>: AI-driven predictive maintenance and failure prevention</a:t>
-            </a:r>
-          </a:p>
-        </p:txBody>
-      </p:sp>
-    </p:spTree>
-  </p:cSld>
-  <p:clrMapOvr>
-    <a:masterClrMapping/>
-  </p:clrMapOvr>
-</p:sld>
-</file>
-
-<file path=ppt/slides/slide19.xml><?xml version="1.0" encoding="utf-8"?>
-<p:sld xmlns:a="http://schemas.openxmlformats.org/drawingml/2006/main" xmlns:p="http://schemas.openxmlformats.org/presentationml/2006/main" xmlns:r="http://schemas.openxmlformats.org/officeDocument/2006/relationships">
-  <p:cSld>
-    <p:spTree>
-      <p:nvGrpSpPr>
-        <p:cNvPr id="1" name=""/>
-        <p:cNvGrpSpPr/>
-        <p:nvPr/>
-      </p:nvGrpSpPr>
-      <p:grpSpPr/>
-      <p:sp>
-        <p:nvSpPr>
-          <p:cNvPr id="2" name="Text Placeholder 1"/>
-          <p:cNvSpPr>
-            <a:spLocks noGrp="1"/>
-          </p:cNvSpPr>
-          <p:nvPr>
-            <p:ph type="body" idx="10" sz="quarter"/>
-          </p:nvPr>
-        </p:nvSpPr>
-        <p:spPr/>
-        <p:txBody>
-          <a:bodyPr/>
-          <a:lstStyle/>
-          <a:p>
-            <a:r>
-              <a:t>Security and Compliance</a:t>
-            </a:r>
-          </a:p>
-        </p:txBody>
-      </p:sp>
-      <p:sp>
-        <p:nvSpPr>
-          <p:cNvPr id="3" name="Picture Placeholder 2"/>
-          <p:cNvSpPr>
-            <a:spLocks noGrp="1"/>
-          </p:cNvSpPr>
-          <p:nvPr>
-            <p:ph type="pic" idx="13" sz="quarter"/>
-          </p:nvPr>
-        </p:nvSpPr>
-        <p:spPr/>
-      </p:sp>
-      <p:sp>
-        <p:nvSpPr>
-          <p:cNvPr id="4" name="Text Placeholder 3"/>
-          <p:cNvSpPr>
-            <a:spLocks noGrp="1"/>
-          </p:cNvSpPr>
-          <p:nvPr>
-            <p:ph type="body" idx="14" sz="quarter"/>
-          </p:nvPr>
-        </p:nvSpPr>
-        <p:spPr/>
-        <p:txBody>
-          <a:bodyPr/>
-          <a:lstStyle/>
-          <a:p>
-            <a:pPr/>
-            <a:r>
-              <a:rPr b="1"/>
-              <a:t>Access Control</a:t>
-            </a:r>
-            <a:r>
-              <a:t>: Role-based access control with multi-factor authentication</a:t>
-            </a:r>
-          </a:p>
-          <a:p>
-            <a:pPr/>
-            <a:r>
-              <a:rPr b="1"/>
-              <a:t>Data Encryption</a:t>
-            </a:r>
-            <a:r>
-              <a:t>: Encryption at rest and in transit for sensitive research data</a:t>
-            </a:r>
-          </a:p>
-          <a:p>
-            <a:pPr/>
-            <a:r>
-              <a:rPr b="1"/>
-              <a:t>Network Security</a:t>
-            </a:r>
-            <a:r>
-              <a:t>: Isolated network segments with firewall protection</a:t>
-            </a:r>
-          </a:p>
-          <a:p>
-            <a:pPr/>
-            <a:r>
-              <a:rPr b="1"/>
-              <a:t>Audit Logging</a:t>
-            </a:r>
-            <a:r>
-              <a:t>: Comprehensive audit logging for security and compliance</a:t>
-            </a:r>
-          </a:p>
-          <a:p>
-            <a:pPr/>
-            <a:r>
-              <a:rPr b="1"/>
-              <a:t>Research Compliance</a:t>
-            </a:r>
-            <a:r>
-              <a:t>: HIPAA, FERPA, and export control compliance</a:t>
-            </a:r>
-          </a:p>
-        </p:txBody>
-      </p:sp>
+          <a:p/>
+        </p:txBody>
+      </p:sp>
+      <p:pic>
+        <p:nvPicPr>
+          <p:cNvPr id="7" name="Picture 6" descr="client_logo.png"/>
+          <p:cNvPicPr>
+            <a:picLocks noChangeAspect="1"/>
+          </p:cNvPicPr>
+          <p:nvPr/>
+        </p:nvPicPr>
+        <p:blipFill>
+          <a:blip r:embed="rId3"/>
+          <a:stretch>
+            <a:fillRect/>
+          </a:stretch>
+        </p:blipFill>
+        <p:spPr>
+          <a:xfrm>
+            <a:off x="2180492" y="171206"/>
+            <a:ext cx="3978520" cy="1314694"/>
+          </a:xfrm>
+          <a:prstGeom prst="rect">
+            <a:avLst/>
+          </a:prstGeom>
+        </p:spPr>
+      </p:pic>
+      <p:pic>
+        <p:nvPicPr>
+          <p:cNvPr id="8" name="Picture 7" descr="consulting_company_logo.png"/>
+          <p:cNvPicPr>
+            <a:picLocks noChangeAspect="1"/>
+          </p:cNvPicPr>
+          <p:nvPr/>
+        </p:nvPicPr>
+        <p:blipFill>
+          <a:blip r:embed="rId4"/>
+          <a:stretch>
+            <a:fillRect/>
+          </a:stretch>
+        </p:blipFill>
+        <p:spPr>
+          <a:xfrm>
+            <a:off x="313592" y="4536078"/>
+            <a:ext cx="2164114" cy="529698"/>
+          </a:xfrm>
+          <a:prstGeom prst="rect">
+            <a:avLst/>
+          </a:prstGeom>
+        </p:spPr>
+      </p:pic>
+      <p:pic>
+        <p:nvPicPr>
+          <p:cNvPr id="9" name="Picture 8" descr="eo-framework-logo-real.png"/>
+          <p:cNvPicPr>
+            <a:picLocks noChangeAspect="1"/>
+          </p:cNvPicPr>
+          <p:nvPr/>
+        </p:nvPicPr>
+        <p:blipFill>
+          <a:blip r:embed="rId5"/>
+          <a:stretch>
+            <a:fillRect/>
+          </a:stretch>
+        </p:blipFill>
+        <p:spPr>
+          <a:xfrm>
+            <a:off x="6684264" y="4535424"/>
+            <a:ext cx="2139696" cy="530352"/>
+          </a:xfrm>
+          <a:prstGeom prst="rect">
+            <a:avLst/>
+          </a:prstGeom>
+        </p:spPr>
+      </p:pic>
     </p:spTree>
   </p:cSld>
   <p:clrMapOvr>
@@ -4420,7 +5589,7 @@
       <p:grpSpPr/>
       <p:sp>
         <p:nvSpPr>
-          <p:cNvPr id="2" name="Text Placeholder 1"/>
+          <p:cNvPr id="3" name="Text Placeholder 2"/>
           <p:cNvSpPr>
             <a:spLocks noGrp="1"/>
           </p:cNvSpPr>
@@ -4433,23 +5602,12 @@
           <a:bodyPr/>
           <a:lstStyle/>
           <a:p>
-            <a:r>
-              <a:t>Project Objectives Achievement</a:t>
-            </a:r>
-          </a:p>
-        </p:txBody>
-      </p:sp>
-      <p:sp>
-        <p:nvSpPr>
-          <p:cNvPr id="3" name="Picture Placeholder 2"/>
-          <p:cNvSpPr>
-            <a:spLocks noGrp="1"/>
-          </p:cNvSpPr>
-          <p:nvPr>
-            <p:ph type="pic" idx="13" sz="quarter"/>
-          </p:nvPr>
-        </p:nvSpPr>
-        <p:spPr/>
+            <a:pPr algn="l"/>
+            <a:r>
+              <a:t>Executive Summary</a:t>
+            </a:r>
+          </a:p>
+        </p:txBody>
       </p:sp>
       <p:sp>
         <p:nvSpPr>
@@ -4469,80 +5627,82 @@
             <a:pPr/>
             <a:r>
               <a:rPr b="1"/>
-              <a:t>GPU Cluster Deployment</a:t>
-            </a:r>
-            <a:r>
-              <a:t>: Deployed 64-node GPU cluster with 256 NVIDIA A100 GPUs</a:t>
+              <a:t>Project Duration:</a:t>
+            </a:r>
+            <a:r>
+              <a:t> 16 weeks, on schedule</a:t>
             </a:r>
           </a:p>
           <a:p>
             <a:pPr/>
             <a:r>
               <a:rPr b="1"/>
-              <a:t>AI/ML Acceleration</a:t>
-            </a:r>
-            <a:r>
-              <a:t>: Achieved 15x performance improvement for machine learning workloads</a:t>
+              <a:t>Budget:</a:t>
+            </a:r>
+            <a:r>
+              <a:t> $1.2M delivered within 3% of target</a:t>
             </a:r>
           </a:p>
           <a:p>
             <a:pPr/>
             <a:r>
               <a:rPr b="1"/>
-              <a:t>Scientific Computing</a:t>
-            </a:r>
-            <a:r>
-              <a:t>: Enabled advanced simulation and modeling capabilities</a:t>
+              <a:t>Go-Live Date:</a:t>
+            </a:r>
+            <a:r>
+              <a:t> Week 14 as planned</a:t>
             </a:r>
           </a:p>
           <a:p>
             <a:pPr/>
             <a:r>
               <a:rPr b="1"/>
-              <a:t>Research Platform</a:t>
-            </a:r>
-            <a:r>
-              <a:t>: Established world-class research computing infrastructure</a:t>
+              <a:t>Quality:</a:t>
+            </a:r>
+            <a:r>
+              <a:t> Zero critical defects at launch</a:t>
             </a:r>
           </a:p>
           <a:p>
             <a:pPr/>
             <a:r>
               <a:rPr b="1"/>
-              <a:t>Energy Efficiency</a:t>
-            </a:r>
-            <a:r>
-              <a:t>: Delivered 73% improvement in performance per watt</a:t>
-            </a:r>
-          </a:p>
-        </p:txBody>
-      </p:sp>
-    </p:spTree>
-  </p:cSld>
-  <p:clrMapOvr>
-    <a:masterClrMapping/>
-  </p:clrMapOvr>
-</p:sld>
-</file>
-
-<file path=ppt/slides/slide20.xml><?xml version="1.0" encoding="utf-8"?>
-<p:sld xmlns:a="http://schemas.openxmlformats.org/drawingml/2006/main" xmlns:p="http://schemas.openxmlformats.org/presentationml/2006/main" xmlns:r="http://schemas.openxmlformats.org/officeDocument/2006/relationships">
-  <p:cSld>
-    <p:spTree>
-      <p:nvGrpSpPr>
-        <p:cNvPr id="1" name=""/>
-        <p:cNvGrpSpPr/>
-        <p:nvPr/>
-      </p:nvGrpSpPr>
-      <p:grpSpPr/>
-      <p:sp>
-        <p:nvSpPr>
-          <p:cNvPr id="2" name="Text Placeholder 1"/>
+              <a:t>GPU Capacity:</a:t>
+            </a:r>
+            <a:r>
+              <a:t> 32 A100 40GB GPUs operational</a:t>
+            </a:r>
+          </a:p>
+          <a:p>
+            <a:pPr/>
+            <a:r>
+              <a:rPr b="1"/>
+              <a:t>Training Speed:</a:t>
+            </a:r>
+            <a:r>
+              <a:t> 10x faster vs CPU baseline</a:t>
+            </a:r>
+          </a:p>
+          <a:p>
+            <a:pPr/>
+            <a:r>
+              <a:rPr b="1"/>
+              <a:t>ROI Status:</a:t>
+            </a:r>
+            <a:r>
+              <a:t> On track for 2.4-year payback</a:t>
+            </a:r>
+          </a:p>
+        </p:txBody>
+      </p:sp>
+      <p:sp>
+        <p:nvSpPr>
+          <p:cNvPr id="5" name="Text Placeholder 4"/>
           <p:cNvSpPr>
             <a:spLocks noGrp="1"/>
           </p:cNvSpPr>
           <p:nvPr>
-            <p:ph type="body" idx="10" sz="quarter"/>
+            <p:ph type="body" idx="15" sz="quarter"/>
           </p:nvPr>
         </p:nvSpPr>
         <p:spPr/>
@@ -4550,1053 +5710,44 @@
           <a:bodyPr/>
           <a:lstStyle/>
           <a:p>
-            <a:r>
-              <a:t>Energy Efficiency</a:t>
-            </a:r>
-          </a:p>
-        </p:txBody>
-      </p:sp>
-      <p:sp>
-        <p:nvSpPr>
-          <p:cNvPr id="3" name="Picture Placeholder 2"/>
-          <p:cNvSpPr>
-            <a:spLocks noGrp="1"/>
-          </p:cNvSpPr>
-          <p:nvPr>
-            <p:ph type="pic" idx="13" sz="quarter"/>
-          </p:nvPr>
-        </p:nvSpPr>
-        <p:spPr/>
-      </p:sp>
-      <p:sp>
-        <p:nvSpPr>
-          <p:cNvPr id="4" name="Text Placeholder 3"/>
-          <p:cNvSpPr>
-            <a:spLocks noGrp="1"/>
-          </p:cNvSpPr>
-          <p:nvPr>
-            <p:ph type="body" idx="14" sz="quarter"/>
-          </p:nvPr>
-        </p:nvSpPr>
-        <p:spPr/>
-        <p:txBody>
-          <a:bodyPr/>
-          <a:lstStyle/>
-          <a:p>
-            <a:pPr/>
-            <a:r>
-              <a:rPr b="1"/>
-              <a:t>Power Usage Effectiveness</a:t>
-            </a:r>
-            <a:r>
-              <a:t>: 1.15 PUE through advanced cooling systems</a:t>
-            </a:r>
-          </a:p>
-          <a:p>
-            <a:pPr/>
-            <a:r>
-              <a:rPr b="1"/>
-              <a:t>Dynamic Power Management</a:t>
-            </a:r>
-            <a:r>
-              <a:t>: Intelligent power scaling based on workload</a:t>
-            </a:r>
-          </a:p>
-          <a:p>
-            <a:pPr/>
-            <a:r>
-              <a:rPr b="1"/>
-              <a:t>Renewable Energy</a:t>
-            </a:r>
-            <a:r>
-              <a:t>: 85% renewable energy sourcing for cluster operations</a:t>
-            </a:r>
-          </a:p>
-          <a:p>
-            <a:pPr/>
-            <a:r>
-              <a:rPr b="1"/>
-              <a:t>Carbon Footprint</a:t>
-            </a:r>
-            <a:r>
-              <a:t>: 68% reduction in carbon footprint compared to CPU clusters</a:t>
-            </a:r>
-          </a:p>
-          <a:p>
-            <a:pPr/>
-            <a:r>
-              <a:rPr b="1"/>
-              <a:t>Cooling Optimization</a:t>
-            </a:r>
-            <a:r>
-              <a:t>: Liquid cooling for improved energy efficiency</a:t>
-            </a:r>
-          </a:p>
-        </p:txBody>
-      </p:sp>
-    </p:spTree>
-  </p:cSld>
-  <p:clrMapOvr>
-    <a:masterClrMapping/>
-  </p:clrMapOvr>
-</p:sld>
-</file>
-
-<file path=ppt/slides/slide21.xml><?xml version="1.0" encoding="utf-8"?>
-<p:sld xmlns:a="http://schemas.openxmlformats.org/drawingml/2006/main" xmlns:p="http://schemas.openxmlformats.org/presentationml/2006/main" xmlns:r="http://schemas.openxmlformats.org/officeDocument/2006/relationships">
-  <p:cSld>
-    <p:spTree>
-      <p:nvGrpSpPr>
-        <p:cNvPr id="1" name=""/>
-        <p:cNvGrpSpPr/>
-        <p:nvPr/>
-      </p:nvGrpSpPr>
-      <p:grpSpPr/>
-      <p:sp>
-        <p:nvSpPr>
-          <p:cNvPr id="2" name="Text Placeholder 1"/>
-          <p:cNvSpPr>
-            <a:spLocks noGrp="1"/>
-          </p:cNvSpPr>
-          <p:nvPr>
-            <p:ph type="body" idx="10" sz="quarter"/>
-          </p:nvPr>
-        </p:nvSpPr>
-        <p:spPr/>
-        <p:txBody>
-          <a:bodyPr/>
-          <a:lstStyle/>
-          <a:p>
-            <a:r>
-              <a:t>Resource Optimization</a:t>
-            </a:r>
-          </a:p>
-        </p:txBody>
-      </p:sp>
-      <p:sp>
-        <p:nvSpPr>
-          <p:cNvPr id="3" name="Picture Placeholder 2"/>
-          <p:cNvSpPr>
-            <a:spLocks noGrp="1"/>
-          </p:cNvSpPr>
-          <p:nvPr>
-            <p:ph type="pic" idx="13" sz="quarter"/>
-          </p:nvPr>
-        </p:nvSpPr>
-        <p:spPr/>
-      </p:sp>
-      <p:sp>
-        <p:nvSpPr>
-          <p:cNvPr id="4" name="Text Placeholder 3"/>
-          <p:cNvSpPr>
-            <a:spLocks noGrp="1"/>
-          </p:cNvSpPr>
-          <p:nvPr>
-            <p:ph type="body" idx="14" sz="quarter"/>
-          </p:nvPr>
-        </p:nvSpPr>
-        <p:spPr/>
-        <p:txBody>
-          <a:bodyPr/>
-          <a:lstStyle/>
-          <a:p>
-            <a:pPr/>
-            <a:r>
-              <a:rPr b="1"/>
-              <a:t>Multi-Tenancy</a:t>
-            </a:r>
-            <a:r>
-              <a:t>: Efficient multi-user resource sharing and isolation</a:t>
-            </a:r>
-          </a:p>
-          <a:p>
-            <a:pPr/>
-            <a:r>
-              <a:rPr b="1"/>
-              <a:t>Container Orchestration</a:t>
-            </a:r>
-            <a:r>
-              <a:t>: Kubernetes-based container management</a:t>
-            </a:r>
-          </a:p>
-          <a:p>
-            <a:pPr/>
-            <a:r>
-              <a:rPr b="1"/>
-              <a:t>Auto-Scaling</a:t>
-            </a:r>
-            <a:r>
-              <a:t>: Automatic scaling based on workload demands</a:t>
-            </a:r>
-          </a:p>
-          <a:p>
-            <a:pPr/>
-            <a:r>
-              <a:rPr b="1"/>
-              <a:t>Resource Quotas</a:t>
-            </a:r>
-            <a:r>
-              <a:t>: Fair resource allocation with usage quotas</a:t>
-            </a:r>
-          </a:p>
-          <a:p>
-            <a:pPr/>
-            <a:r>
-              <a:rPr b="1"/>
-              <a:t>Cost Allocation</a:t>
-            </a:r>
-            <a:r>
-              <a:t>: Detailed cost allocation and chargeback to research groups</a:t>
-            </a:r>
-          </a:p>
-        </p:txBody>
-      </p:sp>
-    </p:spTree>
-  </p:cSld>
-  <p:clrMapOvr>
-    <a:masterClrMapping/>
-  </p:clrMapOvr>
-</p:sld>
-</file>
-
-<file path=ppt/slides/slide22.xml><?xml version="1.0" encoding="utf-8"?>
-<p:sld xmlns:a="http://schemas.openxmlformats.org/drawingml/2006/main" xmlns:p="http://schemas.openxmlformats.org/presentationml/2006/main" xmlns:r="http://schemas.openxmlformats.org/officeDocument/2006/relationships">
-  <p:cSld>
-    <p:spTree>
-      <p:nvGrpSpPr>
-        <p:cNvPr id="1" name=""/>
-        <p:cNvGrpSpPr/>
-        <p:nvPr/>
-      </p:nvGrpSpPr>
-      <p:grpSpPr/>
-      <p:sp>
-        <p:nvSpPr>
-          <p:cNvPr id="2" name="Text Placeholder 1"/>
-          <p:cNvSpPr>
-            <a:spLocks noGrp="1"/>
-          </p:cNvSpPr>
-          <p:nvPr>
-            <p:ph type="body" idx="10" sz="quarter"/>
-          </p:nvPr>
-        </p:nvSpPr>
-        <p:spPr/>
-        <p:txBody>
-          <a:bodyPr/>
-          <a:lstStyle/>
-          <a:p>
-            <a:r>
-              <a:t>Technology Evolution</a:t>
-            </a:r>
-          </a:p>
-        </p:txBody>
-      </p:sp>
-      <p:sp>
-        <p:nvSpPr>
-          <p:cNvPr id="3" name="Picture Placeholder 2"/>
-          <p:cNvSpPr>
-            <a:spLocks noGrp="1"/>
-          </p:cNvSpPr>
-          <p:nvPr>
-            <p:ph type="pic" idx="13" sz="quarter"/>
-          </p:nvPr>
-        </p:nvSpPr>
-        <p:spPr/>
-      </p:sp>
-      <p:sp>
-        <p:nvSpPr>
-          <p:cNvPr id="4" name="Text Placeholder 3"/>
-          <p:cNvSpPr>
-            <a:spLocks noGrp="1"/>
-          </p:cNvSpPr>
-          <p:nvPr>
-            <p:ph type="body" idx="14" sz="quarter"/>
-          </p:nvPr>
-        </p:nvSpPr>
-        <p:spPr/>
-        <p:txBody>
-          <a:bodyPr/>
-          <a:lstStyle/>
-          <a:p>
-            <a:pPr/>
-            <a:r>
-              <a:rPr b="1"/>
-              <a:t>Q1 2025</a:t>
-            </a:r>
-            <a:r>
-              <a:t>: Integration with NVIDIA Grace Hopper Superchips</a:t>
-            </a:r>
-          </a:p>
-          <a:p>
-            <a:pPr/>
-            <a:r>
-              <a:rPr b="1"/>
-              <a:t>Q2 2025</a:t>
-            </a:r>
-            <a:r>
-              <a:t>: Quantum computing simulation acceleration</a:t>
-            </a:r>
-          </a:p>
-          <a:p>
-            <a:pPr/>
-            <a:r>
-              <a:rPr b="1"/>
-              <a:t>Q3 2025</a:t>
-            </a:r>
-            <a:r>
-              <a:t>: Advanced AI model serving with Triton Inference Server</a:t>
-            </a:r>
-          </a:p>
-          <a:p>
-            <a:pPr/>
-            <a:r>
-              <a:rPr b="1"/>
-              <a:t>Q4 2025</a:t>
-            </a:r>
-            <a:r>
-              <a:t>: Edge computing integration with NVIDIA Jetson</a:t>
-            </a:r>
-          </a:p>
-        </p:txBody>
-      </p:sp>
-    </p:spTree>
-  </p:cSld>
-  <p:clrMapOvr>
-    <a:masterClrMapping/>
-  </p:clrMapOvr>
-</p:sld>
-</file>
-
-<file path=ppt/slides/slide23.xml><?xml version="1.0" encoding="utf-8"?>
-<p:sld xmlns:a="http://schemas.openxmlformats.org/drawingml/2006/main" xmlns:p="http://schemas.openxmlformats.org/presentationml/2006/main" xmlns:r="http://schemas.openxmlformats.org/officeDocument/2006/relationships">
-  <p:cSld>
-    <p:spTree>
-      <p:nvGrpSpPr>
-        <p:cNvPr id="1" name=""/>
-        <p:cNvGrpSpPr/>
-        <p:nvPr/>
-      </p:nvGrpSpPr>
-      <p:grpSpPr/>
-      <p:sp>
-        <p:nvSpPr>
-          <p:cNvPr id="2" name="Text Placeholder 1"/>
-          <p:cNvSpPr>
-            <a:spLocks noGrp="1"/>
-          </p:cNvSpPr>
-          <p:nvPr>
-            <p:ph type="body" idx="10" sz="quarter"/>
-          </p:nvPr>
-        </p:nvSpPr>
-        <p:spPr/>
-        <p:txBody>
-          <a:bodyPr/>
-          <a:lstStyle/>
-          <a:p>
-            <a:r>
-              <a:t>Research Capabilities</a:t>
-            </a:r>
-          </a:p>
-        </p:txBody>
-      </p:sp>
-      <p:sp>
-        <p:nvSpPr>
-          <p:cNvPr id="3" name="Picture Placeholder 2"/>
-          <p:cNvSpPr>
-            <a:spLocks noGrp="1"/>
-          </p:cNvSpPr>
-          <p:nvPr>
-            <p:ph type="pic" idx="13" sz="quarter"/>
-          </p:nvPr>
-        </p:nvSpPr>
-        <p:spPr/>
-      </p:sp>
-      <p:sp>
-        <p:nvSpPr>
-          <p:cNvPr id="4" name="Text Placeholder 3"/>
-          <p:cNvSpPr>
-            <a:spLocks noGrp="1"/>
-          </p:cNvSpPr>
-          <p:nvPr>
-            <p:ph type="body" idx="14" sz="quarter"/>
-          </p:nvPr>
-        </p:nvSpPr>
-        <p:spPr/>
-        <p:txBody>
-          <a:bodyPr/>
-          <a:lstStyle/>
-          <a:p>
-            <a:pPr/>
-            <a:r>
-              <a:rPr b="1"/>
-              <a:t>Large Language Models</a:t>
-            </a:r>
-            <a:r>
-              <a:t>: Support for 100B+ parameter model training</a:t>
-            </a:r>
-          </a:p>
-          <a:p>
-            <a:pPr/>
-            <a:r>
-              <a:rPr b="1"/>
-              <a:t>Generative AI</a:t>
-            </a:r>
-            <a:r>
-              <a:t>: Advanced generative model development platform</a:t>
-            </a:r>
-          </a:p>
-          <a:p>
-            <a:pPr/>
-            <a:r>
-              <a:rPr b="1"/>
-              <a:t>Digital Twins</a:t>
-            </a:r>
-            <a:r>
-              <a:t>: High-fidelity digital twin development and simulation</a:t>
-            </a:r>
-          </a:p>
-          <a:p>
-            <a:pPr/>
-            <a:r>
-              <a:rPr b="1"/>
-              <a:t>Metaverse Research</a:t>
-            </a:r>
-            <a:r>
-              <a:t>: Virtual world and immersive experience research</a:t>
-            </a:r>
-          </a:p>
-        </p:txBody>
-      </p:sp>
-    </p:spTree>
-  </p:cSld>
-  <p:clrMapOvr>
-    <a:masterClrMapping/>
-  </p:clrMapOvr>
-</p:sld>
-</file>
-
-<file path=ppt/slides/slide24.xml><?xml version="1.0" encoding="utf-8"?>
-<p:sld xmlns:a="http://schemas.openxmlformats.org/drawingml/2006/main" xmlns:p="http://schemas.openxmlformats.org/presentationml/2006/main" xmlns:r="http://schemas.openxmlformats.org/officeDocument/2006/relationships">
-  <p:cSld>
-    <p:spTree>
-      <p:nvGrpSpPr>
-        <p:cNvPr id="1" name=""/>
-        <p:cNvGrpSpPr/>
-        <p:nvPr/>
-      </p:nvGrpSpPr>
-      <p:grpSpPr/>
-      <p:sp>
-        <p:nvSpPr>
-          <p:cNvPr id="2" name="Text Placeholder 1"/>
-          <p:cNvSpPr>
-            <a:spLocks noGrp="1"/>
-          </p:cNvSpPr>
-          <p:nvPr>
-            <p:ph type="body" idx="10" sz="quarter"/>
-          </p:nvPr>
-        </p:nvSpPr>
-        <p:spPr/>
-        <p:txBody>
-          <a:bodyPr/>
-          <a:lstStyle/>
-          <a:p>
-            <a:r>
-              <a:t>Platform Expansion</a:t>
-            </a:r>
-          </a:p>
-        </p:txBody>
-      </p:sp>
-      <p:sp>
-        <p:nvSpPr>
-          <p:cNvPr id="3" name="Picture Placeholder 2"/>
-          <p:cNvSpPr>
-            <a:spLocks noGrp="1"/>
-          </p:cNvSpPr>
-          <p:nvPr>
-            <p:ph type="pic" idx="13" sz="quarter"/>
-          </p:nvPr>
-        </p:nvSpPr>
-        <p:spPr/>
-      </p:sp>
-      <p:sp>
-        <p:nvSpPr>
-          <p:cNvPr id="4" name="Text Placeholder 3"/>
-          <p:cNvSpPr>
-            <a:spLocks noGrp="1"/>
-          </p:cNvSpPr>
-          <p:nvPr>
-            <p:ph type="body" idx="14" sz="quarter"/>
-          </p:nvPr>
-        </p:nvSpPr>
-        <p:spPr/>
-        <p:txBody>
-          <a:bodyPr/>
-          <a:lstStyle/>
-          <a:p>
-            <a:pPr/>
-            <a:r>
-              <a:rPr b="1"/>
-              <a:t>Multi-Site Federation</a:t>
-            </a:r>
-            <a:r>
-              <a:t>: Federation with other research institutions</a:t>
-            </a:r>
-          </a:p>
-          <a:p>
-            <a:pPr/>
-            <a:r>
-              <a:rPr b="1"/>
-              <a:t>Cloud Integration</a:t>
-            </a:r>
-            <a:r>
-              <a:t>: Hybrid cloud bursting for peak workloads</a:t>
-            </a:r>
-          </a:p>
-          <a:p>
-            <a:pPr/>
-            <a:r>
-              <a:rPr b="1"/>
-              <a:t>Data Center Modernization</a:t>
-            </a:r>
-            <a:r>
-              <a:t>: Next-generation data center technologies</a:t>
-            </a:r>
-          </a:p>
-          <a:p>
-            <a:pPr/>
-            <a:r>
-              <a:rPr b="1"/>
-              <a:t>Collaboration Tools</a:t>
-            </a:r>
-            <a:r>
-              <a:t>: Enhanced collaboration and sharing platforms</a:t>
-            </a:r>
-          </a:p>
-        </p:txBody>
-      </p:sp>
-    </p:spTree>
-  </p:cSld>
-  <p:clrMapOvr>
-    <a:masterClrMapping/>
-  </p:clrMapOvr>
-</p:sld>
-</file>
-
-<file path=ppt/slides/slide25.xml><?xml version="1.0" encoding="utf-8"?>
-<p:sld xmlns:a="http://schemas.openxmlformats.org/drawingml/2006/main" xmlns:p="http://schemas.openxmlformats.org/presentationml/2006/main" xmlns:r="http://schemas.openxmlformats.org/officeDocument/2006/relationships">
-  <p:cSld>
-    <p:spTree>
-      <p:nvGrpSpPr>
-        <p:cNvPr id="1" name=""/>
-        <p:cNvGrpSpPr/>
-        <p:nvPr/>
-      </p:nvGrpSpPr>
-      <p:grpSpPr/>
-      <p:sp>
-        <p:nvSpPr>
-          <p:cNvPr id="2" name="Text Placeholder 1"/>
-          <p:cNvSpPr>
-            <a:spLocks noGrp="1"/>
-          </p:cNvSpPr>
-          <p:nvPr>
-            <p:ph type="body" idx="10" sz="quarter"/>
-          </p:nvPr>
-        </p:nvSpPr>
-        <p:spPr/>
-        <p:txBody>
-          <a:bodyPr/>
-          <a:lstStyle/>
-          <a:p>
-            <a:r>
-              <a:t>Research Achievements</a:t>
-            </a:r>
-          </a:p>
-        </p:txBody>
-      </p:sp>
-      <p:sp>
-        <p:nvSpPr>
-          <p:cNvPr id="3" name="Picture Placeholder 2"/>
-          <p:cNvSpPr>
-            <a:spLocks noGrp="1"/>
-          </p:cNvSpPr>
-          <p:nvPr>
-            <p:ph type="pic" idx="13" sz="quarter"/>
-          </p:nvPr>
-        </p:nvSpPr>
-        <p:spPr/>
-      </p:sp>
-      <p:sp>
-        <p:nvSpPr>
-          <p:cNvPr id="4" name="Text Placeholder 3"/>
-          <p:cNvSpPr>
-            <a:spLocks noGrp="1"/>
-          </p:cNvSpPr>
-          <p:nvPr>
-            <p:ph type="body" idx="14" sz="quarter"/>
-          </p:nvPr>
-        </p:nvSpPr>
-        <p:spPr/>
-        <p:txBody>
-          <a:bodyPr/>
-          <a:lstStyle/>
-          <a:p>
-            <a:pPr/>
-            <a:r>
-              <a:rPr b="1"/>
-              <a:t>Breakthrough Publications</a:t>
-            </a:r>
-            <a:r>
-              <a:t>: Enabled breakthrough research in multiple domains</a:t>
-            </a:r>
-          </a:p>
-          <a:p>
-            <a:pPr/>
-            <a:r>
-              <a:rPr b="1"/>
-              <a:t>Award Recognition</a:t>
-            </a:r>
-            <a:r>
-              <a:t>: Contributed to 8 major research awards and honors</a:t>
-            </a:r>
-          </a:p>
-          <a:p>
-            <a:pPr/>
-            <a:r>
-              <a:rPr b="1"/>
-              <a:t>Industry Partnerships</a:t>
-            </a:r>
-            <a:r>
-              <a:t>: Facilitated 15+ industry research partnerships</a:t>
-            </a:r>
-          </a:p>
-          <a:p>
-            <a:pPr/>
-            <a:r>
-              <a:rPr b="1"/>
-              <a:t>Student Training</a:t>
-            </a:r>
-            <a:r>
-              <a:t>: Trained 150+ graduate students in GPU computing</a:t>
-            </a:r>
-          </a:p>
-        </p:txBody>
-      </p:sp>
-    </p:spTree>
-  </p:cSld>
-  <p:clrMapOvr>
-    <a:masterClrMapping/>
-  </p:clrMapOvr>
-</p:sld>
-</file>
-
-<file path=ppt/slides/slide26.xml><?xml version="1.0" encoding="utf-8"?>
-<p:sld xmlns:a="http://schemas.openxmlformats.org/drawingml/2006/main" xmlns:p="http://schemas.openxmlformats.org/presentationml/2006/main" xmlns:r="http://schemas.openxmlformats.org/officeDocument/2006/relationships">
-  <p:cSld>
-    <p:spTree>
-      <p:nvGrpSpPr>
-        <p:cNvPr id="1" name=""/>
-        <p:cNvGrpSpPr/>
-        <p:nvPr/>
-      </p:nvGrpSpPr>
-      <p:grpSpPr/>
-      <p:sp>
-        <p:nvSpPr>
-          <p:cNvPr id="2" name="Text Placeholder 1"/>
-          <p:cNvSpPr>
-            <a:spLocks noGrp="1"/>
-          </p:cNvSpPr>
-          <p:nvPr>
-            <p:ph type="body" idx="10" sz="quarter"/>
-          </p:nvPr>
-        </p:nvSpPr>
-        <p:spPr/>
-        <p:txBody>
-          <a:bodyPr/>
-          <a:lstStyle/>
-          <a:p>
-            <a:r>
-              <a:t>Technology Leadership</a:t>
-            </a:r>
-          </a:p>
-        </p:txBody>
-      </p:sp>
-      <p:sp>
-        <p:nvSpPr>
-          <p:cNvPr id="3" name="Picture Placeholder 2"/>
-          <p:cNvSpPr>
-            <a:spLocks noGrp="1"/>
-          </p:cNvSpPr>
-          <p:nvPr>
-            <p:ph type="pic" idx="13" sz="quarter"/>
-          </p:nvPr>
-        </p:nvSpPr>
-        <p:spPr/>
-      </p:sp>
-      <p:sp>
-        <p:nvSpPr>
-          <p:cNvPr id="4" name="Text Placeholder 3"/>
-          <p:cNvSpPr>
-            <a:spLocks noGrp="1"/>
-          </p:cNvSpPr>
-          <p:nvPr>
-            <p:ph type="body" idx="14" sz="quarter"/>
-          </p:nvPr>
-        </p:nvSpPr>
-        <p:spPr/>
-        <p:txBody>
-          <a:bodyPr/>
-          <a:lstStyle/>
-          <a:p>
-            <a:pPr/>
-            <a:r>
-              <a:rPr b="1"/>
-              <a:t>Innovation Hub</a:t>
-            </a:r>
-            <a:r>
-              <a:t>: Established as regional center of excellence for GPU computing</a:t>
-            </a:r>
-          </a:p>
-          <a:p>
-            <a:pPr/>
-            <a:r>
-              <a:rPr b="1"/>
-              <a:t>Best Practices</a:t>
-            </a:r>
-            <a:r>
-              <a:t>: Developed best practices adopted by other institutions</a:t>
-            </a:r>
-          </a:p>
-          <a:p>
-            <a:pPr/>
-            <a:r>
-              <a:rPr b="1"/>
-              <a:t>Open Source</a:t>
-            </a:r>
-            <a:r>
-              <a:t>: Contributed to 12 open-source GPU computing projects</a:t>
-            </a:r>
-          </a:p>
-          <a:p>
-            <a:pPr/>
-            <a:r>
-              <a:rPr b="1"/>
-              <a:t>Knowledge Sharing</a:t>
-            </a:r>
-            <a:r>
-              <a:t>: Hosted 25+ workshops and training sessions</a:t>
-            </a:r>
-          </a:p>
-        </p:txBody>
-      </p:sp>
-    </p:spTree>
-  </p:cSld>
-  <p:clrMapOvr>
-    <a:masterClrMapping/>
-  </p:clrMapOvr>
-</p:sld>
-</file>
-
-<file path=ppt/slides/slide27.xml><?xml version="1.0" encoding="utf-8"?>
-<p:sld xmlns:a="http://schemas.openxmlformats.org/drawingml/2006/main" xmlns:p="http://schemas.openxmlformats.org/presentationml/2006/main" xmlns:r="http://schemas.openxmlformats.org/officeDocument/2006/relationships">
-  <p:cSld>
-    <p:spTree>
-      <p:nvGrpSpPr>
-        <p:cNvPr id="1" name=""/>
-        <p:cNvGrpSpPr/>
-        <p:nvPr/>
-      </p:nvGrpSpPr>
-      <p:grpSpPr/>
-      <p:sp>
-        <p:nvSpPr>
-          <p:cNvPr id="2" name="Text Placeholder 1"/>
-          <p:cNvSpPr>
-            <a:spLocks noGrp="1"/>
-          </p:cNvSpPr>
-          <p:nvPr>
-            <p:ph type="body" idx="10" sz="quarter"/>
-          </p:nvPr>
-        </p:nvSpPr>
-        <p:spPr/>
-        <p:txBody>
-          <a:bodyPr/>
-          <a:lstStyle/>
-          <a:p>
-            <a:r>
-              <a:t>Operational Risk Controls</a:t>
-            </a:r>
-          </a:p>
-        </p:txBody>
-      </p:sp>
-      <p:sp>
-        <p:nvSpPr>
-          <p:cNvPr id="3" name="Picture Placeholder 2"/>
-          <p:cNvSpPr>
-            <a:spLocks noGrp="1"/>
-          </p:cNvSpPr>
-          <p:nvPr>
-            <p:ph type="pic" idx="13" sz="quarter"/>
-          </p:nvPr>
-        </p:nvSpPr>
-        <p:spPr/>
-      </p:sp>
-      <p:sp>
-        <p:nvSpPr>
-          <p:cNvPr id="4" name="Text Placeholder 3"/>
-          <p:cNvSpPr>
-            <a:spLocks noGrp="1"/>
-          </p:cNvSpPr>
-          <p:nvPr>
-            <p:ph type="body" idx="14" sz="quarter"/>
-          </p:nvPr>
-        </p:nvSpPr>
-        <p:spPr/>
-        <p:txBody>
-          <a:bodyPr/>
-          <a:lstStyle/>
-          <a:p>
-            <a:pPr/>
-            <a:r>
-              <a:rPr b="1"/>
-              <a:t>Hardware Redundancy</a:t>
-            </a:r>
-            <a:r>
-              <a:t>: N+1 redundancy for critical infrastructure components</a:t>
-            </a:r>
-          </a:p>
-          <a:p>
-            <a:pPr/>
-            <a:r>
-              <a:rPr b="1"/>
-              <a:t>Backup Systems</a:t>
-            </a:r>
-            <a:r>
-              <a:t>: Comprehensive backup and disaster recovery procedures</a:t>
-            </a:r>
-          </a:p>
-          <a:p>
-            <a:pPr/>
-            <a:r>
-              <a:rPr b="1"/>
-              <a:t>Vendor Support</a:t>
-            </a:r>
-            <a:r>
-              <a:t>: 24/7 NVIDIA support with guaranteed response times</a:t>
-            </a:r>
-          </a:p>
-          <a:p>
-            <a:pPr/>
-            <a:r>
-              <a:rPr b="1"/>
-              <a:t>Skills Management</a:t>
-            </a:r>
-            <a:r>
-              <a:t>: Cross-training and knowledge transfer programs</a:t>
-            </a:r>
-          </a:p>
-        </p:txBody>
-      </p:sp>
-    </p:spTree>
-  </p:cSld>
-  <p:clrMapOvr>
-    <a:masterClrMapping/>
-  </p:clrMapOvr>
-</p:sld>
-</file>
-
-<file path=ppt/slides/slide28.xml><?xml version="1.0" encoding="utf-8"?>
-<p:sld xmlns:a="http://schemas.openxmlformats.org/drawingml/2006/main" xmlns:p="http://schemas.openxmlformats.org/presentationml/2006/main" xmlns:r="http://schemas.openxmlformats.org/officeDocument/2006/relationships">
-  <p:cSld>
-    <p:spTree>
-      <p:nvGrpSpPr>
-        <p:cNvPr id="1" name=""/>
-        <p:cNvGrpSpPr/>
-        <p:nvPr/>
-      </p:nvGrpSpPr>
-      <p:grpSpPr/>
-      <p:sp>
-        <p:nvSpPr>
-          <p:cNvPr id="2" name="Text Placeholder 1"/>
-          <p:cNvSpPr>
-            <a:spLocks noGrp="1"/>
-          </p:cNvSpPr>
-          <p:nvPr>
-            <p:ph type="body" idx="10" sz="quarter"/>
-          </p:nvPr>
-        </p:nvSpPr>
-        <p:spPr/>
-        <p:txBody>
-          <a:bodyPr/>
-          <a:lstStyle/>
-          <a:p>
-            <a:r>
-              <a:t>Technology Risk Management</a:t>
-            </a:r>
-          </a:p>
-        </p:txBody>
-      </p:sp>
-      <p:sp>
-        <p:nvSpPr>
-          <p:cNvPr id="3" name="Picture Placeholder 2"/>
-          <p:cNvSpPr>
-            <a:spLocks noGrp="1"/>
-          </p:cNvSpPr>
-          <p:nvPr>
-            <p:ph type="pic" idx="13" sz="quarter"/>
-          </p:nvPr>
-        </p:nvSpPr>
-        <p:spPr/>
-      </p:sp>
-      <p:sp>
-        <p:nvSpPr>
-          <p:cNvPr id="4" name="Text Placeholder 3"/>
-          <p:cNvSpPr>
-            <a:spLocks noGrp="1"/>
-          </p:cNvSpPr>
-          <p:nvPr>
-            <p:ph type="body" idx="14" sz="quarter"/>
-          </p:nvPr>
-        </p:nvSpPr>
-        <p:spPr/>
-        <p:txBody>
-          <a:bodyPr/>
-          <a:lstStyle/>
-          <a:p>
-            <a:pPr/>
-            <a:r>
-              <a:rPr b="1"/>
-              <a:t>Technology Refresh</a:t>
-            </a:r>
-            <a:r>
-              <a:t>: Regular hardware refresh cycles maintaining performance leadership</a:t>
-            </a:r>
-          </a:p>
-          <a:p>
-            <a:pPr/>
-            <a:r>
-              <a:rPr b="1"/>
-              <a:t>Vendor Diversification</a:t>
-            </a:r>
-            <a:r>
-              <a:t>: Strategic partnerships reducing single vendor dependency</a:t>
-            </a:r>
-          </a:p>
-          <a:p>
-            <a:pPr/>
-            <a:r>
-              <a:rPr b="1"/>
-              <a:t>Security Monitoring</a:t>
-            </a:r>
-            <a:r>
-              <a:t>: Continuous security monitoring and threat detection</a:t>
-            </a:r>
-          </a:p>
-          <a:p>
-            <a:pPr/>
-            <a:r>
-              <a:rPr b="1"/>
-              <a:t>Compliance Management</a:t>
-            </a:r>
-            <a:r>
-              <a:t>: Ongoing compliance monitoring and audit preparation</a:t>
-            </a:r>
-          </a:p>
-        </p:txBody>
-      </p:sp>
-    </p:spTree>
-  </p:cSld>
-  <p:clrMapOvr>
-    <a:masterClrMapping/>
-  </p:clrMapOvr>
-</p:sld>
-</file>
-
-<file path=ppt/slides/slide29.xml><?xml version="1.0" encoding="utf-8"?>
-<p:sld xmlns:a="http://schemas.openxmlformats.org/drawingml/2006/main" xmlns:p="http://schemas.openxmlformats.org/presentationml/2006/main" xmlns:r="http://schemas.openxmlformats.org/officeDocument/2006/relationships">
-  <p:cSld>
-    <p:spTree>
-      <p:nvGrpSpPr>
-        <p:cNvPr id="1" name=""/>
-        <p:cNvGrpSpPr/>
-        <p:nvPr/>
-      </p:nvGrpSpPr>
-      <p:grpSpPr/>
-      <p:sp>
-        <p:nvSpPr>
-          <p:cNvPr id="2" name="Text Placeholder 1"/>
-          <p:cNvSpPr>
-            <a:spLocks noGrp="1"/>
-          </p:cNvSpPr>
-          <p:nvPr>
-            <p:ph type="body" idx="10" sz="quarter"/>
-          </p:nvPr>
-        </p:nvSpPr>
-        <p:spPr/>
-        <p:txBody>
-          <a:bodyPr/>
-          <a:lstStyle/>
-          <a:p>
-            <a:r>
-              <a:t>Executive Endorsements</a:t>
-            </a:r>
-          </a:p>
-        </p:txBody>
-      </p:sp>
-      <p:sp>
-        <p:nvSpPr>
-          <p:cNvPr id="3" name="Picture Placeholder 2"/>
-          <p:cNvSpPr>
-            <a:spLocks noGrp="1"/>
-          </p:cNvSpPr>
-          <p:nvPr>
-            <p:ph type="pic" idx="13" sz="quarter"/>
-          </p:nvPr>
-        </p:nvSpPr>
-        <p:spPr/>
-      </p:sp>
-      <p:sp>
-        <p:nvSpPr>
-          <p:cNvPr id="4" name="Text Placeholder 3"/>
-          <p:cNvSpPr>
-            <a:spLocks noGrp="1"/>
-          </p:cNvSpPr>
-          <p:nvPr>
-            <p:ph type="body" idx="14" sz="quarter"/>
-          </p:nvPr>
-        </p:nvSpPr>
-        <p:spPr/>
-        <p:txBody>
-          <a:bodyPr/>
-          <a:lstStyle/>
-          <a:p>
-            <a:pPr/>
-            <a:r>
-              <a:rPr b="1"/>
-              <a:t>President</a:t>
-            </a:r>
-            <a:r>
-              <a:t>: "This GPU cluster has transformed our research capabilities and competitiveness"</a:t>
-            </a:r>
-          </a:p>
-          <a:p>
-            <a:pPr/>
-            <a:r>
-              <a:rPr b="1"/>
-              <a:t>Research VP</a:t>
-            </a:r>
-            <a:r>
-              <a:t>: "Outstanding implementation enabling world-class research achievements"</a:t>
-            </a:r>
-          </a:p>
-          <a:p>
-            <a:pPr/>
-            <a:r>
-              <a:rPr b="1"/>
-              <a:t>CTO</a:t>
-            </a:r>
-            <a:r>
-              <a:t>: "Exceptional technical execution delivering unprecedented computational performance"</a:t>
-            </a:r>
-          </a:p>
-        </p:txBody>
-      </p:sp>
+            <a:pPr algn="r">
+              <a:buNone/>
+            </a:pPr>
+            <a:r>
+              <a:rPr sz="1100">
+                <a:solidFill>
+                  <a:srgbClr val="CC0000"/>
+                </a:solidFill>
+              </a:rPr>
+              <a:t>NVIDIA GPU Compute Cluster with Kubernetes</a:t>
+            </a:r>
+          </a:p>
+        </p:txBody>
+      </p:sp>
+      <p:pic>
+        <p:nvPicPr>
+          <p:cNvPr id="6" name="Picture 5" descr="consulting_company_logo.png"/>
+          <p:cNvPicPr>
+            <a:picLocks noChangeAspect="1"/>
+          </p:cNvPicPr>
+          <p:nvPr/>
+        </p:nvPicPr>
+        <p:blipFill>
+          <a:blip r:embed="rId3"/>
+          <a:stretch>
+            <a:fillRect/>
+          </a:stretch>
+        </p:blipFill>
+        <p:spPr>
+          <a:xfrm>
+            <a:off x="313593" y="4536078"/>
+            <a:ext cx="2143858" cy="529698"/>
+          </a:xfrm>
+          <a:prstGeom prst="rect">
+            <a:avLst/>
+          </a:prstGeom>
+        </p:spPr>
+      </p:pic>
     </p:spTree>
   </p:cSld>
   <p:clrMapOvr>
@@ -5617,7 +5768,7 @@
       <p:grpSpPr/>
       <p:sp>
         <p:nvSpPr>
-          <p:cNvPr id="2" name="Text Placeholder 1"/>
+          <p:cNvPr id="3" name="Text Placeholder 2"/>
           <p:cNvSpPr>
             <a:spLocks noGrp="1"/>
           </p:cNvSpPr>
@@ -5630,32 +5781,21 @@
           <a:bodyPr/>
           <a:lstStyle/>
           <a:p>
-            <a:r>
-              <a:t>Core NVIDIA Components</a:t>
-            </a:r>
-          </a:p>
-        </p:txBody>
-      </p:sp>
-      <p:sp>
-        <p:nvSpPr>
-          <p:cNvPr id="3" name="Picture Placeholder 2"/>
+            <a:pPr algn="l"/>
+            <a:r>
+              <a:t>Solution Architecture</a:t>
+            </a:r>
+          </a:p>
+        </p:txBody>
+      </p:sp>
+      <p:sp>
+        <p:nvSpPr>
+          <p:cNvPr id="5" name="Text Placeholder 4"/>
           <p:cNvSpPr>
             <a:spLocks noGrp="1"/>
           </p:cNvSpPr>
           <p:nvPr>
-            <p:ph type="pic" idx="13" sz="quarter"/>
-          </p:nvPr>
-        </p:nvSpPr>
-        <p:spPr/>
-      </p:sp>
-      <p:sp>
-        <p:nvSpPr>
-          <p:cNvPr id="4" name="Text Placeholder 3"/>
-          <p:cNvSpPr>
-            <a:spLocks noGrp="1"/>
-          </p:cNvSpPr>
-          <p:nvPr>
-            <p:ph type="body" idx="14" sz="quarter"/>
+            <p:ph type="body" idx="16" sz="quarter"/>
           </p:nvPr>
         </p:nvSpPr>
         <p:spPr/>
@@ -5666,110 +5806,87 @@
             <a:pPr/>
             <a:r>
               <a:rPr b="1"/>
-              <a:t>NVIDIA A100 GPUs</a:t>
-            </a:r>
-            <a:r>
-              <a:t>: 256 Tensor Core GPUs with 40GB HBM2 memory per GPU</a:t>
+              <a:t>GPU Compute</a:t>
+            </a:r>
+          </a:p>
+          <a:p>
+            <a:pPr lvl="1"/>
+            <a:r>
+              <a:t>8x Dell R750xa with 32 A100 40GB GPUs</a:t>
+            </a:r>
+          </a:p>
+          <a:p>
+            <a:pPr lvl="1"/>
+            <a:r>
+              <a:t>100 GbE RoCE networking fabric</a:t>
+            </a:r>
+          </a:p>
+          <a:p>
+            <a:pPr lvl="1"/>
+            <a:r>
+              <a:t>1.28 TB total GPU memory</a:t>
             </a:r>
           </a:p>
           <a:p>
             <a:pPr/>
             <a:r>
               <a:rPr b="1"/>
-              <a:t>NVIDIA DGX Systems</a:t>
-            </a:r>
-            <a:r>
-              <a:t>: Integrated AI computing systems with optimized architecture</a:t>
+              <a:t>Orchestration Platform</a:t>
+            </a:r>
+          </a:p>
+          <a:p>
+            <a:pPr lvl="1"/>
+            <a:r>
+              <a:t>Kubernetes with NVIDIA GPU Operator</a:t>
+            </a:r>
+          </a:p>
+          <a:p>
+            <a:pPr lvl="1"/>
+            <a:r>
+              <a:t>GPU time-slicing and MIG support</a:t>
+            </a:r>
+          </a:p>
+          <a:p>
+            <a:pPr lvl="1"/>
+            <a:r>
+              <a:t>Kubeflow for ML pipelines</a:t>
             </a:r>
           </a:p>
           <a:p>
             <a:pPr/>
             <a:r>
               <a:rPr b="1"/>
-              <a:t>NVIDIA NVLink</a:t>
-            </a:r>
-            <a:r>
-              <a:t>: High-bandwidth GPU-to-GPU interconnect technology</a:t>
-            </a:r>
-          </a:p>
-          <a:p>
-            <a:pPr/>
-            <a:r>
-              <a:rPr b="1"/>
-              <a:t>NVIDIA InfiniBand</a:t>
-            </a:r>
-            <a:r>
-              <a:t>: High-performance networking with 200Gb/s connectivity</a:t>
-            </a:r>
-          </a:p>
-          <a:p>
-            <a:pPr/>
-            <a:r>
-              <a:rPr b="1"/>
-              <a:t>NVIDIA CUDA</a:t>
-            </a:r>
-            <a:r>
-              <a:t>: Parallel computing platform and programming model</a:t>
-            </a:r>
-          </a:p>
-          <a:p>
-            <a:pPr/>
-            <a:r>
-              <a:rPr b="1"/>
-              <a:t>NVIDIA NGC</a:t>
-            </a:r>
-            <a:r>
-              <a:t>: Container registry with optimized AI frameworks</a:t>
-            </a:r>
-          </a:p>
-          <a:p>
-            <a:pPr/>
-            <a:r>
-              <a:rPr b="1"/>
-              <a:t>NVIDIA Omniverse</a:t>
-            </a:r>
-            <a:r>
-              <a:t>: Collaboration platform for 3D content creation</a:t>
-            </a:r>
-          </a:p>
-          <a:p>
-            <a:pPr/>
-            <a:r>
-              <a:rPr b="1"/>
-              <a:t>NVIDIA Base Command</a:t>
-            </a:r>
-            <a:r>
-              <a:t>: AI infrastructure and workload management</a:t>
-            </a:r>
-          </a:p>
-        </p:txBody>
-      </p:sp>
-    </p:spTree>
-  </p:cSld>
-  <p:clrMapOvr>
-    <a:masterClrMapping/>
-  </p:clrMapOvr>
-</p:sld>
-</file>
-
-<file path=ppt/slides/slide30.xml><?xml version="1.0" encoding="utf-8"?>
-<p:sld xmlns:a="http://schemas.openxmlformats.org/drawingml/2006/main" xmlns:p="http://schemas.openxmlformats.org/presentationml/2006/main" xmlns:r="http://schemas.openxmlformats.org/officeDocument/2006/relationships">
-  <p:cSld>
-    <p:spTree>
-      <p:nvGrpSpPr>
-        <p:cNvPr id="1" name=""/>
-        <p:cNvGrpSpPr/>
-        <p:nvPr/>
-      </p:nvGrpSpPr>
-      <p:grpSpPr/>
-      <p:sp>
-        <p:nvSpPr>
-          <p:cNvPr id="2" name="Text Placeholder 1"/>
+              <a:t>MLOps Stack</a:t>
+            </a:r>
+          </a:p>
+          <a:p>
+            <a:pPr lvl="1"/>
+            <a:r>
+              <a:t>MLflow experiment tracking</a:t>
+            </a:r>
+          </a:p>
+          <a:p>
+            <a:pPr lvl="1"/>
+            <a:r>
+              <a:t>Triton Inference Server deployment</a:t>
+            </a:r>
+          </a:p>
+          <a:p>
+            <a:pPr lvl="1"/>
+            <a:r>
+              <a:t>JupyterHub for data scientists</a:t>
+            </a:r>
+          </a:p>
+        </p:txBody>
+      </p:sp>
+      <p:sp>
+        <p:nvSpPr>
+          <p:cNvPr id="6" name="Text Placeholder 5"/>
           <p:cNvSpPr>
             <a:spLocks noGrp="1"/>
           </p:cNvSpPr>
           <p:nvPr>
-            <p:ph type="body" idx="10" sz="quarter"/>
+            <p:ph type="body" idx="17" sz="quarter"/>
           </p:nvPr>
         </p:nvSpPr>
         <p:spPr/>
@@ -5777,284 +5894,74 @@
           <a:bodyPr/>
           <a:lstStyle/>
           <a:p>
-            <a:r>
-              <a:t>Industry Recognition</a:t>
-            </a:r>
-          </a:p>
-        </p:txBody>
-      </p:sp>
-      <p:sp>
-        <p:nvSpPr>
-          <p:cNvPr id="3" name="Picture Placeholder 2"/>
-          <p:cNvSpPr>
-            <a:spLocks noGrp="1"/>
-          </p:cNvSpPr>
-          <p:nvPr>
-            <p:ph type="pic" idx="13" sz="quarter"/>
-          </p:nvPr>
-        </p:nvSpPr>
-        <p:spPr/>
-      </p:sp>
-      <p:sp>
-        <p:nvSpPr>
-          <p:cNvPr id="4" name="Text Placeholder 3"/>
-          <p:cNvSpPr>
-            <a:spLocks noGrp="1"/>
-          </p:cNvSpPr>
-          <p:nvPr>
-            <p:ph type="body" idx="14" sz="quarter"/>
-          </p:nvPr>
-        </p:nvSpPr>
-        <p:spPr/>
-        <p:txBody>
-          <a:bodyPr/>
-          <a:lstStyle/>
-          <a:p>
-            <a:pPr/>
-            <a:r>
-              <a:rPr b="1"/>
-              <a:t>NVIDIA Partner Award</a:t>
-            </a:r>
-            <a:r>
-              <a:t>: Recognized as exemplary GPU cluster implementation</a:t>
-            </a:r>
-          </a:p>
-          <a:p>
-            <a:pPr/>
-            <a:r>
-              <a:rPr b="1"/>
-              <a:t>HPC Excellence</a:t>
-            </a:r>
-            <a:r>
-              <a:t>: Achieved top performance rankings in HPC benchmarks</a:t>
-            </a:r>
-          </a:p>
-          <a:p>
-            <a:pPr/>
-            <a:r>
-              <a:rPr b="1"/>
-              <a:t>Research Impact</a:t>
-            </a:r>
-            <a:r>
-              <a:t>: Recognized for significant research impact and innovation</a:t>
-            </a:r>
-          </a:p>
-        </p:txBody>
-      </p:sp>
-    </p:spTree>
-  </p:cSld>
-  <p:clrMapOvr>
-    <a:masterClrMapping/>
-  </p:clrMapOvr>
-</p:sld>
-</file>
-
-<file path=ppt/slides/slide31.xml><?xml version="1.0" encoding="utf-8"?>
-<p:sld xmlns:a="http://schemas.openxmlformats.org/drawingml/2006/main" xmlns:p="http://schemas.openxmlformats.org/presentationml/2006/main" xmlns:r="http://schemas.openxmlformats.org/officeDocument/2006/relationships">
-  <p:cSld>
-    <p:spTree>
-      <p:nvGrpSpPr>
-        <p:cNvPr id="1" name=""/>
-        <p:cNvGrpSpPr/>
-        <p:nvPr/>
-      </p:nvGrpSpPr>
-      <p:grpSpPr/>
-      <p:sp>
-        <p:nvSpPr>
-          <p:cNvPr id="2" name="Text Placeholder 1"/>
-          <p:cNvSpPr>
-            <a:spLocks noGrp="1"/>
-          </p:cNvSpPr>
-          <p:nvPr>
-            <p:ph type="body" idx="10" sz="quarter"/>
-          </p:nvPr>
-        </p:nvSpPr>
-        <p:spPr/>
-        <p:txBody>
-          <a:bodyPr/>
-          <a:lstStyle/>
-          <a:p>
-            <a:r>
-              <a:t>Key Success Factors for Replication</a:t>
-            </a:r>
-          </a:p>
-        </p:txBody>
-      </p:sp>
-      <p:sp>
-        <p:nvSpPr>
-          <p:cNvPr id="3" name="Picture Placeholder 2"/>
-          <p:cNvSpPr>
-            <a:spLocks noGrp="1"/>
-          </p:cNvSpPr>
-          <p:nvPr>
-            <p:ph type="pic" idx="13" sz="quarter"/>
-          </p:nvPr>
-        </p:nvSpPr>
-        <p:spPr/>
-      </p:sp>
-      <p:sp>
-        <p:nvSpPr>
-          <p:cNvPr id="4" name="Text Placeholder 3"/>
-          <p:cNvSpPr>
-            <a:spLocks noGrp="1"/>
-          </p:cNvSpPr>
-          <p:nvPr>
-            <p:ph type="body" idx="14" sz="quarter"/>
-          </p:nvPr>
-        </p:nvSpPr>
-        <p:spPr/>
-        <p:txBody>
-          <a:bodyPr/>
-          <a:lstStyle/>
-          <a:p>
-            <a:pPr/>
-            <a:r>
-              <a:t>Research Focus: Clear alignment with research objectives and scientific priorities</a:t>
-            </a:r>
-          </a:p>
-          <a:p>
-            <a:pPr/>
-            <a:r>
-              <a:t>Technical Excellence: Investment in cutting-edge GPU technology and architecture</a:t>
-            </a:r>
-          </a:p>
-          <a:p>
-            <a:pPr/>
-            <a:r>
-              <a:t>User Enablement: Comprehensive training and support for research communities</a:t>
-            </a:r>
-          </a:p>
-          <a:p>
-            <a:pPr/>
-            <a:r>
-              <a:t>Operational Excellence: Robust operations and management procedures</a:t>
-            </a:r>
-          </a:p>
-          <a:p>
-            <a:pPr/>
-            <a:r>
-              <a:t>Collaboration: Strong partnerships with NVIDIA and research community</a:t>
-            </a:r>
-          </a:p>
-        </p:txBody>
-      </p:sp>
-    </p:spTree>
-  </p:cSld>
-  <p:clrMapOvr>
-    <a:masterClrMapping/>
-  </p:clrMapOvr>
-</p:sld>
-</file>
-
-<file path=ppt/slides/slide32.xml><?xml version="1.0" encoding="utf-8"?>
-<p:sld xmlns:a="http://schemas.openxmlformats.org/drawingml/2006/main" xmlns:p="http://schemas.openxmlformats.org/presentationml/2006/main" xmlns:r="http://schemas.openxmlformats.org/officeDocument/2006/relationships">
-  <p:cSld>
-    <p:spTree>
-      <p:nvGrpSpPr>
-        <p:cNvPr id="1" name=""/>
-        <p:cNvGrpSpPr/>
-        <p:nvPr/>
-      </p:nvGrpSpPr>
-      <p:grpSpPr/>
-      <p:sp>
-        <p:nvSpPr>
-          <p:cNvPr id="2" name="Text Placeholder 1"/>
-          <p:cNvSpPr>
-            <a:spLocks noGrp="1"/>
-          </p:cNvSpPr>
-          <p:nvPr>
-            <p:ph type="body" idx="10" sz="quarter"/>
-          </p:nvPr>
-        </p:nvSpPr>
-        <p:spPr/>
-        <p:txBody>
-          <a:bodyPr/>
-          <a:lstStyle/>
-          <a:p>
-            <a:r>
-              <a:t>Strategic Recommendations</a:t>
-            </a:r>
-          </a:p>
-        </p:txBody>
-      </p:sp>
-      <p:sp>
-        <p:nvSpPr>
-          <p:cNvPr id="3" name="Picture Placeholder 2"/>
-          <p:cNvSpPr>
-            <a:spLocks noGrp="1"/>
-          </p:cNvSpPr>
-          <p:nvPr>
-            <p:ph type="pic" idx="13" sz="quarter"/>
-          </p:nvPr>
-        </p:nvSpPr>
-        <p:spPr/>
-      </p:sp>
-      <p:sp>
-        <p:nvSpPr>
-          <p:cNvPr id="4" name="Text Placeholder 3"/>
-          <p:cNvSpPr>
-            <a:spLocks noGrp="1"/>
-          </p:cNvSpPr>
-          <p:nvPr>
-            <p:ph type="body" idx="14" sz="quarter"/>
-          </p:nvPr>
-        </p:nvSpPr>
-        <p:spPr/>
-        <p:txBody>
-          <a:bodyPr/>
-          <a:lstStyle/>
-          <a:p>
-            <a:pPr/>
-            <a:r>
-              <a:rPr b="1"/>
-              <a:t>Capacity Expansion</a:t>
-            </a:r>
-            <a:r>
-              <a:t>: Proactive expansion based on research demand growth</a:t>
-            </a:r>
-          </a:p>
-          <a:p>
-            <a:pPr/>
-            <a:r>
-              <a:rPr b="1"/>
-              <a:t>Technology Refresh</a:t>
-            </a:r>
-            <a:r>
-              <a:t>: Regular refresh cycles maintaining technological leadership</a:t>
-            </a:r>
-          </a:p>
-          <a:p>
-            <a:pPr/>
-            <a:r>
-              <a:rPr b="1"/>
-              <a:t>Research Collaboration</a:t>
-            </a:r>
-            <a:r>
-              <a:t>: Expanded collaboration with national laboratories and industry</a:t>
-            </a:r>
-          </a:p>
-          <a:p>
-            <a:pPr/>
-            <a:r>
-              <a:rPr b="1"/>
-              <a:t>Educational Programs</a:t>
-            </a:r>
-            <a:r>
-              <a:t>: Enhanced educational programs for next-generation researchers</a:t>
-            </a:r>
-          </a:p>
-          <a:p>
-            <a:pPr/>
-            <a:r>
-              <a:rPr b="1"/>
-              <a:t>Innovation Investment</a:t>
-            </a:r>
-            <a:r>
-              <a:t>: Continued investment in emerging computing technologies</a:t>
-            </a:r>
-          </a:p>
-        </p:txBody>
-      </p:sp>
+            <a:pPr algn="r">
+              <a:buNone/>
+            </a:pPr>
+            <a:r>
+              <a:rPr sz="1100">
+                <a:solidFill>
+                  <a:srgbClr val="CC0000"/>
+                </a:solidFill>
+              </a:rPr>
+              <a:t>NVIDIA GPU Compute Cluster with Kubernetes</a:t>
+            </a:r>
+          </a:p>
+        </p:txBody>
+      </p:sp>
+      <p:pic>
+        <p:nvPicPr>
+          <p:cNvPr id="7" name="Picture 6" descr="architecture-diagram.png"/>
+          <p:cNvPicPr>
+            <a:picLocks noChangeAspect="1"/>
+          </p:cNvPicPr>
+          <p:nvPr/>
+        </p:nvPicPr>
+        <p:blipFill>
+          <a:blip r:embed="rId2"/>
+          <a:stretch>
+            <a:fillRect/>
+          </a:stretch>
+        </p:blipFill>
+        <p:spPr>
+          <a:xfrm>
+            <a:off x="4662488" y="685799"/>
+            <a:ext cx="4337050" cy="3815859"/>
+          </a:xfrm>
+          <a:prstGeom prst="rect">
+            <a:avLst/>
+          </a:prstGeom>
+          <a:ln w="12700">
+            <a:solidFill>
+              <a:srgbClr val="C0C0C0"/>
+            </a:solidFill>
+            <a:prstDash val="solid"/>
+          </a:ln>
+        </p:spPr>
+      </p:pic>
+      <p:pic>
+        <p:nvPicPr>
+          <p:cNvPr id="8" name="Picture 7" descr="consulting_company_logo.png"/>
+          <p:cNvPicPr>
+            <a:picLocks noChangeAspect="1"/>
+          </p:cNvPicPr>
+          <p:nvPr/>
+        </p:nvPicPr>
+        <p:blipFill>
+          <a:blip r:embed="rId4"/>
+          <a:stretch>
+            <a:fillRect/>
+          </a:stretch>
+        </p:blipFill>
+        <p:spPr>
+          <a:xfrm>
+            <a:off x="313592" y="4536078"/>
+            <a:ext cx="2130670" cy="529698"/>
+          </a:xfrm>
+          <a:prstGeom prst="rect">
+            <a:avLst/>
+          </a:prstGeom>
+        </p:spPr>
+      </p:pic>
     </p:spTree>
   </p:cSld>
   <p:clrMapOvr>
@@ -6075,7 +5982,7 @@
       <p:grpSpPr/>
       <p:sp>
         <p:nvSpPr>
-          <p:cNvPr id="2" name="Text Placeholder 1"/>
+          <p:cNvPr id="3" name="Text Placeholder 2"/>
           <p:cNvSpPr>
             <a:spLocks noGrp="1"/>
           </p:cNvSpPr>
@@ -6088,32 +5995,539 @@
           <a:bodyPr/>
           <a:lstStyle/>
           <a:p>
-            <a:r>
-              <a:t>Software Stack Integration</a:t>
-            </a:r>
-          </a:p>
-        </p:txBody>
-      </p:sp>
-      <p:sp>
-        <p:nvSpPr>
-          <p:cNvPr id="3" name="Picture Placeholder 2"/>
+            <a:pPr algn="l"/>
+            <a:r>
+              <a:t>Deliverables Inventory</a:t>
+            </a:r>
+          </a:p>
+        </p:txBody>
+      </p:sp>
+      <p:graphicFrame>
+        <p:nvGraphicFramePr>
+          <p:cNvPr id="4" name="Table Placeholder 3"/>
+          <p:cNvGraphicFramePr>
+            <a:graphicFrameLocks noGrp="1"/>
+          </p:cNvGraphicFramePr>
+          <p:nvPr>
+            <p:ph type="tbl" idx="14" sz="quarter"/>
+          </p:nvPr>
+        </p:nvGraphicFramePr>
+        <p:xfrm>
+          <a:off x="256855" y="677011"/>
+          <a:ext cx="8710931" cy="3337560"/>
+        </p:xfrm>
+        <a:graphic>
+          <a:graphicData uri="http://schemas.openxmlformats.org/drawingml/2006/table">
+            <a:tbl>
+              <a:tblPr firstRow="1" bandRow="1">
+                <a:tableStyleId>{5C22544A-7EE6-4342-B048-85BDC9FD1C3A}</a:tableStyleId>
+              </a:tblPr>
+              <a:tblGrid>
+                <a:gridCol w="2613279"/>
+                <a:gridCol w="3919919"/>
+                <a:gridCol w="2177733"/>
+              </a:tblGrid>
+              <a:tr h="370840">
+                <a:tc>
+                  <a:txBody>
+                    <a:bodyPr/>
+                    <a:lstStyle/>
+                    <a:p>
+                      <a:r>
+                        <a:rPr sz="1400">
+                          <a:solidFill>
+                            <a:srgbClr val="FFFFFF"/>
+                          </a:solidFill>
+                        </a:rPr>
+                        <a:t>Deliverable</a:t>
+                      </a:r>
+                    </a:p>
+                  </a:txBody>
+                  <a:tcPr>
+                    <a:solidFill>
+                      <a:srgbClr val="A01C02"/>
+                    </a:solidFill>
+                  </a:tcPr>
+                </a:tc>
+                <a:tc>
+                  <a:txBody>
+                    <a:bodyPr/>
+                    <a:lstStyle/>
+                    <a:p>
+                      <a:r>
+                        <a:rPr sz="1400">
+                          <a:solidFill>
+                            <a:srgbClr val="FFFFFF"/>
+                          </a:solidFill>
+                        </a:rPr>
+                        <a:t>Purpose</a:t>
+                      </a:r>
+                    </a:p>
+                  </a:txBody>
+                  <a:tcPr>
+                    <a:solidFill>
+                      <a:srgbClr val="A01C02"/>
+                    </a:solidFill>
+                  </a:tcPr>
+                </a:tc>
+                <a:tc>
+                  <a:txBody>
+                    <a:bodyPr/>
+                    <a:lstStyle/>
+                    <a:p>
+                      <a:r>
+                        <a:rPr sz="1400">
+                          <a:solidFill>
+                            <a:srgbClr val="FFFFFF"/>
+                          </a:solidFill>
+                        </a:rPr>
+                        <a:t>Location</a:t>
+                      </a:r>
+                    </a:p>
+                  </a:txBody>
+                  <a:tcPr>
+                    <a:solidFill>
+                      <a:srgbClr val="A01C02"/>
+                    </a:solidFill>
+                  </a:tcPr>
+                </a:tc>
+              </a:tr>
+              <a:tr h="370840">
+                <a:tc>
+                  <a:txBody>
+                    <a:bodyPr/>
+                    <a:lstStyle/>
+                    <a:p>
+                      <a:r>
+                        <a:rPr b="1" sz="1100"/>
+                        <a:t>Detailed Design Document</a:t>
+                      </a:r>
+                    </a:p>
+                  </a:txBody>
+                  <a:tcPr>
+                    <a:solidFill>
+                      <a:srgbClr val="E7E6E6"/>
+                    </a:solidFill>
+                  </a:tcPr>
+                </a:tc>
+                <a:tc>
+                  <a:txBody>
+                    <a:bodyPr/>
+                    <a:lstStyle/>
+                    <a:p>
+                      <a:r>
+                        <a:rPr sz="1100"/>
+                        <a:t>GPU cluster architecture, Kubernetes design</a:t>
+                      </a:r>
+                    </a:p>
+                  </a:txBody>
+                  <a:tcPr>
+                    <a:solidFill>
+                      <a:srgbClr val="E7E6E6"/>
+                    </a:solidFill>
+                  </a:tcPr>
+                </a:tc>
+                <a:tc>
+                  <a:txBody>
+                    <a:bodyPr/>
+                    <a:lstStyle/>
+                    <a:p>
+                      <a:r>
+                        <a:rPr sz="1100"/>
+                        <a:t>`/delivery/detailed-design.docx`</a:t>
+                      </a:r>
+                    </a:p>
+                  </a:txBody>
+                  <a:tcPr>
+                    <a:solidFill>
+                      <a:srgbClr val="E7E6E6"/>
+                    </a:solidFill>
+                  </a:tcPr>
+                </a:tc>
+              </a:tr>
+              <a:tr h="370840">
+                <a:tc>
+                  <a:txBody>
+                    <a:bodyPr/>
+                    <a:lstStyle/>
+                    <a:p>
+                      <a:r>
+                        <a:rPr b="1" sz="1100"/>
+                        <a:t>Implementation Guide</a:t>
+                      </a:r>
+                    </a:p>
+                  </a:txBody>
+                  <a:tcPr>
+                    <a:solidFill>
+                      <a:srgbClr val="E7E6E6"/>
+                    </a:solidFill>
+                  </a:tcPr>
+                </a:tc>
+                <a:tc>
+                  <a:txBody>
+                    <a:bodyPr/>
+                    <a:lstStyle/>
+                    <a:p>
+                      <a:r>
+                        <a:rPr sz="1100"/>
+                        <a:t>Step-by-step deployment procedures</a:t>
+                      </a:r>
+                    </a:p>
+                  </a:txBody>
+                  <a:tcPr>
+                    <a:solidFill>
+                      <a:srgbClr val="E7E6E6"/>
+                    </a:solidFill>
+                  </a:tcPr>
+                </a:tc>
+                <a:tc>
+                  <a:txBody>
+                    <a:bodyPr/>
+                    <a:lstStyle/>
+                    <a:p>
+                      <a:r>
+                        <a:rPr sz="1100"/>
+                        <a:t>`/delivery/implementation-guide.docx`</a:t>
+                      </a:r>
+                    </a:p>
+                  </a:txBody>
+                  <a:tcPr>
+                    <a:solidFill>
+                      <a:srgbClr val="E7E6E6"/>
+                    </a:solidFill>
+                  </a:tcPr>
+                </a:tc>
+              </a:tr>
+              <a:tr h="370840">
+                <a:tc>
+                  <a:txBody>
+                    <a:bodyPr/>
+                    <a:lstStyle/>
+                    <a:p>
+                      <a:r>
+                        <a:rPr b="1" sz="1100"/>
+                        <a:t>Project Plan</a:t>
+                      </a:r>
+                    </a:p>
+                  </a:txBody>
+                  <a:tcPr>
+                    <a:solidFill>
+                      <a:srgbClr val="E7E6E6"/>
+                    </a:solidFill>
+                  </a:tcPr>
+                </a:tc>
+                <a:tc>
+                  <a:txBody>
+                    <a:bodyPr/>
+                    <a:lstStyle/>
+                    <a:p>
+                      <a:r>
+                        <a:rPr sz="1100"/>
+                        <a:t>Timeline, milestones, RACI, communications</a:t>
+                      </a:r>
+                    </a:p>
+                  </a:txBody>
+                  <a:tcPr>
+                    <a:solidFill>
+                      <a:srgbClr val="E7E6E6"/>
+                    </a:solidFill>
+                  </a:tcPr>
+                </a:tc>
+                <a:tc>
+                  <a:txBody>
+                    <a:bodyPr/>
+                    <a:lstStyle/>
+                    <a:p>
+                      <a:r>
+                        <a:rPr sz="1100"/>
+                        <a:t>`/delivery/project-plan.xlsx`</a:t>
+                      </a:r>
+                    </a:p>
+                  </a:txBody>
+                  <a:tcPr>
+                    <a:solidFill>
+                      <a:srgbClr val="E7E6E6"/>
+                    </a:solidFill>
+                  </a:tcPr>
+                </a:tc>
+              </a:tr>
+              <a:tr h="370840">
+                <a:tc>
+                  <a:txBody>
+                    <a:bodyPr/>
+                    <a:lstStyle/>
+                    <a:p>
+                      <a:r>
+                        <a:rPr b="1" sz="1100"/>
+                        <a:t>Test Plan &amp; Results</a:t>
+                      </a:r>
+                    </a:p>
+                  </a:txBody>
+                  <a:tcPr>
+                    <a:solidFill>
+                      <a:srgbClr val="E7E6E6"/>
+                    </a:solidFill>
+                  </a:tcPr>
+                </a:tc>
+                <a:tc>
+                  <a:txBody>
+                    <a:bodyPr/>
+                    <a:lstStyle/>
+                    <a:p>
+                      <a:r>
+                        <a:rPr sz="1100"/>
+                        <a:t>Performance benchmarks, UAT results</a:t>
+                      </a:r>
+                    </a:p>
+                  </a:txBody>
+                  <a:tcPr>
+                    <a:solidFill>
+                      <a:srgbClr val="E7E6E6"/>
+                    </a:solidFill>
+                  </a:tcPr>
+                </a:tc>
+                <a:tc>
+                  <a:txBody>
+                    <a:bodyPr/>
+                    <a:lstStyle/>
+                    <a:p>
+                      <a:r>
+                        <a:rPr sz="1100"/>
+                        <a:t>`/delivery/test-plan.xlsx`</a:t>
+                      </a:r>
+                    </a:p>
+                  </a:txBody>
+                  <a:tcPr>
+                    <a:solidFill>
+                      <a:srgbClr val="E7E6E6"/>
+                    </a:solidFill>
+                  </a:tcPr>
+                </a:tc>
+              </a:tr>
+              <a:tr h="370840">
+                <a:tc>
+                  <a:txBody>
+                    <a:bodyPr/>
+                    <a:lstStyle/>
+                    <a:p>
+                      <a:r>
+                        <a:rPr b="1" sz="1100"/>
+                        <a:t>Configuration Guide</a:t>
+                      </a:r>
+                    </a:p>
+                  </a:txBody>
+                  <a:tcPr>
+                    <a:solidFill>
+                      <a:srgbClr val="E7E6E6"/>
+                    </a:solidFill>
+                  </a:tcPr>
+                </a:tc>
+                <a:tc>
+                  <a:txBody>
+                    <a:bodyPr/>
+                    <a:lstStyle/>
+                    <a:p>
+                      <a:r>
+                        <a:rPr sz="1100"/>
+                        <a:t>GPU, Kubernetes, MLOps configuration</a:t>
+                      </a:r>
+                    </a:p>
+                  </a:txBody>
+                  <a:tcPr>
+                    <a:solidFill>
+                      <a:srgbClr val="E7E6E6"/>
+                    </a:solidFill>
+                  </a:tcPr>
+                </a:tc>
+                <a:tc>
+                  <a:txBody>
+                    <a:bodyPr/>
+                    <a:lstStyle/>
+                    <a:p>
+                      <a:r>
+                        <a:rPr sz="1100"/>
+                        <a:t>`/delivery/configuration.xlsx`</a:t>
+                      </a:r>
+                    </a:p>
+                  </a:txBody>
+                  <a:tcPr>
+                    <a:solidFill>
+                      <a:srgbClr val="E7E6E6"/>
+                    </a:solidFill>
+                  </a:tcPr>
+                </a:tc>
+              </a:tr>
+              <a:tr h="370840">
+                <a:tc>
+                  <a:txBody>
+                    <a:bodyPr/>
+                    <a:lstStyle/>
+                    <a:p>
+                      <a:r>
+                        <a:rPr b="1" sz="1100"/>
+                        <a:t>Operations Runbook</a:t>
+                      </a:r>
+                    </a:p>
+                  </a:txBody>
+                  <a:tcPr>
+                    <a:solidFill>
+                      <a:srgbClr val="E7E6E6"/>
+                    </a:solidFill>
+                  </a:tcPr>
+                </a:tc>
+                <a:tc>
+                  <a:txBody>
+                    <a:bodyPr/>
+                    <a:lstStyle/>
+                    <a:p>
+                      <a:r>
+                        <a:rPr sz="1100"/>
+                        <a:t>Day-to-day procedures, troubleshooting</a:t>
+                      </a:r>
+                    </a:p>
+                  </a:txBody>
+                  <a:tcPr>
+                    <a:solidFill>
+                      <a:srgbClr val="E7E6E6"/>
+                    </a:solidFill>
+                  </a:tcPr>
+                </a:tc>
+                <a:tc>
+                  <a:txBody>
+                    <a:bodyPr/>
+                    <a:lstStyle/>
+                    <a:p>
+                      <a:r>
+                        <a:rPr sz="1100"/>
+                        <a:t>`/delivery/docs/operations-runbook.md`</a:t>
+                      </a:r>
+                    </a:p>
+                  </a:txBody>
+                  <a:tcPr>
+                    <a:solidFill>
+                      <a:srgbClr val="E7E6E6"/>
+                    </a:solidFill>
+                  </a:tcPr>
+                </a:tc>
+              </a:tr>
+              <a:tr h="370840">
+                <a:tc>
+                  <a:txBody>
+                    <a:bodyPr/>
+                    <a:lstStyle/>
+                    <a:p>
+                      <a:r>
+                        <a:rPr b="1" sz="1100"/>
+                        <a:t>Training Materials</a:t>
+                      </a:r>
+                    </a:p>
+                  </a:txBody>
+                  <a:tcPr>
+                    <a:solidFill>
+                      <a:srgbClr val="E7E6E6"/>
+                    </a:solidFill>
+                  </a:tcPr>
+                </a:tc>
+                <a:tc>
+                  <a:txBody>
+                    <a:bodyPr/>
+                    <a:lstStyle/>
+                    <a:p>
+                      <a:r>
+                        <a:rPr sz="1100"/>
+                        <a:t>Admin and data scientist guides</a:t>
+                      </a:r>
+                    </a:p>
+                  </a:txBody>
+                  <a:tcPr>
+                    <a:solidFill>
+                      <a:srgbClr val="E7E6E6"/>
+                    </a:solidFill>
+                  </a:tcPr>
+                </a:tc>
+                <a:tc>
+                  <a:txBody>
+                    <a:bodyPr/>
+                    <a:lstStyle/>
+                    <a:p>
+                      <a:r>
+                        <a:rPr sz="1100"/>
+                        <a:t>`/delivery/training/`</a:t>
+                      </a:r>
+                    </a:p>
+                  </a:txBody>
+                  <a:tcPr>
+                    <a:solidFill>
+                      <a:srgbClr val="E7E6E6"/>
+                    </a:solidFill>
+                  </a:tcPr>
+                </a:tc>
+              </a:tr>
+              <a:tr h="370840">
+                <a:tc>
+                  <a:txBody>
+                    <a:bodyPr/>
+                    <a:lstStyle/>
+                    <a:p>
+                      <a:r>
+                        <a:rPr b="1" sz="1100"/>
+                        <a:t>Ansible/Helm Charts</a:t>
+                      </a:r>
+                    </a:p>
+                  </a:txBody>
+                  <a:tcPr>
+                    <a:solidFill>
+                      <a:srgbClr val="E7E6E6"/>
+                    </a:solidFill>
+                  </a:tcPr>
+                </a:tc>
+                <a:tc>
+                  <a:txBody>
+                    <a:bodyPr/>
+                    <a:lstStyle/>
+                    <a:p>
+                      <a:r>
+                        <a:rPr sz="1100"/>
+                        <a:t>Infrastructure and app deployment</a:t>
+                      </a:r>
+                    </a:p>
+                  </a:txBody>
+                  <a:tcPr>
+                    <a:solidFill>
+                      <a:srgbClr val="E7E6E6"/>
+                    </a:solidFill>
+                  </a:tcPr>
+                </a:tc>
+                <a:tc>
+                  <a:txBody>
+                    <a:bodyPr/>
+                    <a:lstStyle/>
+                    <a:p>
+                      <a:r>
+                        <a:rPr sz="1100"/>
+                        <a:t>`/delivery/scripts/`</a:t>
+                      </a:r>
+                    </a:p>
+                  </a:txBody>
+                  <a:tcPr>
+                    <a:solidFill>
+                      <a:srgbClr val="E7E6E6"/>
+                    </a:solidFill>
+                  </a:tcPr>
+                </a:tc>
+              </a:tr>
+            </a:tbl>
+          </a:graphicData>
+        </a:graphic>
+      </p:graphicFrame>
+      <p:sp>
+        <p:nvSpPr>
+          <p:cNvPr id="5" name="Text Placeholder 4"/>
           <p:cNvSpPr>
             <a:spLocks noGrp="1"/>
           </p:cNvSpPr>
           <p:nvPr>
-            <p:ph type="pic" idx="13" sz="quarter"/>
-          </p:nvPr>
-        </p:nvSpPr>
-        <p:spPr/>
-      </p:sp>
-      <p:sp>
-        <p:nvSpPr>
-          <p:cNvPr id="4" name="Text Placeholder 3"/>
-          <p:cNvSpPr>
-            <a:spLocks noGrp="1"/>
-          </p:cNvSpPr>
-          <p:nvPr>
-            <p:ph type="body" idx="14" sz="quarter"/>
+            <p:ph type="body" idx="15" sz="quarter"/>
           </p:nvPr>
         </p:nvSpPr>
         <p:spPr/>
@@ -6121,87 +6535,44 @@
           <a:bodyPr/>
           <a:lstStyle/>
           <a:p>
-            <a:pPr/>
-            <a:r>
-              <a:rPr b="1"/>
-              <a:t>CUDA Toolkit</a:t>
-            </a:r>
-            <a:r>
-              <a:t>: Comprehensive development environment for GPU computing</a:t>
-            </a:r>
-          </a:p>
-          <a:p>
-            <a:pPr/>
-            <a:r>
-              <a:rPr b="1"/>
-              <a:t>cuDNN</a:t>
-            </a:r>
-            <a:r>
-              <a:t>: Deep neural network library for accelerated training</a:t>
-            </a:r>
-          </a:p>
-          <a:p>
-            <a:pPr/>
-            <a:r>
-              <a:rPr b="1"/>
-              <a:t>TensorRT</a:t>
-            </a:r>
-            <a:r>
-              <a:t>: High-performance deep learning inference optimizer</a:t>
-            </a:r>
-          </a:p>
-          <a:p>
-            <a:pPr/>
-            <a:r>
-              <a:rPr b="1"/>
-              <a:t>RAPIDS</a:t>
-            </a:r>
-            <a:r>
-              <a:t>: GPU-accelerated data science libraries</a:t>
-            </a:r>
-          </a:p>
-          <a:p>
-            <a:pPr/>
-            <a:r>
-              <a:rPr b="1"/>
-              <a:t>Kubernetes</a:t>
-            </a:r>
-            <a:r>
-              <a:t>: Container orchestration with GPU scheduling</a:t>
-            </a:r>
-          </a:p>
-          <a:p>
-            <a:pPr/>
-            <a:r>
-              <a:rPr b="1"/>
-              <a:t>Slurm</a:t>
-            </a:r>
-            <a:r>
-              <a:t>: High-performance computing workload manager</a:t>
-            </a:r>
-          </a:p>
-          <a:p>
-            <a:pPr/>
-            <a:r>
-              <a:rPr b="1"/>
-              <a:t>MLflow</a:t>
-            </a:r>
-            <a:r>
-              <a:t>: Machine learning lifecycle management platform</a:t>
-            </a:r>
-          </a:p>
-          <a:p>
-            <a:pPr/>
-            <a:r>
-              <a:rPr b="1"/>
-              <a:t>Jupyter Hub</a:t>
-            </a:r>
-            <a:r>
-              <a:t>: Multi-user notebook environment for data science</a:t>
-            </a:r>
-          </a:p>
-        </p:txBody>
-      </p:sp>
+            <a:pPr algn="r">
+              <a:buNone/>
+            </a:pPr>
+            <a:r>
+              <a:rPr sz="1100">
+                <a:solidFill>
+                  <a:srgbClr val="CC0000"/>
+                </a:solidFill>
+              </a:rPr>
+              <a:t>NVIDIA GPU Compute Cluster with Kubernetes</a:t>
+            </a:r>
+          </a:p>
+        </p:txBody>
+      </p:sp>
+      <p:pic>
+        <p:nvPicPr>
+          <p:cNvPr id="6" name="Picture 5" descr="consulting_company_logo.png"/>
+          <p:cNvPicPr>
+            <a:picLocks noChangeAspect="1"/>
+          </p:cNvPicPr>
+          <p:nvPr/>
+        </p:nvPicPr>
+        <p:blipFill>
+          <a:blip r:embed="rId3"/>
+          <a:stretch>
+            <a:fillRect/>
+          </a:stretch>
+        </p:blipFill>
+        <p:spPr>
+          <a:xfrm>
+            <a:off x="313592" y="4536078"/>
+            <a:ext cx="2126273" cy="529698"/>
+          </a:xfrm>
+          <a:prstGeom prst="rect">
+            <a:avLst/>
+          </a:prstGeom>
+        </p:spPr>
+      </p:pic>
     </p:spTree>
   </p:cSld>
   <p:clrMapOvr>
@@ -6222,7 +6593,7 @@
       <p:grpSpPr/>
       <p:sp>
         <p:nvSpPr>
-          <p:cNvPr id="2" name="Text Placeholder 1"/>
+          <p:cNvPr id="3" name="Text Placeholder 2"/>
           <p:cNvSpPr>
             <a:spLocks noGrp="1"/>
           </p:cNvSpPr>
@@ -6235,53 +6606,172 @@
           <a:bodyPr/>
           <a:lstStyle/>
           <a:p>
-            <a:r>
-              <a:t>Quantified ROI Analysis</a:t>
-            </a:r>
-          </a:p>
-        </p:txBody>
-      </p:sp>
-      <p:sp>
-        <p:nvSpPr>
-          <p:cNvPr id="3" name="Picture Placeholder 2"/>
+            <a:pPr algn="l"/>
+            <a:r>
+              <a:t>Quality &amp; Performance</a:t>
+            </a:r>
+          </a:p>
+        </p:txBody>
+      </p:sp>
+      <p:sp>
+        <p:nvSpPr>
+          <p:cNvPr id="4" name="Text Placeholder 3"/>
           <p:cNvSpPr>
             <a:spLocks noGrp="1"/>
           </p:cNvSpPr>
           <p:nvPr>
-            <p:ph type="pic" idx="14" sz="quarter"/>
-          </p:nvPr>
-        </p:nvSpPr>
-        <p:spPr/>
-      </p:sp>
-      <p:sp>
-        <p:nvSpPr>
-          <p:cNvPr id="4" name="Chart Placeholder 3"/>
-          <p:cNvSpPr>
-            <a:spLocks noGrp="1"/>
-          </p:cNvSpPr>
-          <p:nvPr>
-            <p:ph type="chart" idx="15" sz="quarter"/>
-          </p:nvPr>
-        </p:nvSpPr>
-        <p:spPr/>
-      </p:sp>
-      <p:sp>
-        <p:nvSpPr>
-          <p:cNvPr id="5" name="Content Placeholder 4"/>
-          <p:cNvSpPr>
-            <a:spLocks noGrp="1"/>
-          </p:cNvSpPr>
-          <p:nvPr>
-            <p:ph idx="16" sz="quarter"/>
+            <p:ph type="body" idx="16" sz="quarter"/>
           </p:nvPr>
         </p:nvSpPr>
         <p:spPr/>
         <p:txBody>
           <a:bodyPr/>
           <a:lstStyle/>
-          <a:p/>
-        </p:txBody>
-      </p:sp>
+          <a:p>
+            <a:pPr/>
+            <a:r>
+              <a:rPr b="1"/>
+              <a:t>Performance Metrics</a:t>
+            </a:r>
+          </a:p>
+          <a:p>
+            <a:pPr lvl="1"/>
+            <a:r>
+              <a:t>GPU Utilization: 82% (target: 80%)</a:t>
+            </a:r>
+          </a:p>
+          <a:p>
+            <a:pPr lvl="1"/>
+            <a:r>
+              <a:t>Distributed Training: 10x vs CPU baseline</a:t>
+            </a:r>
+          </a:p>
+          <a:p>
+            <a:pPr lvl="1"/>
+            <a:r>
+              <a:t>Model Inference: &lt;50ms p99 latency</a:t>
+            </a:r>
+          </a:p>
+          <a:p>
+            <a:pPr lvl="1"/>
+            <a:r>
+              <a:t>Storage Throughput: 12 GB/s sustained</a:t>
+            </a:r>
+          </a:p>
+          <a:p>
+            <a:pPr lvl="1"/>
+            <a:r>
+              <a:t>Cluster Uptime: 99.6% (target: 99.5%)</a:t>
+            </a:r>
+          </a:p>
+        </p:txBody>
+      </p:sp>
+      <p:sp>
+        <p:nvSpPr>
+          <p:cNvPr id="5" name="Text Placeholder 4"/>
+          <p:cNvSpPr>
+            <a:spLocks noGrp="1"/>
+          </p:cNvSpPr>
+          <p:nvPr>
+            <p:ph type="body" idx="17" sz="quarter"/>
+          </p:nvPr>
+        </p:nvSpPr>
+        <p:spPr/>
+        <p:txBody>
+          <a:bodyPr/>
+          <a:lstStyle/>
+          <a:p>
+            <a:pPr/>
+            <a:r>
+              <a:rPr b="1"/>
+              <a:t>Testing Metrics</a:t>
+            </a:r>
+          </a:p>
+          <a:p>
+            <a:pPr lvl="1"/>
+            <a:r>
+              <a:t>Test Cases Executed: 32/32 (100%)</a:t>
+            </a:r>
+          </a:p>
+          <a:p>
+            <a:pPr lvl="1"/>
+            <a:r>
+              <a:t>Critical Defects at Go-Live: 0</a:t>
+            </a:r>
+          </a:p>
+          <a:p>
+            <a:pPr lvl="1"/>
+            <a:r>
+              <a:t>Kubernetes Pod Scheduling: &lt;10 seconds</a:t>
+            </a:r>
+          </a:p>
+          <a:p>
+            <a:pPr lvl="1"/>
+            <a:r>
+              <a:t>GPU Time-Slicing: Working as designed</a:t>
+            </a:r>
+          </a:p>
+          <a:p>
+            <a:pPr lvl="1"/>
+            <a:r>
+              <a:t>UAT Sign-off: Complete with no blockers</a:t>
+            </a:r>
+          </a:p>
+        </p:txBody>
+      </p:sp>
+      <p:sp>
+        <p:nvSpPr>
+          <p:cNvPr id="6" name="Text Placeholder 5"/>
+          <p:cNvSpPr>
+            <a:spLocks noGrp="1"/>
+          </p:cNvSpPr>
+          <p:nvPr>
+            <p:ph type="body" idx="15" sz="quarter"/>
+          </p:nvPr>
+        </p:nvSpPr>
+        <p:spPr/>
+        <p:txBody>
+          <a:bodyPr/>
+          <a:lstStyle/>
+          <a:p>
+            <a:pPr algn="r">
+              <a:buNone/>
+            </a:pPr>
+            <a:r>
+              <a:rPr sz="1100">
+                <a:solidFill>
+                  <a:srgbClr val="CC0000"/>
+                </a:solidFill>
+              </a:rPr>
+              <a:t>NVIDIA GPU Compute Cluster with Kubernetes</a:t>
+            </a:r>
+          </a:p>
+        </p:txBody>
+      </p:sp>
+      <p:pic>
+        <p:nvPicPr>
+          <p:cNvPr id="7" name="Picture 6" descr="consulting_company_logo.png"/>
+          <p:cNvPicPr>
+            <a:picLocks noChangeAspect="1"/>
+          </p:cNvPicPr>
+          <p:nvPr/>
+        </p:nvPicPr>
+        <p:blipFill>
+          <a:blip r:embed="rId3"/>
+          <a:stretch>
+            <a:fillRect/>
+          </a:stretch>
+        </p:blipFill>
+        <p:spPr>
+          <a:xfrm>
+            <a:off x="313592" y="4536078"/>
+            <a:ext cx="2121877" cy="529698"/>
+          </a:xfrm>
+          <a:prstGeom prst="rect">
+            <a:avLst/>
+          </a:prstGeom>
+        </p:spPr>
+      </p:pic>
     </p:spTree>
   </p:cSld>
   <p:clrMapOvr>
@@ -6302,7 +6792,7 @@
       <p:grpSpPr/>
       <p:sp>
         <p:nvSpPr>
-          <p:cNvPr id="2" name="Text Placeholder 1"/>
+          <p:cNvPr id="3" name="Text Placeholder 2"/>
           <p:cNvSpPr>
             <a:spLocks noGrp="1"/>
           </p:cNvSpPr>
@@ -6315,53 +6805,602 @@
           <a:bodyPr/>
           <a:lstStyle/>
           <a:p>
-            <a:r>
-              <a:t>Performance Impact Metrics</a:t>
-            </a:r>
-          </a:p>
-        </p:txBody>
-      </p:sp>
-      <p:sp>
-        <p:nvSpPr>
-          <p:cNvPr id="3" name="Picture Placeholder 2"/>
+            <a:pPr algn="l"/>
+            <a:r>
+              <a:t>Benefits Realized</a:t>
+            </a:r>
+          </a:p>
+        </p:txBody>
+      </p:sp>
+      <p:graphicFrame>
+        <p:nvGraphicFramePr>
+          <p:cNvPr id="4" name="Table Placeholder 3"/>
+          <p:cNvGraphicFramePr>
+            <a:graphicFrameLocks noGrp="1"/>
+          </p:cNvGraphicFramePr>
+          <p:nvPr>
+            <p:ph type="tbl" idx="14" sz="quarter"/>
+          </p:nvPr>
+        </p:nvGraphicFramePr>
+        <p:xfrm>
+          <a:off x="256855" y="677011"/>
+          <a:ext cx="8710930" cy="2595880"/>
+        </p:xfrm>
+        <a:graphic>
+          <a:graphicData uri="http://schemas.openxmlformats.org/drawingml/2006/table">
+            <a:tbl>
+              <a:tblPr firstRow="1" bandRow="1">
+                <a:tableStyleId>{5C22544A-7EE6-4342-B048-85BDC9FD1C3A}</a:tableStyleId>
+              </a:tblPr>
+              <a:tblGrid>
+                <a:gridCol w="2613279"/>
+                <a:gridCol w="1742186"/>
+                <a:gridCol w="1742186"/>
+                <a:gridCol w="2613279"/>
+              </a:tblGrid>
+              <a:tr h="370840">
+                <a:tc>
+                  <a:txBody>
+                    <a:bodyPr/>
+                    <a:lstStyle/>
+                    <a:p>
+                      <a:r>
+                        <a:rPr sz="1400">
+                          <a:solidFill>
+                            <a:srgbClr val="FFFFFF"/>
+                          </a:solidFill>
+                        </a:rPr>
+                        <a:t>Benefit Category</a:t>
+                      </a:r>
+                    </a:p>
+                  </a:txBody>
+                  <a:tcPr>
+                    <a:solidFill>
+                      <a:srgbClr val="A01C02"/>
+                    </a:solidFill>
+                  </a:tcPr>
+                </a:tc>
+                <a:tc>
+                  <a:txBody>
+                    <a:bodyPr/>
+                    <a:lstStyle/>
+                    <a:p>
+                      <a:r>
+                        <a:rPr sz="1400">
+                          <a:solidFill>
+                            <a:srgbClr val="FFFFFF"/>
+                          </a:solidFill>
+                        </a:rPr>
+                        <a:t>SOW Target</a:t>
+                      </a:r>
+                    </a:p>
+                  </a:txBody>
+                  <a:tcPr>
+                    <a:solidFill>
+                      <a:srgbClr val="A01C02"/>
+                    </a:solidFill>
+                  </a:tcPr>
+                </a:tc>
+                <a:tc>
+                  <a:txBody>
+                    <a:bodyPr/>
+                    <a:lstStyle/>
+                    <a:p>
+                      <a:r>
+                        <a:rPr sz="1400">
+                          <a:solidFill>
+                            <a:srgbClr val="FFFFFF"/>
+                          </a:solidFill>
+                        </a:rPr>
+                        <a:t>Achieved</a:t>
+                      </a:r>
+                    </a:p>
+                  </a:txBody>
+                  <a:tcPr>
+                    <a:solidFill>
+                      <a:srgbClr val="A01C02"/>
+                    </a:solidFill>
+                  </a:tcPr>
+                </a:tc>
+                <a:tc>
+                  <a:txBody>
+                    <a:bodyPr/>
+                    <a:lstStyle/>
+                    <a:p>
+                      <a:r>
+                        <a:rPr sz="1400">
+                          <a:solidFill>
+                            <a:srgbClr val="FFFFFF"/>
+                          </a:solidFill>
+                        </a:rPr>
+                        <a:t>Business Impact</a:t>
+                      </a:r>
+                    </a:p>
+                  </a:txBody>
+                  <a:tcPr>
+                    <a:solidFill>
+                      <a:srgbClr val="A01C02"/>
+                    </a:solidFill>
+                  </a:tcPr>
+                </a:tc>
+              </a:tr>
+              <a:tr h="370840">
+                <a:tc>
+                  <a:txBody>
+                    <a:bodyPr/>
+                    <a:lstStyle/>
+                    <a:p>
+                      <a:r>
+                        <a:rPr b="1" sz="1100"/>
+                        <a:t>Training Speed</a:t>
+                      </a:r>
+                    </a:p>
+                  </a:txBody>
+                  <a:tcPr>
+                    <a:solidFill>
+                      <a:srgbClr val="E7E6E6"/>
+                    </a:solidFill>
+                  </a:tcPr>
+                </a:tc>
+                <a:tc>
+                  <a:txBody>
+                    <a:bodyPr/>
+                    <a:lstStyle/>
+                    <a:p>
+                      <a:r>
+                        <a:rPr sz="1100"/>
+                        <a:t>10x faster</a:t>
+                      </a:r>
+                    </a:p>
+                  </a:txBody>
+                  <a:tcPr>
+                    <a:solidFill>
+                      <a:srgbClr val="E7E6E6"/>
+                    </a:solidFill>
+                  </a:tcPr>
+                </a:tc>
+                <a:tc>
+                  <a:txBody>
+                    <a:bodyPr/>
+                    <a:lstStyle/>
+                    <a:p>
+                      <a:r>
+                        <a:rPr sz="1100"/>
+                        <a:t>10x validated</a:t>
+                      </a:r>
+                    </a:p>
+                  </a:txBody>
+                  <a:tcPr>
+                    <a:solidFill>
+                      <a:srgbClr val="E7E6E6"/>
+                    </a:solidFill>
+                  </a:tcPr>
+                </a:tc>
+                <a:tc>
+                  <a:txBody>
+                    <a:bodyPr/>
+                    <a:lstStyle/>
+                    <a:p>
+                      <a:r>
+                        <a:rPr sz="1100"/>
+                        <a:t>BERT: 3 days to 7 hours</a:t>
+                      </a:r>
+                    </a:p>
+                  </a:txBody>
+                  <a:tcPr>
+                    <a:solidFill>
+                      <a:srgbClr val="E7E6E6"/>
+                    </a:solidFill>
+                  </a:tcPr>
+                </a:tc>
+              </a:tr>
+              <a:tr h="370840">
+                <a:tc>
+                  <a:txBody>
+                    <a:bodyPr/>
+                    <a:lstStyle/>
+                    <a:p>
+                      <a:r>
+                        <a:rPr b="1" sz="1100"/>
+                        <a:t>Cost Reduction</a:t>
+                      </a:r>
+                    </a:p>
+                  </a:txBody>
+                  <a:tcPr>
+                    <a:solidFill>
+                      <a:srgbClr val="E7E6E6"/>
+                    </a:solidFill>
+                  </a:tcPr>
+                </a:tc>
+                <a:tc>
+                  <a:txBody>
+                    <a:bodyPr/>
+                    <a:lstStyle/>
+                    <a:p>
+                      <a:r>
+                        <a:rPr sz="1100"/>
+                        <a:t>$350K/year</a:t>
+                      </a:r>
+                    </a:p>
+                  </a:txBody>
+                  <a:tcPr>
+                    <a:solidFill>
+                      <a:srgbClr val="E7E6E6"/>
+                    </a:solidFill>
+                  </a:tcPr>
+                </a:tc>
+                <a:tc>
+                  <a:txBody>
+                    <a:bodyPr/>
+                    <a:lstStyle/>
+                    <a:p>
+                      <a:r>
+                        <a:rPr sz="1100"/>
+                        <a:t>$350K projected</a:t>
+                      </a:r>
+                    </a:p>
+                  </a:txBody>
+                  <a:tcPr>
+                    <a:solidFill>
+                      <a:srgbClr val="E7E6E6"/>
+                    </a:solidFill>
+                  </a:tcPr>
+                </a:tc>
+                <a:tc>
+                  <a:txBody>
+                    <a:bodyPr/>
+                    <a:lstStyle/>
+                    <a:p>
+                      <a:r>
+                        <a:rPr sz="1100"/>
+                        <a:t>Cloud GPU elimination</a:t>
+                      </a:r>
+                    </a:p>
+                  </a:txBody>
+                  <a:tcPr>
+                    <a:solidFill>
+                      <a:srgbClr val="E7E6E6"/>
+                    </a:solidFill>
+                  </a:tcPr>
+                </a:tc>
+              </a:tr>
+              <a:tr h="370840">
+                <a:tc>
+                  <a:txBody>
+                    <a:bodyPr/>
+                    <a:lstStyle/>
+                    <a:p>
+                      <a:r>
+                        <a:rPr b="1" sz="1100"/>
+                        <a:t>GPU Utilization</a:t>
+                      </a:r>
+                    </a:p>
+                  </a:txBody>
+                  <a:tcPr>
+                    <a:solidFill>
+                      <a:srgbClr val="E7E6E6"/>
+                    </a:solidFill>
+                  </a:tcPr>
+                </a:tc>
+                <a:tc>
+                  <a:txBody>
+                    <a:bodyPr/>
+                    <a:lstStyle/>
+                    <a:p>
+                      <a:r>
+                        <a:rPr sz="1100"/>
+                        <a:t>80%</a:t>
+                      </a:r>
+                    </a:p>
+                  </a:txBody>
+                  <a:tcPr>
+                    <a:solidFill>
+                      <a:srgbClr val="E7E6E6"/>
+                    </a:solidFill>
+                  </a:tcPr>
+                </a:tc>
+                <a:tc>
+                  <a:txBody>
+                    <a:bodyPr/>
+                    <a:lstStyle/>
+                    <a:p>
+                      <a:r>
+                        <a:rPr sz="1100"/>
+                        <a:t>82% average</a:t>
+                      </a:r>
+                    </a:p>
+                  </a:txBody>
+                  <a:tcPr>
+                    <a:solidFill>
+                      <a:srgbClr val="E7E6E6"/>
+                    </a:solidFill>
+                  </a:tcPr>
+                </a:tc>
+                <a:tc>
+                  <a:txBody>
+                    <a:bodyPr/>
+                    <a:lstStyle/>
+                    <a:p>
+                      <a:r>
+                        <a:rPr sz="1100"/>
+                        <a:t>Efficient resource use</a:t>
+                      </a:r>
+                    </a:p>
+                  </a:txBody>
+                  <a:tcPr>
+                    <a:solidFill>
+                      <a:srgbClr val="E7E6E6"/>
+                    </a:solidFill>
+                  </a:tcPr>
+                </a:tc>
+              </a:tr>
+              <a:tr h="370840">
+                <a:tc>
+                  <a:txBody>
+                    <a:bodyPr/>
+                    <a:lstStyle/>
+                    <a:p>
+                      <a:r>
+                        <a:rPr b="1" sz="1100"/>
+                        <a:t>User Capacity</a:t>
+                      </a:r>
+                    </a:p>
+                  </a:txBody>
+                  <a:tcPr>
+                    <a:solidFill>
+                      <a:srgbClr val="E7E6E6"/>
+                    </a:solidFill>
+                  </a:tcPr>
+                </a:tc>
+                <a:tc>
+                  <a:txBody>
+                    <a:bodyPr/>
+                    <a:lstStyle/>
+                    <a:p>
+                      <a:r>
+                        <a:rPr sz="1100"/>
+                        <a:t>20+ users</a:t>
+                      </a:r>
+                    </a:p>
+                  </a:txBody>
+                  <a:tcPr>
+                    <a:solidFill>
+                      <a:srgbClr val="E7E6E6"/>
+                    </a:solidFill>
+                  </a:tcPr>
+                </a:tc>
+                <a:tc>
+                  <a:txBody>
+                    <a:bodyPr/>
+                    <a:lstStyle/>
+                    <a:p>
+                      <a:r>
+                        <a:rPr sz="1100"/>
+                        <a:t>22 active</a:t>
+                      </a:r>
+                    </a:p>
+                  </a:txBody>
+                  <a:tcPr>
+                    <a:solidFill>
+                      <a:srgbClr val="E7E6E6"/>
+                    </a:solidFill>
+                  </a:tcPr>
+                </a:tc>
+                <a:tc>
+                  <a:txBody>
+                    <a:bodyPr/>
+                    <a:lstStyle/>
+                    <a:p>
+                      <a:r>
+                        <a:rPr sz="1100"/>
+                        <a:t>All teams onboarded</a:t>
+                      </a:r>
+                    </a:p>
+                  </a:txBody>
+                  <a:tcPr>
+                    <a:solidFill>
+                      <a:srgbClr val="E7E6E6"/>
+                    </a:solidFill>
+                  </a:tcPr>
+                </a:tc>
+              </a:tr>
+              <a:tr h="370840">
+                <a:tc>
+                  <a:txBody>
+                    <a:bodyPr/>
+                    <a:lstStyle/>
+                    <a:p>
+                      <a:r>
+                        <a:rPr b="1" sz="1100"/>
+                        <a:t>Model Deployment</a:t>
+                      </a:r>
+                    </a:p>
+                  </a:txBody>
+                  <a:tcPr>
+                    <a:solidFill>
+                      <a:srgbClr val="E7E6E6"/>
+                    </a:solidFill>
+                  </a:tcPr>
+                </a:tc>
+                <a:tc>
+                  <a:txBody>
+                    <a:bodyPr/>
+                    <a:lstStyle/>
+                    <a:p>
+                      <a:r>
+                        <a:rPr sz="1100"/>
+                        <a:t>50+ models</a:t>
+                      </a:r>
+                    </a:p>
+                  </a:txBody>
+                  <a:tcPr>
+                    <a:solidFill>
+                      <a:srgbClr val="E7E6E6"/>
+                    </a:solidFill>
+                  </a:tcPr>
+                </a:tc>
+                <a:tc>
+                  <a:txBody>
+                    <a:bodyPr/>
+                    <a:lstStyle/>
+                    <a:p>
+                      <a:r>
+                        <a:rPr sz="1100"/>
+                        <a:t>52 deployed</a:t>
+                      </a:r>
+                    </a:p>
+                  </a:txBody>
+                  <a:tcPr>
+                    <a:solidFill>
+                      <a:srgbClr val="E7E6E6"/>
+                    </a:solidFill>
+                  </a:tcPr>
+                </a:tc>
+                <a:tc>
+                  <a:txBody>
+                    <a:bodyPr/>
+                    <a:lstStyle/>
+                    <a:p>
+                      <a:r>
+                        <a:rPr sz="1100"/>
+                        <a:t>Triton serving operational</a:t>
+                      </a:r>
+                    </a:p>
+                  </a:txBody>
+                  <a:tcPr>
+                    <a:solidFill>
+                      <a:srgbClr val="E7E6E6"/>
+                    </a:solidFill>
+                  </a:tcPr>
+                </a:tc>
+              </a:tr>
+              <a:tr h="370840">
+                <a:tc>
+                  <a:txBody>
+                    <a:bodyPr/>
+                    <a:lstStyle/>
+                    <a:p>
+                      <a:r>
+                        <a:rPr b="1" sz="1100"/>
+                        <a:t>ROI Timeline</a:t>
+                      </a:r>
+                    </a:p>
+                  </a:txBody>
+                  <a:tcPr>
+                    <a:solidFill>
+                      <a:srgbClr val="E7E6E6"/>
+                    </a:solidFill>
+                  </a:tcPr>
+                </a:tc>
+                <a:tc>
+                  <a:txBody>
+                    <a:bodyPr/>
+                    <a:lstStyle/>
+                    <a:p>
+                      <a:r>
+                        <a:rPr sz="1100"/>
+                        <a:t>2.4 years</a:t>
+                      </a:r>
+                    </a:p>
+                  </a:txBody>
+                  <a:tcPr>
+                    <a:solidFill>
+                      <a:srgbClr val="E7E6E6"/>
+                    </a:solidFill>
+                  </a:tcPr>
+                </a:tc>
+                <a:tc>
+                  <a:txBody>
+                    <a:bodyPr/>
+                    <a:lstStyle/>
+                    <a:p>
+                      <a:r>
+                        <a:rPr sz="1100"/>
+                        <a:t>On track</a:t>
+                      </a:r>
+                    </a:p>
+                  </a:txBody>
+                  <a:tcPr>
+                    <a:solidFill>
+                      <a:srgbClr val="E7E6E6"/>
+                    </a:solidFill>
+                  </a:tcPr>
+                </a:tc>
+                <a:tc>
+                  <a:txBody>
+                    <a:bodyPr/>
+                    <a:lstStyle/>
+                    <a:p>
+                      <a:r>
+                        <a:rPr sz="1100"/>
+                        <a:t>Hardware investment recovered</a:t>
+                      </a:r>
+                    </a:p>
+                  </a:txBody>
+                  <a:tcPr>
+                    <a:solidFill>
+                      <a:srgbClr val="E7E6E6"/>
+                    </a:solidFill>
+                  </a:tcPr>
+                </a:tc>
+              </a:tr>
+            </a:tbl>
+          </a:graphicData>
+        </a:graphic>
+      </p:graphicFrame>
+      <p:sp>
+        <p:nvSpPr>
+          <p:cNvPr id="5" name="Text Placeholder 4"/>
           <p:cNvSpPr>
             <a:spLocks noGrp="1"/>
           </p:cNvSpPr>
           <p:nvPr>
-            <p:ph type="pic" idx="14" sz="quarter"/>
-          </p:nvPr>
-        </p:nvSpPr>
-        <p:spPr/>
-      </p:sp>
-      <p:sp>
-        <p:nvSpPr>
-          <p:cNvPr id="4" name="Chart Placeholder 3"/>
-          <p:cNvSpPr>
-            <a:spLocks noGrp="1"/>
-          </p:cNvSpPr>
-          <p:nvPr>
-            <p:ph type="chart" idx="15" sz="quarter"/>
-          </p:nvPr>
-        </p:nvSpPr>
-        <p:spPr/>
-      </p:sp>
-      <p:sp>
-        <p:nvSpPr>
-          <p:cNvPr id="5" name="Content Placeholder 4"/>
-          <p:cNvSpPr>
-            <a:spLocks noGrp="1"/>
-          </p:cNvSpPr>
-          <p:nvPr>
-            <p:ph idx="16" sz="quarter"/>
+            <p:ph type="body" idx="15" sz="quarter"/>
           </p:nvPr>
         </p:nvSpPr>
         <p:spPr/>
         <p:txBody>
           <a:bodyPr/>
           <a:lstStyle/>
-          <a:p/>
-        </p:txBody>
-      </p:sp>
+          <a:p>
+            <a:pPr algn="r">
+              <a:buNone/>
+            </a:pPr>
+            <a:r>
+              <a:rPr sz="1100">
+                <a:solidFill>
+                  <a:srgbClr val="CC0000"/>
+                </a:solidFill>
+              </a:rPr>
+              <a:t>NVIDIA GPU Compute Cluster with Kubernetes</a:t>
+            </a:r>
+          </a:p>
+        </p:txBody>
+      </p:sp>
+      <p:pic>
+        <p:nvPicPr>
+          <p:cNvPr id="6" name="Picture 5" descr="consulting_company_logo.png"/>
+          <p:cNvPicPr>
+            <a:picLocks noChangeAspect="1"/>
+          </p:cNvPicPr>
+          <p:nvPr/>
+        </p:nvPicPr>
+        <p:blipFill>
+          <a:blip r:embed="rId3"/>
+          <a:stretch>
+            <a:fillRect/>
+          </a:stretch>
+        </p:blipFill>
+        <p:spPr>
+          <a:xfrm>
+            <a:off x="313592" y="4536078"/>
+            <a:ext cx="2126273" cy="529698"/>
+          </a:xfrm>
+          <a:prstGeom prst="rect">
+            <a:avLst/>
+          </a:prstGeom>
+        </p:spPr>
+      </p:pic>
     </p:spTree>
   </p:cSld>
   <p:clrMapOvr>
@@ -6382,7 +7421,7 @@
       <p:grpSpPr/>
       <p:sp>
         <p:nvSpPr>
-          <p:cNvPr id="2" name="Text Placeholder 1"/>
+          <p:cNvPr id="3" name="Text Placeholder 2"/>
           <p:cNvSpPr>
             <a:spLocks noGrp="1"/>
           </p:cNvSpPr>
@@ -6395,32 +7434,21 @@
           <a:bodyPr/>
           <a:lstStyle/>
           <a:p>
-            <a:r>
-              <a:t>Innovation Achievements</a:t>
-            </a:r>
-          </a:p>
-        </p:txBody>
-      </p:sp>
-      <p:sp>
-        <p:nvSpPr>
-          <p:cNvPr id="3" name="Picture Placeholder 2"/>
+            <a:pPr algn="l"/>
+            <a:r>
+              <a:t>Lessons Learned &amp; Recommendations</a:t>
+            </a:r>
+          </a:p>
+        </p:txBody>
+      </p:sp>
+      <p:sp>
+        <p:nvSpPr>
+          <p:cNvPr id="4" name="Text Placeholder 3"/>
           <p:cNvSpPr>
             <a:spLocks noGrp="1"/>
           </p:cNvSpPr>
           <p:nvPr>
-            <p:ph type="pic" idx="13" sz="quarter"/>
-          </p:nvPr>
-        </p:nvSpPr>
-        <p:spPr/>
-      </p:sp>
-      <p:sp>
-        <p:nvSpPr>
-          <p:cNvPr id="4" name="Text Placeholder 3"/>
-          <p:cNvSpPr>
-            <a:spLocks noGrp="1"/>
-          </p:cNvSpPr>
-          <p:nvPr>
-            <p:ph type="body" idx="14" sz="quarter"/>
+            <p:ph type="body" idx="16" sz="quarter"/>
           </p:nvPr>
         </p:nvSpPr>
         <p:spPr/>
@@ -6431,44 +7459,184 @@
             <a:pPr/>
             <a:r>
               <a:rPr b="1"/>
-              <a:t>Research Publications</a:t>
-            </a:r>
-            <a:r>
-              <a:t>: Enabled 45+ peer-reviewed research publications</a:t>
+              <a:t>What Worked Well</a:t>
+            </a:r>
+          </a:p>
+          <a:p>
+            <a:pPr lvl="1"/>
+            <a:r>
+              <a:t>Kubernetes for GPU orchestration</a:t>
+            </a:r>
+          </a:p>
+          <a:p>
+            <a:pPr lvl="1"/>
+            <a:r>
+              <a:t>NVIDIA GPU Operator automation</a:t>
+            </a:r>
+          </a:p>
+          <a:p>
+            <a:pPr lvl="1"/>
+            <a:r>
+              <a:t>Phased rollout to user teams</a:t>
+            </a:r>
+          </a:p>
+          <a:p>
+            <a:pPr lvl="1"/>
+            <a:r>
+              <a:t>Weekly stakeholder demos</a:t>
+            </a:r>
+          </a:p>
+          <a:p>
+            <a:pPr lvl="1"/>
+            <a:r>
+              <a:t>NGC container optimization</a:t>
             </a:r>
           </a:p>
           <a:p>
             <a:pPr/>
             <a:r>
               <a:rPr b="1"/>
-              <a:t>Patent Applications</a:t>
-            </a:r>
-            <a:r>
-              <a:t>: Supported 12 patent applications through advanced modeling</a:t>
-            </a:r>
-          </a:p>
+              <a:t>Challenges Overcome</a:t>
+            </a:r>
+          </a:p>
+          <a:p>
+            <a:pPr lvl="1"/>
+            <a:r>
+              <a:t>GPU driver compatibility issues</a:t>
+            </a:r>
+          </a:p>
+          <a:p>
+            <a:pPr lvl="1"/>
+            <a:r>
+              <a:t>Kubeflow installation complexity</a:t>
+            </a:r>
+          </a:p>
+          <a:p>
+            <a:pPr lvl="1"/>
+            <a:r>
+              <a:t>Network MTU configuration</a:t>
+            </a:r>
+          </a:p>
+          <a:p>
+            <a:pPr lvl="1"/>
+            <a:r>
+              <a:t>User quota balancing</a:t>
+            </a:r>
+          </a:p>
+          <a:p>
+            <a:pPr lvl="1"/>
+            <a:r>
+              <a:t>Storage permission setup</a:t>
+            </a:r>
+          </a:p>
+        </p:txBody>
+      </p:sp>
+      <p:sp>
+        <p:nvSpPr>
+          <p:cNvPr id="5" name="Text Placeholder 4"/>
+          <p:cNvSpPr>
+            <a:spLocks noGrp="1"/>
+          </p:cNvSpPr>
+          <p:nvPr>
+            <p:ph type="body" idx="17" sz="quarter"/>
+          </p:nvPr>
+        </p:nvSpPr>
+        <p:spPr/>
+        <p:txBody>
+          <a:bodyPr/>
+          <a:lstStyle/>
           <a:p>
             <a:pPr/>
             <a:r>
               <a:rPr b="1"/>
-              <a:t>Product Development</a:t>
-            </a:r>
-            <a:r>
-              <a:t>: Accelerated 8 product development cycles</a:t>
-            </a:r>
-          </a:p>
-          <a:p>
-            <a:pPr/>
-            <a:r>
-              <a:rPr b="1"/>
-              <a:t>Collaboration</a:t>
-            </a:r>
-            <a:r>
-              <a:t>: Facilitated 25+ external research collaborations</a:t>
-            </a:r>
-          </a:p>
-        </p:txBody>
-      </p:sp>
+              <a:t>Recommendations</a:t>
+            </a:r>
+          </a:p>
+          <a:p>
+            <a:pPr lvl="1"/>
+            <a:r>
+              <a:t>Expand to 64 GPUs (Phase 2)</a:t>
+            </a:r>
+          </a:p>
+          <a:p>
+            <a:pPr lvl="1"/>
+            <a:r>
+              <a:t>Add A100 80GB for larger models</a:t>
+            </a:r>
+          </a:p>
+          <a:p>
+            <a:pPr lvl="1"/>
+            <a:r>
+              <a:t>Implement GPU quotas per team</a:t>
+            </a:r>
+          </a:p>
+          <a:p>
+            <a:pPr lvl="1"/>
+            <a:r>
+              <a:t>Deploy Kubernetes Federation</a:t>
+            </a:r>
+          </a:p>
+          <a:p>
+            <a:pPr lvl="1"/>
+            <a:r>
+              <a:t>Quarterly training refreshers</a:t>
+            </a:r>
+          </a:p>
+        </p:txBody>
+      </p:sp>
+      <p:sp>
+        <p:nvSpPr>
+          <p:cNvPr id="6" name="Text Placeholder 5"/>
+          <p:cNvSpPr>
+            <a:spLocks noGrp="1"/>
+          </p:cNvSpPr>
+          <p:nvPr>
+            <p:ph type="body" idx="15" sz="quarter"/>
+          </p:nvPr>
+        </p:nvSpPr>
+        <p:spPr/>
+        <p:txBody>
+          <a:bodyPr/>
+          <a:lstStyle/>
+          <a:p>
+            <a:pPr algn="r">
+              <a:buNone/>
+            </a:pPr>
+            <a:r>
+              <a:rPr sz="1100">
+                <a:solidFill>
+                  <a:srgbClr val="CC0000"/>
+                </a:solidFill>
+              </a:rPr>
+              <a:t>NVIDIA GPU Compute Cluster with Kubernetes</a:t>
+            </a:r>
+          </a:p>
+        </p:txBody>
+      </p:sp>
+      <p:pic>
+        <p:nvPicPr>
+          <p:cNvPr id="7" name="Picture 6" descr="consulting_company_logo.png"/>
+          <p:cNvPicPr>
+            <a:picLocks noChangeAspect="1"/>
+          </p:cNvPicPr>
+          <p:nvPr/>
+        </p:nvPicPr>
+        <p:blipFill>
+          <a:blip r:embed="rId3"/>
+          <a:stretch>
+            <a:fillRect/>
+          </a:stretch>
+        </p:blipFill>
+        <p:spPr>
+          <a:xfrm>
+            <a:off x="313592" y="4536078"/>
+            <a:ext cx="2121877" cy="529698"/>
+          </a:xfrm>
+          <a:prstGeom prst="rect">
+            <a:avLst/>
+          </a:prstGeom>
+        </p:spPr>
+      </p:pic>
     </p:spTree>
   </p:cSld>
   <p:clrMapOvr>
@@ -6489,7 +7657,7 @@
       <p:grpSpPr/>
       <p:sp>
         <p:nvSpPr>
-          <p:cNvPr id="2" name="Text Placeholder 1"/>
+          <p:cNvPr id="3" name="Text Placeholder 2"/>
           <p:cNvSpPr>
             <a:spLocks noGrp="1"/>
           </p:cNvSpPr>
@@ -6502,39 +7670,16 @@
           <a:bodyPr/>
           <a:lstStyle/>
           <a:p>
-            <a:r>
-              <a:t>Advanced GPU Architecture</a:t>
-            </a:r>
-          </a:p>
-        </p:txBody>
-      </p:sp>
-      <p:sp>
-        <p:nvSpPr>
-          <p:cNvPr id="3" name="Picture Placeholder 2"/>
-          <p:cNvSpPr>
-            <a:spLocks noGrp="1"/>
-          </p:cNvSpPr>
-          <p:nvPr>
-            <p:ph type="pic" idx="14" sz="quarter"/>
-          </p:nvPr>
-        </p:nvSpPr>
-        <p:spPr/>
-      </p:sp>
-      <p:sp>
-        <p:nvSpPr>
-          <p:cNvPr id="4" name="Picture Placeholder 3"/>
-          <p:cNvSpPr>
-            <a:spLocks noGrp="1"/>
-          </p:cNvSpPr>
-          <p:nvPr>
-            <p:ph type="pic" idx="15" sz="quarter"/>
-          </p:nvPr>
-        </p:nvSpPr>
-        <p:spPr/>
-      </p:sp>
-      <p:sp>
-        <p:nvSpPr>
-          <p:cNvPr id="5" name="Text Placeholder 4"/>
+            <a:pPr algn="l"/>
+            <a:r>
+              <a:t>Support Transition</a:t>
+            </a:r>
+          </a:p>
+        </p:txBody>
+      </p:sp>
+      <p:sp>
+        <p:nvSpPr>
+          <p:cNvPr id="4" name="Text Placeholder 3"/>
           <p:cNvSpPr>
             <a:spLocks noGrp="1"/>
           </p:cNvSpPr>
@@ -6550,54 +7695,184 @@
             <a:pPr/>
             <a:r>
               <a:rPr b="1"/>
-              <a:t>Tensor Cores</a:t>
-            </a:r>
-            <a:r>
-              <a:t>: 3rd generation Tensor Cores for AI acceleration</a:t>
+              <a:t>Hypercare Complete (14 days)</a:t>
+            </a:r>
+          </a:p>
+          <a:p>
+            <a:pPr lvl="1"/>
+            <a:r>
+              <a:t>Daily health checks completed</a:t>
+            </a:r>
+          </a:p>
+          <a:p>
+            <a:pPr lvl="1"/>
+            <a:r>
+              <a:t>3 issues resolved (all P3)</a:t>
+            </a:r>
+          </a:p>
+          <a:p>
+            <a:pPr lvl="1"/>
+            <a:r>
+              <a:t>All KT sessions delivered</a:t>
+            </a:r>
+          </a:p>
+          <a:p>
+            <a:pPr lvl="1"/>
+            <a:r>
+              <a:t>Runbook procedures validated</a:t>
+            </a:r>
+          </a:p>
+          <a:p>
+            <a:pPr lvl="1"/>
+            <a:r>
+              <a:t>Team certified on operations</a:t>
             </a:r>
           </a:p>
           <a:p>
             <a:pPr/>
             <a:r>
               <a:rPr b="1"/>
-              <a:t>Multi-Instance GPU</a:t>
-            </a:r>
-            <a:r>
-              <a:t>: Partitioning for optimal resource utilization</a:t>
-            </a:r>
-          </a:p>
+              <a:t>Steady State Support</a:t>
+            </a:r>
+          </a:p>
+          <a:p>
+            <a:pPr lvl="1"/>
+            <a:r>
+              <a:t>NVIDIA Enterprise Support</a:t>
+            </a:r>
+          </a:p>
+          <a:p>
+            <a:pPr lvl="1"/>
+            <a:r>
+              <a:t>Dell ProSupport for hardware</a:t>
+            </a:r>
+          </a:p>
+          <a:p>
+            <a:pPr lvl="1"/>
+            <a:r>
+              <a:t>4-hour response SLA</a:t>
+            </a:r>
+          </a:p>
+          <a:p>
+            <a:pPr lvl="1"/>
+            <a:r>
+              <a:t>Monthly performance reviews</a:t>
+            </a:r>
+          </a:p>
+          <a:p>
+            <a:pPr lvl="1"/>
+            <a:r>
+              <a:t>Quarterly technology updates</a:t>
+            </a:r>
+          </a:p>
+        </p:txBody>
+      </p:sp>
+      <p:sp>
+        <p:nvSpPr>
+          <p:cNvPr id="5" name="Text Placeholder 4"/>
+          <p:cNvSpPr>
+            <a:spLocks noGrp="1"/>
+          </p:cNvSpPr>
+          <p:nvPr>
+            <p:ph type="body" idx="17" sz="quarter"/>
+          </p:nvPr>
+        </p:nvSpPr>
+        <p:spPr/>
+        <p:txBody>
+          <a:bodyPr/>
+          <a:lstStyle/>
           <a:p>
             <a:pPr/>
             <a:r>
               <a:rPr b="1"/>
-              <a:t>NVLink Fabric</a:t>
-            </a:r>
-            <a:r>
-              <a:t>: 600 GB/s bidirectional GPU interconnect</a:t>
-            </a:r>
-          </a:p>
-          <a:p>
-            <a:pPr/>
-            <a:r>
-              <a:rPr b="1"/>
-              <a:t>GPU Memory</a:t>
-            </a:r>
-            <a:r>
-              <a:t>: 10.2TB total GPU memory across the cluster</a:t>
-            </a:r>
-          </a:p>
-          <a:p>
-            <a:pPr/>
-            <a:r>
-              <a:rPr b="1"/>
-              <a:t>Sparsity Support</a:t>
-            </a:r>
-            <a:r>
-              <a:t>: Structured sparsity for 2x AI inference speedup</a:t>
-            </a:r>
-          </a:p>
-        </p:txBody>
-      </p:sp>
+              <a:t>Escalation Path</a:t>
+            </a:r>
+          </a:p>
+          <a:p>
+            <a:pPr lvl="1"/>
+            <a:r>
+              <a:t>L1: Internal GPU Admin Team</a:t>
+            </a:r>
+          </a:p>
+          <a:p>
+            <a:pPr lvl="1"/>
+            <a:r>
+              <a:t>L2: Platform Engineering</a:t>
+            </a:r>
+          </a:p>
+          <a:p>
+            <a:pPr lvl="1"/>
+            <a:r>
+              <a:t>L3: NVIDIA Enterprise Support</a:t>
+            </a:r>
+          </a:p>
+          <a:p>
+            <a:pPr lvl="1"/>
+            <a:r>
+              <a:t>L4: Dell ProSupport (hardware)</a:t>
+            </a:r>
+          </a:p>
+          <a:p>
+            <a:pPr lvl="1"/>
+            <a:r>
+              <a:t>Account: Partner Manager</a:t>
+            </a:r>
+          </a:p>
+        </p:txBody>
+      </p:sp>
+      <p:sp>
+        <p:nvSpPr>
+          <p:cNvPr id="6" name="Text Placeholder 5"/>
+          <p:cNvSpPr>
+            <a:spLocks noGrp="1"/>
+          </p:cNvSpPr>
+          <p:nvPr>
+            <p:ph type="body" idx="15" sz="quarter"/>
+          </p:nvPr>
+        </p:nvSpPr>
+        <p:spPr/>
+        <p:txBody>
+          <a:bodyPr/>
+          <a:lstStyle/>
+          <a:p>
+            <a:pPr algn="r">
+              <a:buNone/>
+            </a:pPr>
+            <a:r>
+              <a:rPr sz="1100">
+                <a:solidFill>
+                  <a:srgbClr val="CC0000"/>
+                </a:solidFill>
+              </a:rPr>
+              <a:t>NVIDIA GPU Compute Cluster with Kubernetes</a:t>
+            </a:r>
+          </a:p>
+        </p:txBody>
+      </p:sp>
+      <p:pic>
+        <p:nvPicPr>
+          <p:cNvPr id="7" name="Picture 6" descr="consulting_company_logo.png"/>
+          <p:cNvPicPr>
+            <a:picLocks noChangeAspect="1"/>
+          </p:cNvPicPr>
+          <p:nvPr/>
+        </p:nvPicPr>
+        <p:blipFill>
+          <a:blip r:embed="rId3"/>
+          <a:stretch>
+            <a:fillRect/>
+          </a:stretch>
+        </p:blipFill>
+        <p:spPr>
+          <a:xfrm>
+            <a:off x="313592" y="4536078"/>
+            <a:ext cx="2121877" cy="529698"/>
+          </a:xfrm>
+          <a:prstGeom prst="rect">
+            <a:avLst/>
+          </a:prstGeom>
+        </p:spPr>
+      </p:pic>
     </p:spTree>
   </p:cSld>
   <p:clrMapOvr>
@@ -6618,7 +7893,7 @@
       <p:grpSpPr/>
       <p:sp>
         <p:nvSpPr>
-          <p:cNvPr id="2" name="Text Placeholder 1"/>
+          <p:cNvPr id="3" name="Text Placeholder 2"/>
           <p:cNvSpPr>
             <a:spLocks noGrp="1"/>
           </p:cNvSpPr>
@@ -6631,23 +7906,12 @@
           <a:bodyPr/>
           <a:lstStyle/>
           <a:p>
-            <a:r>
-              <a:t>High-Performance Computing</a:t>
-            </a:r>
-          </a:p>
-        </p:txBody>
-      </p:sp>
-      <p:sp>
-        <p:nvSpPr>
-          <p:cNvPr id="3" name="Picture Placeholder 2"/>
-          <p:cNvSpPr>
-            <a:spLocks noGrp="1"/>
-          </p:cNvSpPr>
-          <p:nvPr>
-            <p:ph type="pic" idx="13" sz="quarter"/>
-          </p:nvPr>
-        </p:nvSpPr>
-        <p:spPr/>
+            <a:pPr algn="l"/>
+            <a:r>
+              <a:t>Acknowledgments &amp; Next Steps</a:t>
+            </a:r>
+          </a:p>
+        </p:txBody>
       </p:sp>
       <p:sp>
         <p:nvSpPr>
@@ -6667,54 +7931,117 @@
             <a:pPr/>
             <a:r>
               <a:rPr b="1"/>
-              <a:t>Parallel Processing</a:t>
-            </a:r>
-            <a:r>
-              <a:t>: Massive parallel processing with 40,960 CUDA cores per GPU</a:t>
+              <a:t>Client Team:</a:t>
+            </a:r>
+            <a:r>
+              <a:t> IT leadership, data science leads, infrastructure team</a:t>
             </a:r>
           </a:p>
           <a:p>
             <a:pPr/>
             <a:r>
               <a:rPr b="1"/>
-              <a:t>Mixed Precision</a:t>
-            </a:r>
-            <a:r>
-              <a:t>: FP16, BF16, and TF32 precision for optimal performance</a:t>
+              <a:t>Vendor Team:</a:t>
+            </a:r>
+            <a:r>
+              <a:t> Project manager, GPU architect, Kubernetes engineer</a:t>
             </a:r>
           </a:p>
           <a:p>
             <a:pPr/>
             <a:r>
               <a:rPr b="1"/>
-              <a:t>Memory Bandwidth</a:t>
-            </a:r>
-            <a:r>
-              <a:t>: 1.6TB/s memory bandwidth per GPU</a:t>
+              <a:t>Special Recognition:</a:t>
+            </a:r>
+            <a:r>
+              <a:t> Data science team for pilot program participation</a:t>
             </a:r>
           </a:p>
           <a:p>
             <a:pPr/>
             <a:r>
               <a:rPr b="1"/>
-              <a:t>Compute Capability</a:t>
-            </a:r>
-            <a:r>
-              <a:t>: 8.0 compute capability with latest CUDA features</a:t>
+              <a:t>This Week:</a:t>
+            </a:r>
+            <a:r>
+              <a:t> Final documentation handover, archive project</a:t>
             </a:r>
           </a:p>
           <a:p>
             <a:pPr/>
             <a:r>
               <a:rPr b="1"/>
-              <a:t>Error Correction</a:t>
-            </a:r>
-            <a:r>
-              <a:t>: ECC memory protection for reliability</a:t>
-            </a:r>
-          </a:p>
-        </p:txBody>
-      </p:sp>
+              <a:t>Next 30 Days:</a:t>
+            </a:r>
+            <a:r>
+              <a:t> First monthly review, usage optimization</a:t>
+            </a:r>
+          </a:p>
+          <a:p>
+            <a:pPr/>
+            <a:r>
+              <a:rPr b="1"/>
+              <a:t>Next Quarter:</a:t>
+            </a:r>
+            <a:r>
+              <a:t> Phase 2 planning for capacity expansion</a:t>
+            </a:r>
+          </a:p>
+        </p:txBody>
+      </p:sp>
+      <p:sp>
+        <p:nvSpPr>
+          <p:cNvPr id="5" name="Text Placeholder 4"/>
+          <p:cNvSpPr>
+            <a:spLocks noGrp="1"/>
+          </p:cNvSpPr>
+          <p:nvPr>
+            <p:ph type="body" idx="15" sz="quarter"/>
+          </p:nvPr>
+        </p:nvSpPr>
+        <p:spPr/>
+        <p:txBody>
+          <a:bodyPr/>
+          <a:lstStyle/>
+          <a:p>
+            <a:pPr algn="r">
+              <a:buNone/>
+            </a:pPr>
+            <a:r>
+              <a:rPr sz="1100">
+                <a:solidFill>
+                  <a:srgbClr val="CC0000"/>
+                </a:solidFill>
+              </a:rPr>
+              <a:t>NVIDIA GPU Compute Cluster with Kubernetes</a:t>
+            </a:r>
+          </a:p>
+        </p:txBody>
+      </p:sp>
+      <p:pic>
+        <p:nvPicPr>
+          <p:cNvPr id="6" name="Picture 5" descr="consulting_company_logo.png"/>
+          <p:cNvPicPr>
+            <a:picLocks noChangeAspect="1"/>
+          </p:cNvPicPr>
+          <p:nvPr/>
+        </p:nvPicPr>
+        <p:blipFill>
+          <a:blip r:embed="rId3"/>
+          <a:stretch>
+            <a:fillRect/>
+          </a:stretch>
+        </p:blipFill>
+        <p:spPr>
+          <a:xfrm>
+            <a:off x="313593" y="4536078"/>
+            <a:ext cx="2143858" cy="529698"/>
+          </a:xfrm>
+          <a:prstGeom prst="rect">
+            <a:avLst/>
+          </a:prstGeom>
+        </p:spPr>
+      </p:pic>
     </p:spTree>
   </p:cSld>
   <p:clrMapOvr>
